--- a/DOCS/AIS2.pptx
+++ b/DOCS/AIS2.pptx
@@ -1,41 +1,40 @@
 
 <file path=ppt/presentation.xml><?xml version="1.0" encoding="utf-8"?>
-<p:presentation xmlns:a="http://schemas.openxmlformats.org/drawingml/2006/main" xmlns:r="http://schemas.openxmlformats.org/officeDocument/2006/relationships" xmlns:p="http://schemas.openxmlformats.org/presentationml/2006/main">
+<p:presentation xmlns:a="http://schemas.openxmlformats.org/drawingml/2006/main" xmlns:r="http://schemas.openxmlformats.org/officeDocument/2006/relationships" xmlns:p="http://schemas.openxmlformats.org/presentationml/2006/main" saveSubsetFonts="1">
   <p:sldMasterIdLst>
-    <p:sldMasterId id="2147483648" r:id="rId5"/>
+    <p:sldMasterId id="2147483648" r:id="rId1"/>
   </p:sldMasterIdLst>
   <p:notesMasterIdLst>
-    <p:notesMasterId r:id="rId7"/>
+    <p:notesMasterId r:id="rId26"/>
   </p:notesMasterIdLst>
+  <p:handoutMasterIdLst>
+    <p:handoutMasterId r:id="rId27"/>
+  </p:handoutMasterIdLst>
   <p:sldIdLst>
-    <p:sldId id="256" r:id="rId8"/>
-    <p:sldId id="257" r:id="rId9"/>
-    <p:sldId id="258" r:id="rId10"/>
-    <p:sldId id="259" r:id="rId11"/>
-    <p:sldId id="260" r:id="rId12"/>
-    <p:sldId id="261" r:id="rId13"/>
-    <p:sldId id="262" r:id="rId14"/>
-    <p:sldId id="263" r:id="rId15"/>
-    <p:sldId id="264" r:id="rId16"/>
-    <p:sldId id="265" r:id="rId17"/>
-    <p:sldId id="266" r:id="rId18"/>
-    <p:sldId id="267" r:id="rId19"/>
-    <p:sldId id="268" r:id="rId20"/>
-    <p:sldId id="269" r:id="rId21"/>
-    <p:sldId id="270" r:id="rId22"/>
-    <p:sldId id="271" r:id="rId23"/>
-    <p:sldId id="272" r:id="rId24"/>
-    <p:sldId id="273" r:id="rId25"/>
-    <p:sldId id="274" r:id="rId26"/>
-    <p:sldId id="275" r:id="rId27"/>
-    <p:sldId id="276" r:id="rId28"/>
-    <p:sldId id="277" r:id="rId29"/>
-    <p:sldId id="278" r:id="rId30"/>
-    <p:sldId id="279" r:id="rId31"/>
-    <p:sldId id="280" r:id="rId32"/>
-    <p:sldId id="281" r:id="rId33"/>
-    <p:sldId id="282" r:id="rId34"/>
-    <p:sldId id="283" r:id="rId35"/>
+    <p:sldId id="256" r:id="rId2"/>
+    <p:sldId id="258" r:id="rId3"/>
+    <p:sldId id="259" r:id="rId4"/>
+    <p:sldId id="260" r:id="rId5"/>
+    <p:sldId id="284" r:id="rId6"/>
+    <p:sldId id="261" r:id="rId7"/>
+    <p:sldId id="285" r:id="rId8"/>
+    <p:sldId id="262" r:id="rId9"/>
+    <p:sldId id="265" r:id="rId10"/>
+    <p:sldId id="266" r:id="rId11"/>
+    <p:sldId id="267" r:id="rId12"/>
+    <p:sldId id="268" r:id="rId13"/>
+    <p:sldId id="269" r:id="rId14"/>
+    <p:sldId id="270" r:id="rId15"/>
+    <p:sldId id="271" r:id="rId16"/>
+    <p:sldId id="272" r:id="rId17"/>
+    <p:sldId id="273" r:id="rId18"/>
+    <p:sldId id="274" r:id="rId19"/>
+    <p:sldId id="275" r:id="rId20"/>
+    <p:sldId id="276" r:id="rId21"/>
+    <p:sldId id="277" r:id="rId22"/>
+    <p:sldId id="278" r:id="rId23"/>
+    <p:sldId id="279" r:id="rId24"/>
+    <p:sldId id="280" r:id="rId25"/>
   </p:sldIdLst>
   <p:sldSz cx="13004800" cy="9753600"/>
   <p:notesSz cx="6858000" cy="9144000"/>
@@ -55,7 +54,7 @@
       <a:buFontTx/>
       <a:buNone/>
       <a:tabLst/>
-      <a:defRPr b="0" baseline="0" cap="none" i="0" spc="0" strike="noStrike" sz="1800" u="none" kumimoji="0" normalizeH="0">
+      <a:defRPr kumimoji="0" sz="1800" b="0" i="0" u="none" strike="noStrike" cap="none" spc="0" normalizeH="0" baseline="0">
         <a:ln>
           <a:noFill/>
         </a:ln>
@@ -81,7 +80,7 @@
       <a:buFontTx/>
       <a:buNone/>
       <a:tabLst/>
-      <a:defRPr b="0" baseline="0" cap="none" i="0" spc="0" strike="noStrike" sz="2400" u="none" kumimoji="0" normalizeH="0">
+      <a:defRPr kumimoji="0" sz="2400" b="0" i="0" u="none" strike="noStrike" cap="none" spc="0" normalizeH="0" baseline="0">
         <a:ln>
           <a:noFill/>
         </a:ln>
@@ -111,7 +110,7 @@
       <a:buFontTx/>
       <a:buNone/>
       <a:tabLst/>
-      <a:defRPr b="0" baseline="0" cap="none" i="0" spc="0" strike="noStrike" sz="2400" u="none" kumimoji="0" normalizeH="0">
+      <a:defRPr kumimoji="0" sz="2400" b="0" i="0" u="none" strike="noStrike" cap="none" spc="0" normalizeH="0" baseline="0">
         <a:ln>
           <a:noFill/>
         </a:ln>
@@ -141,7 +140,7 @@
       <a:buFontTx/>
       <a:buNone/>
       <a:tabLst/>
-      <a:defRPr b="0" baseline="0" cap="none" i="0" spc="0" strike="noStrike" sz="2400" u="none" kumimoji="0" normalizeH="0">
+      <a:defRPr kumimoji="0" sz="2400" b="0" i="0" u="none" strike="noStrike" cap="none" spc="0" normalizeH="0" baseline="0">
         <a:ln>
           <a:noFill/>
         </a:ln>
@@ -171,7 +170,7 @@
       <a:buFontTx/>
       <a:buNone/>
       <a:tabLst/>
-      <a:defRPr b="0" baseline="0" cap="none" i="0" spc="0" strike="noStrike" sz="2400" u="none" kumimoji="0" normalizeH="0">
+      <a:defRPr kumimoji="0" sz="2400" b="0" i="0" u="none" strike="noStrike" cap="none" spc="0" normalizeH="0" baseline="0">
         <a:ln>
           <a:noFill/>
         </a:ln>
@@ -201,7 +200,7 @@
       <a:buFontTx/>
       <a:buNone/>
       <a:tabLst/>
-      <a:defRPr b="0" baseline="0" cap="none" i="0" spc="0" strike="noStrike" sz="2400" u="none" kumimoji="0" normalizeH="0">
+      <a:defRPr kumimoji="0" sz="2400" b="0" i="0" u="none" strike="noStrike" cap="none" spc="0" normalizeH="0" baseline="0">
         <a:ln>
           <a:noFill/>
         </a:ln>
@@ -231,7 +230,7 @@
       <a:buFontTx/>
       <a:buNone/>
       <a:tabLst/>
-      <a:defRPr b="0" baseline="0" cap="none" i="0" spc="0" strike="noStrike" sz="2400" u="none" kumimoji="0" normalizeH="0">
+      <a:defRPr kumimoji="0" sz="2400" b="0" i="0" u="none" strike="noStrike" cap="none" spc="0" normalizeH="0" baseline="0">
         <a:ln>
           <a:noFill/>
         </a:ln>
@@ -261,7 +260,7 @@
       <a:buFontTx/>
       <a:buNone/>
       <a:tabLst/>
-      <a:defRPr b="0" baseline="0" cap="none" i="0" spc="0" strike="noStrike" sz="2400" u="none" kumimoji="0" normalizeH="0">
+      <a:defRPr kumimoji="0" sz="2400" b="0" i="0" u="none" strike="noStrike" cap="none" spc="0" normalizeH="0" baseline="0">
         <a:ln>
           <a:noFill/>
         </a:ln>
@@ -291,7 +290,7 @@
       <a:buFontTx/>
       <a:buNone/>
       <a:tabLst/>
-      <a:defRPr b="0" baseline="0" cap="none" i="0" spc="0" strike="noStrike" sz="2400" u="none" kumimoji="0" normalizeH="0">
+      <a:defRPr kumimoji="0" sz="2400" b="0" i="0" u="none" strike="noStrike" cap="none" spc="0" normalizeH="0" baseline="0">
         <a:ln>
           <a:noFill/>
         </a:ln>
@@ -321,7 +320,7 @@
       <a:buFontTx/>
       <a:buNone/>
       <a:tabLst/>
-      <a:defRPr b="0" baseline="0" cap="none" i="0" spc="0" strike="noStrike" sz="2400" u="none" kumimoji="0" normalizeH="0">
+      <a:defRPr kumimoji="0" sz="2400" b="0" i="0" u="none" strike="noStrike" cap="none" spc="0" normalizeH="0" baseline="0">
         <a:ln>
           <a:noFill/>
         </a:ln>
@@ -340,13 +339,179 @@
 </p:presentation>
 </file>
 
-<file path=ppt/commentAuthors.xml><?xml version="1.0" encoding="utf-8"?>
-<p:cmAuthorLst xmlns:a="http://schemas.openxmlformats.org/drawingml/2006/main" xmlns:r="http://schemas.openxmlformats.org/officeDocument/2006/relationships" xmlns:p="http://schemas.openxmlformats.org/presentationml/2006/main"/>
+<file path=ppt/handoutMasters/handoutMaster1.xml><?xml version="1.0" encoding="utf-8"?>
+<p:handoutMaster xmlns:a="http://schemas.openxmlformats.org/drawingml/2006/main" xmlns:r="http://schemas.openxmlformats.org/officeDocument/2006/relationships" xmlns:p="http://schemas.openxmlformats.org/presentationml/2006/main">
+  <p:cSld>
+    <p:bg>
+      <p:bgRef idx="1001">
+        <a:schemeClr val="bg1"/>
+      </p:bgRef>
+    </p:bg>
+    <p:spTree>
+      <p:nvGrpSpPr>
+        <p:cNvPr id="1" name=""/>
+        <p:cNvGrpSpPr/>
+        <p:nvPr/>
+      </p:nvGrpSpPr>
+      <p:grpSpPr>
+        <a:xfrm>
+          <a:off x="0" y="0"/>
+          <a:ext cx="0" cy="0"/>
+          <a:chOff x="0" y="0"/>
+          <a:chExt cx="0" cy="0"/>
+        </a:xfrm>
+      </p:grpSpPr>
+      <p:sp>
+        <p:nvSpPr>
+          <p:cNvPr id="2" name="Marcador de encabezado 1"/>
+          <p:cNvSpPr>
+            <a:spLocks noGrp="1"/>
+          </p:cNvSpPr>
+          <p:nvPr>
+            <p:ph type="hdr" sz="quarter"/>
+          </p:nvPr>
+        </p:nvSpPr>
+        <p:spPr>
+          <a:xfrm>
+            <a:off x="0" y="0"/>
+            <a:ext cx="2971800" cy="458788"/>
+          </a:xfrm>
+          <a:prstGeom prst="rect">
+            <a:avLst/>
+          </a:prstGeom>
+        </p:spPr>
+        <p:txBody>
+          <a:bodyPr vert="horz" lIns="91440" tIns="45720" rIns="91440" bIns="45720" rtlCol="0"/>
+          <a:lstStyle>
+            <a:lvl1pPr algn="l">
+              <a:defRPr sz="1200"/>
+            </a:lvl1pPr>
+          </a:lstStyle>
+          <a:p>
+            <a:endParaRPr lang="es-ES_tradnl"/>
+          </a:p>
+        </p:txBody>
+      </p:sp>
+      <p:sp>
+        <p:nvSpPr>
+          <p:cNvPr id="3" name="Marcador de fecha 2"/>
+          <p:cNvSpPr>
+            <a:spLocks noGrp="1"/>
+          </p:cNvSpPr>
+          <p:nvPr>
+            <p:ph type="dt" sz="quarter" idx="1"/>
+          </p:nvPr>
+        </p:nvSpPr>
+        <p:spPr>
+          <a:xfrm>
+            <a:off x="3884613" y="0"/>
+            <a:ext cx="2971800" cy="458788"/>
+          </a:xfrm>
+          <a:prstGeom prst="rect">
+            <a:avLst/>
+          </a:prstGeom>
+        </p:spPr>
+        <p:txBody>
+          <a:bodyPr vert="horz" lIns="91440" tIns="45720" rIns="91440" bIns="45720" rtlCol="0"/>
+          <a:lstStyle>
+            <a:lvl1pPr algn="r">
+              <a:defRPr sz="1200"/>
+            </a:lvl1pPr>
+          </a:lstStyle>
+          <a:p>
+            <a:fld id="{AB5A4B47-FA1F-5645-8175-FB6070F3D74D}" type="datetimeFigureOut">
+              <a:rPr lang="es-ES_tradnl" smtClean="0"/>
+              <a:t>24/4/18</a:t>
+            </a:fld>
+            <a:endParaRPr lang="es-ES_tradnl"/>
+          </a:p>
+        </p:txBody>
+      </p:sp>
+      <p:sp>
+        <p:nvSpPr>
+          <p:cNvPr id="4" name="Marcador de pie de página 3"/>
+          <p:cNvSpPr>
+            <a:spLocks noGrp="1"/>
+          </p:cNvSpPr>
+          <p:nvPr>
+            <p:ph type="ftr" sz="quarter" idx="2"/>
+          </p:nvPr>
+        </p:nvSpPr>
+        <p:spPr>
+          <a:xfrm>
+            <a:off x="0" y="8685213"/>
+            <a:ext cx="2971800" cy="458787"/>
+          </a:xfrm>
+          <a:prstGeom prst="rect">
+            <a:avLst/>
+          </a:prstGeom>
+        </p:spPr>
+        <p:txBody>
+          <a:bodyPr vert="horz" lIns="91440" tIns="45720" rIns="91440" bIns="45720" rtlCol="0" anchor="b"/>
+          <a:lstStyle>
+            <a:lvl1pPr algn="l">
+              <a:defRPr sz="1200"/>
+            </a:lvl1pPr>
+          </a:lstStyle>
+          <a:p>
+            <a:endParaRPr lang="es-ES_tradnl"/>
+          </a:p>
+        </p:txBody>
+      </p:sp>
+      <p:sp>
+        <p:nvSpPr>
+          <p:cNvPr id="5" name="Marcador de número de diapositiva 4"/>
+          <p:cNvSpPr>
+            <a:spLocks noGrp="1"/>
+          </p:cNvSpPr>
+          <p:nvPr>
+            <p:ph type="sldNum" sz="quarter" idx="3"/>
+          </p:nvPr>
+        </p:nvSpPr>
+        <p:spPr>
+          <a:xfrm>
+            <a:off x="3884613" y="8685213"/>
+            <a:ext cx="2971800" cy="458787"/>
+          </a:xfrm>
+          <a:prstGeom prst="rect">
+            <a:avLst/>
+          </a:prstGeom>
+        </p:spPr>
+        <p:txBody>
+          <a:bodyPr vert="horz" lIns="91440" tIns="45720" rIns="91440" bIns="45720" rtlCol="0" anchor="b"/>
+          <a:lstStyle>
+            <a:lvl1pPr algn="r">
+              <a:defRPr sz="1200"/>
+            </a:lvl1pPr>
+          </a:lstStyle>
+          <a:p>
+            <a:fld id="{92DD3481-7CE0-BD4F-ADE1-ABEBB0F52324}" type="slidenum">
+              <a:rPr lang="es-ES_tradnl" smtClean="0"/>
+              <a:t>‹Nr.›</a:t>
+            </a:fld>
+            <a:endParaRPr lang="es-ES_tradnl"/>
+          </a:p>
+        </p:txBody>
+      </p:sp>
+    </p:spTree>
+    <p:extLst>
+      <p:ext uri="{BB962C8B-B14F-4D97-AF65-F5344CB8AC3E}">
+        <p14:creationId xmlns:p14="http://schemas.microsoft.com/office/powerpoint/2010/main" val="1778114311"/>
+      </p:ext>
+    </p:extLst>
+  </p:cSld>
+  <p:clrMap bg1="lt1" tx1="dk1" bg2="lt2" tx2="dk2" accent1="accent1" accent2="accent2" accent3="accent3" accent4="accent4" accent5="accent5" accent6="accent6" hlink="hlink" folHlink="folHlink"/>
+</p:handoutMaster>
 </file>
 
 <file path=ppt/notesMasters/notesMaster1.xml><?xml version="1.0" encoding="utf-8"?>
 <p:notesMaster xmlns:a="http://schemas.openxmlformats.org/drawingml/2006/main" xmlns:r="http://schemas.openxmlformats.org/officeDocument/2006/relationships" xmlns:p="http://schemas.openxmlformats.org/presentationml/2006/main">
   <p:cSld>
+    <p:bg>
+      <p:bgRef idx="1001">
+        <a:schemeClr val="bg1"/>
+      </p:bgRef>
+    </p:bg>
     <p:spTree>
       <p:nvGrpSpPr>
         <p:cNvPr id="1" name=""/>
@@ -364,7 +529,9 @@
       <p:sp>
         <p:nvSpPr>
           <p:cNvPr id="130" name="Shape 130"/>
-          <p:cNvSpPr/>
+          <p:cNvSpPr>
+            <a:spLocks noGrp="1" noRot="1" noChangeAspect="1"/>
+          </p:cNvSpPr>
           <p:nvPr>
             <p:ph type="sldImg"/>
           </p:nvPr>
@@ -382,14 +549,16 @@
           <a:bodyPr/>
           <a:lstStyle/>
           <a:p>
-            <a:pPr/>
+            <a:endParaRPr/>
           </a:p>
         </p:txBody>
       </p:sp>
       <p:sp>
         <p:nvSpPr>
           <p:cNvPr id="131" name="Shape 131"/>
-          <p:cNvSpPr/>
+          <p:cNvSpPr>
+            <a:spLocks noGrp="1"/>
+          </p:cNvSpPr>
           <p:nvPr>
             <p:ph type="body" sz="quarter" idx="1"/>
           </p:nvPr>
@@ -407,7 +576,7 @@
           <a:bodyPr/>
           <a:lstStyle/>
           <a:p>
-            <a:pPr/>
+            <a:endParaRPr/>
           </a:p>
         </p:txBody>
       </p:sp>
@@ -519,7 +688,7 @@
 </file>
 
 <file path=ppt/slideLayouts/slideLayout1.xml><?xml version="1.0" encoding="utf-8"?>
-<p:sldLayout xmlns:a="http://schemas.openxmlformats.org/drawingml/2006/main" xmlns:r="http://schemas.openxmlformats.org/officeDocument/2006/relationships" xmlns:p="http://schemas.openxmlformats.org/presentationml/2006/main" type="title" showMasterSp="0" showMasterPhAnim="1">
+<p:sldLayout xmlns:a="http://schemas.openxmlformats.org/drawingml/2006/main" xmlns:r="http://schemas.openxmlformats.org/officeDocument/2006/relationships" xmlns:p="http://schemas.openxmlformats.org/presentationml/2006/main" showMasterSp="0" type="title">
   <p:cSld name="Título y subtítulo">
     <p:spTree>
       <p:nvGrpSpPr>
@@ -573,6 +742,7 @@
                 <a:sym typeface="Helvetica"/>
               </a:defRPr>
             </a:pPr>
+            <a:endParaRPr/>
           </a:p>
         </p:txBody>
       </p:sp>
@@ -614,6 +784,7 @@
                 <a:sym typeface="Helvetica"/>
               </a:defRPr>
             </a:pPr>
+            <a:endParaRPr/>
           </a:p>
         </p:txBody>
       </p:sp>
@@ -655,13 +826,16 @@
                 <a:sym typeface="Helvetica"/>
               </a:defRPr>
             </a:pPr>
+            <a:endParaRPr/>
           </a:p>
         </p:txBody>
       </p:sp>
       <p:sp>
         <p:nvSpPr>
           <p:cNvPr id="16" name="Shape 16"/>
-          <p:cNvSpPr/>
+          <p:cNvSpPr>
+            <a:spLocks noGrp="1"/>
+          </p:cNvSpPr>
           <p:nvPr>
             <p:ph type="body" sz="quarter" idx="13"/>
           </p:nvPr>
@@ -691,11 +865,10 @@
               <a:buSzTx/>
               <a:buFontTx/>
               <a:buNone/>
-              <a:defRPr i="1" sz="2400"/>
+              <a:defRPr sz="2400" i="1"/>
             </a:lvl1pPr>
           </a:lstStyle>
           <a:p>
-            <a:pPr/>
             <a:r>
               <a:t>Lorem Ipsum Dolor</a:t>
             </a:r>
@@ -705,7 +878,9 @@
       <p:sp>
         <p:nvSpPr>
           <p:cNvPr id="17" name="Shape 17"/>
-          <p:cNvSpPr/>
+          <p:cNvSpPr>
+            <a:spLocks noGrp="1"/>
+          </p:cNvSpPr>
           <p:nvPr>
             <p:ph type="title"/>
           </p:nvPr>
@@ -725,7 +900,6 @@
             <a:lvl1pPr algn="l"/>
           </a:lstStyle>
           <a:p>
-            <a:pPr/>
             <a:r>
               <a:t>Texto del título</a:t>
             </a:r>
@@ -735,7 +909,9 @@
       <p:sp>
         <p:nvSpPr>
           <p:cNvPr id="18" name="Shape 18"/>
-          <p:cNvSpPr/>
+          <p:cNvSpPr>
+            <a:spLocks noGrp="1"/>
+          </p:cNvSpPr>
           <p:nvPr>
             <p:ph type="body" sz="quarter" idx="1"/>
           </p:nvPr>
@@ -804,7 +980,6 @@
             </a:lvl5pPr>
           </a:lstStyle>
           <a:p>
-            <a:pPr/>
             <a:r>
               <a:t>Nivel de texto 1</a:t>
             </a:r>
@@ -838,7 +1013,9 @@
       <p:sp>
         <p:nvSpPr>
           <p:cNvPr id="19" name="Shape 19"/>
-          <p:cNvSpPr/>
+          <p:cNvSpPr>
+            <a:spLocks noGrp="1"/>
+          </p:cNvSpPr>
           <p:nvPr>
             <p:ph type="sldNum" sz="quarter" idx="2"/>
           </p:nvPr>
@@ -852,8 +1029,10 @@
           <a:bodyPr/>
           <a:lstStyle/>
           <a:p>
-            <a:pPr/>
-            <a:fld id="{86CB4B4D-7CA3-9044-876B-883B54F8677D}" type="slidenum"/>
+            <a:fld id="{86CB4B4D-7CA3-9044-876B-883B54F8677D}" type="slidenum">
+              <a:t>‹Nr.›</a:t>
+            </a:fld>
+            <a:endParaRPr/>
           </a:p>
         </p:txBody>
       </p:sp>
@@ -862,12 +1041,12 @@
   <p:clrMapOvr>
     <a:masterClrMapping/>
   </p:clrMapOvr>
-  <p:transition xmlns:p14="http://schemas.microsoft.com/office/powerpoint/2010/main" spd="med" advClick="1"/>
+  <p:transition spd="med"/>
 </p:sldLayout>
 </file>
 
 <file path=ppt/slideLayouts/slideLayout10.xml><?xml version="1.0" encoding="utf-8"?>
-<p:sldLayout xmlns:a="http://schemas.openxmlformats.org/drawingml/2006/main" xmlns:r="http://schemas.openxmlformats.org/officeDocument/2006/relationships" xmlns:p="http://schemas.openxmlformats.org/presentationml/2006/main" type="tx" showMasterSp="0" showMasterPhAnim="1">
+<p:sldLayout xmlns:a="http://schemas.openxmlformats.org/drawingml/2006/main" xmlns:r="http://schemas.openxmlformats.org/officeDocument/2006/relationships" xmlns:p="http://schemas.openxmlformats.org/presentationml/2006/main" showMasterSp="0" type="tx">
   <p:cSld name="Cita">
     <p:spTree>
       <p:nvGrpSpPr>
@@ -886,7 +1065,9 @@
       <p:sp>
         <p:nvSpPr>
           <p:cNvPr id="107" name="Shape 107"/>
-          <p:cNvSpPr/>
+          <p:cNvSpPr>
+            <a:spLocks noGrp="1"/>
+          </p:cNvSpPr>
           <p:nvPr>
             <p:ph type="body" sz="quarter" idx="13"/>
           </p:nvPr>
@@ -913,11 +1094,10 @@
               <a:buSzTx/>
               <a:buFontTx/>
               <a:buNone/>
-              <a:defRPr i="1" sz="3000"/>
+              <a:defRPr sz="3000" i="1"/>
             </a:lvl1pPr>
           </a:lstStyle>
           <a:p>
-            <a:pPr/>
             <a:r>
               <a:t>– Juan López</a:t>
             </a:r>
@@ -927,7 +1107,9 @@
       <p:sp>
         <p:nvSpPr>
           <p:cNvPr id="108" name="Shape 108"/>
-          <p:cNvSpPr/>
+          <p:cNvSpPr>
+            <a:spLocks noGrp="1"/>
+          </p:cNvSpPr>
           <p:nvPr>
             <p:ph type="body" sz="quarter" idx="14"/>
           </p:nvPr>
@@ -957,7 +1139,6 @@
             </a:lvl1pPr>
           </a:lstStyle>
           <a:p>
-            <a:pPr/>
             <a:r>
               <a:t>“Escribir una cita aquí” </a:t>
             </a:r>
@@ -967,7 +1148,9 @@
       <p:sp>
         <p:nvSpPr>
           <p:cNvPr id="109" name="Shape 109"/>
-          <p:cNvSpPr/>
+          <p:cNvSpPr>
+            <a:spLocks noGrp="1"/>
+          </p:cNvSpPr>
           <p:nvPr>
             <p:ph type="sldNum" sz="quarter" idx="2"/>
           </p:nvPr>
@@ -981,8 +1164,10 @@
           <a:bodyPr/>
           <a:lstStyle/>
           <a:p>
-            <a:pPr/>
-            <a:fld id="{86CB4B4D-7CA3-9044-876B-883B54F8677D}" type="slidenum"/>
+            <a:fld id="{86CB4B4D-7CA3-9044-876B-883B54F8677D}" type="slidenum">
+              <a:t>‹Nr.›</a:t>
+            </a:fld>
+            <a:endParaRPr/>
           </a:p>
         </p:txBody>
       </p:sp>
@@ -991,12 +1176,12 @@
   <p:clrMapOvr>
     <a:masterClrMapping/>
   </p:clrMapOvr>
-  <p:transition xmlns:p14="http://schemas.microsoft.com/office/powerpoint/2010/main" spd="med" advClick="1"/>
+  <p:transition spd="med"/>
 </p:sldLayout>
 </file>
 
 <file path=ppt/slideLayouts/slideLayout11.xml><?xml version="1.0" encoding="utf-8"?>
-<p:sldLayout xmlns:a="http://schemas.openxmlformats.org/drawingml/2006/main" xmlns:r="http://schemas.openxmlformats.org/officeDocument/2006/relationships" xmlns:p="http://schemas.openxmlformats.org/presentationml/2006/main" type="tx" showMasterSp="0" showMasterPhAnim="1">
+<p:sldLayout xmlns:a="http://schemas.openxmlformats.org/drawingml/2006/main" xmlns:r="http://schemas.openxmlformats.org/officeDocument/2006/relationships" xmlns:p="http://schemas.openxmlformats.org/presentationml/2006/main" showMasterSp="0" type="tx">
   <p:cSld name="Foto">
     <p:spTree>
       <p:nvGrpSpPr>
@@ -1015,7 +1200,9 @@
       <p:sp>
         <p:nvSpPr>
           <p:cNvPr id="116" name="Shape 116"/>
-          <p:cNvSpPr/>
+          <p:cNvSpPr>
+            <a:spLocks noGrp="1"/>
+          </p:cNvSpPr>
           <p:nvPr>
             <p:ph type="pic" idx="13"/>
           </p:nvPr>
@@ -1035,14 +1222,16 @@
           </a:bodyPr>
           <a:lstStyle/>
           <a:p>
-            <a:pPr/>
+            <a:endParaRPr/>
           </a:p>
         </p:txBody>
       </p:sp>
       <p:sp>
         <p:nvSpPr>
           <p:cNvPr id="117" name="Shape 117"/>
-          <p:cNvSpPr/>
+          <p:cNvSpPr>
+            <a:spLocks noGrp="1"/>
+          </p:cNvSpPr>
           <p:nvPr>
             <p:ph type="sldNum" sz="quarter" idx="2"/>
           </p:nvPr>
@@ -1056,8 +1245,10 @@
           <a:bodyPr/>
           <a:lstStyle/>
           <a:p>
-            <a:pPr/>
-            <a:fld id="{86CB4B4D-7CA3-9044-876B-883B54F8677D}" type="slidenum"/>
+            <a:fld id="{86CB4B4D-7CA3-9044-876B-883B54F8677D}" type="slidenum">
+              <a:t>‹Nr.›</a:t>
+            </a:fld>
+            <a:endParaRPr/>
           </a:p>
         </p:txBody>
       </p:sp>
@@ -1066,12 +1257,12 @@
   <p:clrMapOvr>
     <a:masterClrMapping/>
   </p:clrMapOvr>
-  <p:transition xmlns:p14="http://schemas.microsoft.com/office/powerpoint/2010/main" spd="med" advClick="1"/>
+  <p:transition spd="med"/>
 </p:sldLayout>
 </file>
 
 <file path=ppt/slideLayouts/slideLayout12.xml><?xml version="1.0" encoding="utf-8"?>
-<p:sldLayout xmlns:a="http://schemas.openxmlformats.org/drawingml/2006/main" xmlns:r="http://schemas.openxmlformats.org/officeDocument/2006/relationships" xmlns:p="http://schemas.openxmlformats.org/presentationml/2006/main" type="tx" showMasterSp="0" showMasterPhAnim="1">
+<p:sldLayout xmlns:a="http://schemas.openxmlformats.org/drawingml/2006/main" xmlns:r="http://schemas.openxmlformats.org/officeDocument/2006/relationships" xmlns:p="http://schemas.openxmlformats.org/presentationml/2006/main" showMasterSp="0" type="tx">
   <p:cSld name="En blanco">
     <p:spTree>
       <p:nvGrpSpPr>
@@ -1090,7 +1281,9 @@
       <p:sp>
         <p:nvSpPr>
           <p:cNvPr id="124" name="Shape 124"/>
-          <p:cNvSpPr/>
+          <p:cNvSpPr>
+            <a:spLocks noGrp="1"/>
+          </p:cNvSpPr>
           <p:nvPr>
             <p:ph type="sldNum" sz="quarter" idx="2"/>
           </p:nvPr>
@@ -1104,8 +1297,10 @@
           <a:bodyPr/>
           <a:lstStyle/>
           <a:p>
-            <a:pPr/>
-            <a:fld id="{86CB4B4D-7CA3-9044-876B-883B54F8677D}" type="slidenum"/>
+            <a:fld id="{86CB4B4D-7CA3-9044-876B-883B54F8677D}" type="slidenum">
+              <a:t>‹Nr.›</a:t>
+            </a:fld>
+            <a:endParaRPr/>
           </a:p>
         </p:txBody>
       </p:sp>
@@ -1114,12 +1309,12 @@
   <p:clrMapOvr>
     <a:masterClrMapping/>
   </p:clrMapOvr>
-  <p:transition xmlns:p14="http://schemas.microsoft.com/office/powerpoint/2010/main" spd="med" advClick="1"/>
+  <p:transition spd="med"/>
 </p:sldLayout>
 </file>
 
 <file path=ppt/slideLayouts/slideLayout2.xml><?xml version="1.0" encoding="utf-8"?>
-<p:sldLayout xmlns:a="http://schemas.openxmlformats.org/drawingml/2006/main" xmlns:r="http://schemas.openxmlformats.org/officeDocument/2006/relationships" xmlns:p="http://schemas.openxmlformats.org/presentationml/2006/main" type="tx" showMasterSp="0" showMasterPhAnim="1">
+<p:sldLayout xmlns:a="http://schemas.openxmlformats.org/drawingml/2006/main" xmlns:r="http://schemas.openxmlformats.org/officeDocument/2006/relationships" xmlns:p="http://schemas.openxmlformats.org/presentationml/2006/main" showMasterSp="0" type="tx">
   <p:cSld name="Foto (horizontal)">
     <p:spTree>
       <p:nvGrpSpPr>
@@ -1173,6 +1368,7 @@
                 <a:sym typeface="Helvetica"/>
               </a:defRPr>
             </a:pPr>
+            <a:endParaRPr/>
           </a:p>
         </p:txBody>
       </p:sp>
@@ -1214,6 +1410,7 @@
                 <a:sym typeface="Helvetica"/>
               </a:defRPr>
             </a:pPr>
+            <a:endParaRPr/>
           </a:p>
         </p:txBody>
       </p:sp>
@@ -1255,6 +1452,7 @@
                 <a:sym typeface="Helvetica"/>
               </a:defRPr>
             </a:pPr>
+            <a:endParaRPr/>
           </a:p>
         </p:txBody>
       </p:sp>
@@ -1296,13 +1494,16 @@
                 <a:sym typeface="Helvetica"/>
               </a:defRPr>
             </a:pPr>
+            <a:endParaRPr/>
           </a:p>
         </p:txBody>
       </p:sp>
       <p:sp>
         <p:nvSpPr>
           <p:cNvPr id="30" name="Shape 30"/>
-          <p:cNvSpPr/>
+          <p:cNvSpPr>
+            <a:spLocks noGrp="1"/>
+          </p:cNvSpPr>
           <p:nvPr>
             <p:ph type="body" sz="quarter" idx="13"/>
           </p:nvPr>
@@ -1332,11 +1533,10 @@
               <a:buSzTx/>
               <a:buFontTx/>
               <a:buNone/>
-              <a:defRPr i="1" sz="2400"/>
+              <a:defRPr sz="2400" i="1"/>
             </a:lvl1pPr>
           </a:lstStyle>
           <a:p>
-            <a:pPr/>
             <a:r>
               <a:t>Lorem Ipsum Dolor</a:t>
             </a:r>
@@ -1346,7 +1546,9 @@
       <p:sp>
         <p:nvSpPr>
           <p:cNvPr id="31" name="Shape 31"/>
-          <p:cNvSpPr/>
+          <p:cNvSpPr>
+            <a:spLocks noGrp="1"/>
+          </p:cNvSpPr>
           <p:nvPr>
             <p:ph type="pic" idx="14"/>
           </p:nvPr>
@@ -1369,14 +1571,16 @@
           </a:bodyPr>
           <a:lstStyle/>
           <a:p>
-            <a:pPr/>
+            <a:endParaRPr/>
           </a:p>
         </p:txBody>
       </p:sp>
       <p:sp>
         <p:nvSpPr>
           <p:cNvPr id="32" name="Shape 32"/>
-          <p:cNvSpPr/>
+          <p:cNvSpPr>
+            <a:spLocks noGrp="1"/>
+          </p:cNvSpPr>
           <p:nvPr>
             <p:ph type="title"/>
           </p:nvPr>
@@ -1396,7 +1600,6 @@
             <a:lvl1pPr algn="l"/>
           </a:lstStyle>
           <a:p>
-            <a:pPr/>
             <a:r>
               <a:t>Texto del título</a:t>
             </a:r>
@@ -1406,7 +1609,9 @@
       <p:sp>
         <p:nvSpPr>
           <p:cNvPr id="33" name="Shape 33"/>
-          <p:cNvSpPr/>
+          <p:cNvSpPr>
+            <a:spLocks noGrp="1"/>
+          </p:cNvSpPr>
           <p:nvPr>
             <p:ph type="body" sz="quarter" idx="1"/>
           </p:nvPr>
@@ -1475,7 +1680,6 @@
             </a:lvl5pPr>
           </a:lstStyle>
           <a:p>
-            <a:pPr/>
             <a:r>
               <a:t>Nivel de texto 1</a:t>
             </a:r>
@@ -1509,7 +1713,9 @@
       <p:sp>
         <p:nvSpPr>
           <p:cNvPr id="34" name="Shape 34"/>
-          <p:cNvSpPr/>
+          <p:cNvSpPr>
+            <a:spLocks noGrp="1"/>
+          </p:cNvSpPr>
           <p:nvPr>
             <p:ph type="sldNum" sz="quarter" idx="2"/>
           </p:nvPr>
@@ -1523,8 +1729,10 @@
           <a:bodyPr/>
           <a:lstStyle/>
           <a:p>
-            <a:pPr/>
-            <a:fld id="{86CB4B4D-7CA3-9044-876B-883B54F8677D}" type="slidenum"/>
+            <a:fld id="{86CB4B4D-7CA3-9044-876B-883B54F8677D}" type="slidenum">
+              <a:t>‹Nr.›</a:t>
+            </a:fld>
+            <a:endParaRPr/>
           </a:p>
         </p:txBody>
       </p:sp>
@@ -1533,12 +1741,12 @@
   <p:clrMapOvr>
     <a:masterClrMapping/>
   </p:clrMapOvr>
-  <p:transition xmlns:p14="http://schemas.microsoft.com/office/powerpoint/2010/main" spd="med" advClick="1"/>
+  <p:transition spd="med"/>
 </p:sldLayout>
 </file>
 
 <file path=ppt/slideLayouts/slideLayout3.xml><?xml version="1.0" encoding="utf-8"?>
-<p:sldLayout xmlns:a="http://schemas.openxmlformats.org/drawingml/2006/main" xmlns:r="http://schemas.openxmlformats.org/officeDocument/2006/relationships" xmlns:p="http://schemas.openxmlformats.org/presentationml/2006/main" type="tx" showMasterSp="0" showMasterPhAnim="1">
+<p:sldLayout xmlns:a="http://schemas.openxmlformats.org/drawingml/2006/main" xmlns:r="http://schemas.openxmlformats.org/officeDocument/2006/relationships" xmlns:p="http://schemas.openxmlformats.org/presentationml/2006/main" showMasterSp="0" type="tx">
   <p:cSld name="Título (centro)">
     <p:spTree>
       <p:nvGrpSpPr>
@@ -1557,7 +1765,9 @@
       <p:sp>
         <p:nvSpPr>
           <p:cNvPr id="41" name="Shape 41"/>
-          <p:cNvSpPr/>
+          <p:cNvSpPr>
+            <a:spLocks noGrp="1"/>
+          </p:cNvSpPr>
           <p:nvPr>
             <p:ph type="title"/>
           </p:nvPr>
@@ -1575,7 +1785,6 @@
           <a:bodyPr/>
           <a:lstStyle/>
           <a:p>
-            <a:pPr/>
             <a:r>
               <a:t>Texto del título</a:t>
             </a:r>
@@ -1585,7 +1794,9 @@
       <p:sp>
         <p:nvSpPr>
           <p:cNvPr id="42" name="Shape 42"/>
-          <p:cNvSpPr/>
+          <p:cNvSpPr>
+            <a:spLocks noGrp="1"/>
+          </p:cNvSpPr>
           <p:nvPr>
             <p:ph type="sldNum" sz="quarter" idx="2"/>
           </p:nvPr>
@@ -1599,8 +1810,10 @@
           <a:bodyPr/>
           <a:lstStyle/>
           <a:p>
-            <a:pPr/>
-            <a:fld id="{86CB4B4D-7CA3-9044-876B-883B54F8677D}" type="slidenum"/>
+            <a:fld id="{86CB4B4D-7CA3-9044-876B-883B54F8677D}" type="slidenum">
+              <a:t>‹Nr.›</a:t>
+            </a:fld>
+            <a:endParaRPr/>
           </a:p>
         </p:txBody>
       </p:sp>
@@ -1609,12 +1822,12 @@
   <p:clrMapOvr>
     <a:masterClrMapping/>
   </p:clrMapOvr>
-  <p:transition xmlns:p14="http://schemas.microsoft.com/office/powerpoint/2010/main" spd="med" advClick="1"/>
+  <p:transition spd="med"/>
 </p:sldLayout>
 </file>
 
 <file path=ppt/slideLayouts/slideLayout4.xml><?xml version="1.0" encoding="utf-8"?>
-<p:sldLayout xmlns:a="http://schemas.openxmlformats.org/drawingml/2006/main" xmlns:r="http://schemas.openxmlformats.org/officeDocument/2006/relationships" xmlns:p="http://schemas.openxmlformats.org/presentationml/2006/main" type="tx" showMasterSp="0" showMasterPhAnim="1">
+<p:sldLayout xmlns:a="http://schemas.openxmlformats.org/drawingml/2006/main" xmlns:r="http://schemas.openxmlformats.org/officeDocument/2006/relationships" xmlns:p="http://schemas.openxmlformats.org/presentationml/2006/main" showMasterSp="0" type="tx">
   <p:cSld name="Foto (vertical)">
     <p:spTree>
       <p:nvGrpSpPr>
@@ -1668,6 +1881,7 @@
                 <a:sym typeface="Helvetica"/>
               </a:defRPr>
             </a:pPr>
+            <a:endParaRPr/>
           </a:p>
         </p:txBody>
       </p:sp>
@@ -1709,13 +1923,16 @@
                 <a:sym typeface="Helvetica"/>
               </a:defRPr>
             </a:pPr>
+            <a:endParaRPr/>
           </a:p>
         </p:txBody>
       </p:sp>
       <p:sp>
         <p:nvSpPr>
           <p:cNvPr id="51" name="Shape 51"/>
-          <p:cNvSpPr/>
+          <p:cNvSpPr>
+            <a:spLocks noGrp="1"/>
+          </p:cNvSpPr>
           <p:nvPr>
             <p:ph type="body" sz="quarter" idx="13"/>
           </p:nvPr>
@@ -1745,11 +1962,10 @@
               <a:buSzTx/>
               <a:buFontTx/>
               <a:buNone/>
-              <a:defRPr i="1" sz="2400"/>
+              <a:defRPr sz="2400" i="1"/>
             </a:lvl1pPr>
           </a:lstStyle>
           <a:p>
-            <a:pPr/>
             <a:r>
               <a:t>Lorem Ipsum Dolor</a:t>
             </a:r>
@@ -1759,7 +1975,9 @@
       <p:sp>
         <p:nvSpPr>
           <p:cNvPr id="52" name="Shape 52"/>
-          <p:cNvSpPr/>
+          <p:cNvSpPr>
+            <a:spLocks noGrp="1"/>
+          </p:cNvSpPr>
           <p:nvPr>
             <p:ph type="pic" sz="half" idx="14"/>
           </p:nvPr>
@@ -1782,14 +2000,16 @@
           </a:bodyPr>
           <a:lstStyle/>
           <a:p>
-            <a:pPr/>
+            <a:endParaRPr/>
           </a:p>
         </p:txBody>
       </p:sp>
       <p:sp>
         <p:nvSpPr>
           <p:cNvPr id="53" name="Shape 53"/>
-          <p:cNvSpPr/>
+          <p:cNvSpPr>
+            <a:spLocks noGrp="1"/>
+          </p:cNvSpPr>
           <p:nvPr>
             <p:ph type="title"/>
           </p:nvPr>
@@ -1811,7 +2031,6 @@
             </a:lvl1pPr>
           </a:lstStyle>
           <a:p>
-            <a:pPr/>
             <a:r>
               <a:t>Texto del título</a:t>
             </a:r>
@@ -1821,7 +2040,9 @@
       <p:sp>
         <p:nvSpPr>
           <p:cNvPr id="54" name="Shape 54"/>
-          <p:cNvSpPr/>
+          <p:cNvSpPr>
+            <a:spLocks noGrp="1"/>
+          </p:cNvSpPr>
           <p:nvPr>
             <p:ph type="body" sz="quarter" idx="1"/>
           </p:nvPr>
@@ -1890,7 +2111,6 @@
             </a:lvl5pPr>
           </a:lstStyle>
           <a:p>
-            <a:pPr/>
             <a:r>
               <a:t>Nivel de texto 1</a:t>
             </a:r>
@@ -1924,7 +2144,9 @@
       <p:sp>
         <p:nvSpPr>
           <p:cNvPr id="55" name="Shape 55"/>
-          <p:cNvSpPr/>
+          <p:cNvSpPr>
+            <a:spLocks noGrp="1"/>
+          </p:cNvSpPr>
           <p:nvPr>
             <p:ph type="sldNum" sz="quarter" idx="2"/>
           </p:nvPr>
@@ -1938,8 +2160,10 @@
           <a:bodyPr/>
           <a:lstStyle/>
           <a:p>
-            <a:pPr/>
-            <a:fld id="{86CB4B4D-7CA3-9044-876B-883B54F8677D}" type="slidenum"/>
+            <a:fld id="{86CB4B4D-7CA3-9044-876B-883B54F8677D}" type="slidenum">
+              <a:t>‹Nr.›</a:t>
+            </a:fld>
+            <a:endParaRPr/>
           </a:p>
         </p:txBody>
       </p:sp>
@@ -1948,12 +2172,12 @@
   <p:clrMapOvr>
     <a:masterClrMapping/>
   </p:clrMapOvr>
-  <p:transition xmlns:p14="http://schemas.microsoft.com/office/powerpoint/2010/main" spd="med" advClick="1"/>
+  <p:transition spd="med"/>
 </p:sldLayout>
 </file>
 
 <file path=ppt/slideLayouts/slideLayout5.xml><?xml version="1.0" encoding="utf-8"?>
-<p:sldLayout xmlns:a="http://schemas.openxmlformats.org/drawingml/2006/main" xmlns:r="http://schemas.openxmlformats.org/officeDocument/2006/relationships" xmlns:p="http://schemas.openxmlformats.org/presentationml/2006/main" type="tx" showMasterSp="1" showMasterPhAnim="1">
+<p:sldLayout xmlns:a="http://schemas.openxmlformats.org/drawingml/2006/main" xmlns:r="http://schemas.openxmlformats.org/officeDocument/2006/relationships" xmlns:p="http://schemas.openxmlformats.org/presentationml/2006/main" type="tx">
   <p:cSld name="Título (arriba)">
     <p:spTree>
       <p:nvGrpSpPr>
@@ -1972,7 +2196,9 @@
       <p:sp>
         <p:nvSpPr>
           <p:cNvPr id="62" name="Shape 62"/>
-          <p:cNvSpPr/>
+          <p:cNvSpPr>
+            <a:spLocks noGrp="1"/>
+          </p:cNvSpPr>
           <p:nvPr>
             <p:ph type="title"/>
           </p:nvPr>
@@ -1986,7 +2212,6 @@
           <a:bodyPr/>
           <a:lstStyle/>
           <a:p>
-            <a:pPr/>
             <a:r>
               <a:t>Texto del título</a:t>
             </a:r>
@@ -1996,7 +2221,9 @@
       <p:sp>
         <p:nvSpPr>
           <p:cNvPr id="63" name="Shape 63"/>
-          <p:cNvSpPr/>
+          <p:cNvSpPr>
+            <a:spLocks noGrp="1"/>
+          </p:cNvSpPr>
           <p:nvPr>
             <p:ph type="sldNum" sz="quarter" idx="2"/>
           </p:nvPr>
@@ -2010,8 +2237,10 @@
           <a:bodyPr/>
           <a:lstStyle/>
           <a:p>
-            <a:pPr/>
-            <a:fld id="{86CB4B4D-7CA3-9044-876B-883B54F8677D}" type="slidenum"/>
+            <a:fld id="{86CB4B4D-7CA3-9044-876B-883B54F8677D}" type="slidenum">
+              <a:t>‹Nr.›</a:t>
+            </a:fld>
+            <a:endParaRPr/>
           </a:p>
         </p:txBody>
       </p:sp>
@@ -2020,12 +2249,12 @@
   <p:clrMapOvr>
     <a:masterClrMapping/>
   </p:clrMapOvr>
-  <p:transition xmlns:p14="http://schemas.microsoft.com/office/powerpoint/2010/main" spd="med" advClick="1"/>
+  <p:transition spd="med"/>
 </p:sldLayout>
 </file>
 
 <file path=ppt/slideLayouts/slideLayout6.xml><?xml version="1.0" encoding="utf-8"?>
-<p:sldLayout xmlns:a="http://schemas.openxmlformats.org/drawingml/2006/main" xmlns:r="http://schemas.openxmlformats.org/officeDocument/2006/relationships" xmlns:p="http://schemas.openxmlformats.org/presentationml/2006/main" type="tx" showMasterSp="1" showMasterPhAnim="1">
+<p:sldLayout xmlns:a="http://schemas.openxmlformats.org/drawingml/2006/main" xmlns:r="http://schemas.openxmlformats.org/officeDocument/2006/relationships" xmlns:p="http://schemas.openxmlformats.org/presentationml/2006/main" type="tx">
   <p:cSld name="Título y viñetas">
     <p:spTree>
       <p:nvGrpSpPr>
@@ -2044,7 +2273,9 @@
       <p:sp>
         <p:nvSpPr>
           <p:cNvPr id="70" name="Shape 70"/>
-          <p:cNvSpPr/>
+          <p:cNvSpPr>
+            <a:spLocks noGrp="1"/>
+          </p:cNvSpPr>
           <p:nvPr>
             <p:ph type="title"/>
           </p:nvPr>
@@ -2058,7 +2289,6 @@
           <a:bodyPr/>
           <a:lstStyle/>
           <a:p>
-            <a:pPr/>
             <a:r>
               <a:t>Texto del título</a:t>
             </a:r>
@@ -2068,7 +2298,9 @@
       <p:sp>
         <p:nvSpPr>
           <p:cNvPr id="71" name="Shape 71"/>
-          <p:cNvSpPr/>
+          <p:cNvSpPr>
+            <a:spLocks noGrp="1"/>
+          </p:cNvSpPr>
           <p:nvPr>
             <p:ph type="body" idx="1"/>
           </p:nvPr>
@@ -2082,7 +2314,6 @@
           <a:bodyPr/>
           <a:lstStyle/>
           <a:p>
-            <a:pPr/>
             <a:r>
               <a:t>Nivel de texto 1</a:t>
             </a:r>
@@ -2116,7 +2347,9 @@
       <p:sp>
         <p:nvSpPr>
           <p:cNvPr id="72" name="Shape 72"/>
-          <p:cNvSpPr/>
+          <p:cNvSpPr>
+            <a:spLocks noGrp="1"/>
+          </p:cNvSpPr>
           <p:nvPr>
             <p:ph type="sldNum" sz="quarter" idx="2"/>
           </p:nvPr>
@@ -2130,8 +2363,10 @@
           <a:bodyPr/>
           <a:lstStyle/>
           <a:p>
-            <a:pPr/>
-            <a:fld id="{86CB4B4D-7CA3-9044-876B-883B54F8677D}" type="slidenum"/>
+            <a:fld id="{86CB4B4D-7CA3-9044-876B-883B54F8677D}" type="slidenum">
+              <a:t>‹Nr.›</a:t>
+            </a:fld>
+            <a:endParaRPr/>
           </a:p>
         </p:txBody>
       </p:sp>
@@ -2140,12 +2375,12 @@
   <p:clrMapOvr>
     <a:masterClrMapping/>
   </p:clrMapOvr>
-  <p:transition xmlns:p14="http://schemas.microsoft.com/office/powerpoint/2010/main" spd="med" advClick="1"/>
+  <p:transition spd="med"/>
 </p:sldLayout>
 </file>
 
 <file path=ppt/slideLayouts/slideLayout7.xml><?xml version="1.0" encoding="utf-8"?>
-<p:sldLayout xmlns:a="http://schemas.openxmlformats.org/drawingml/2006/main" xmlns:r="http://schemas.openxmlformats.org/officeDocument/2006/relationships" xmlns:p="http://schemas.openxmlformats.org/presentationml/2006/main" type="tx" showMasterSp="1" showMasterPhAnim="1">
+<p:sldLayout xmlns:a="http://schemas.openxmlformats.org/drawingml/2006/main" xmlns:r="http://schemas.openxmlformats.org/officeDocument/2006/relationships" xmlns:p="http://schemas.openxmlformats.org/presentationml/2006/main" type="tx">
   <p:cSld name="Título, viñetas y foto">
     <p:spTree>
       <p:nvGrpSpPr>
@@ -2164,7 +2399,9 @@
       <p:sp>
         <p:nvSpPr>
           <p:cNvPr id="79" name="Shape 79"/>
-          <p:cNvSpPr/>
+          <p:cNvSpPr>
+            <a:spLocks noGrp="1"/>
+          </p:cNvSpPr>
           <p:nvPr>
             <p:ph type="pic" sz="half" idx="13"/>
           </p:nvPr>
@@ -2187,14 +2424,16 @@
           </a:bodyPr>
           <a:lstStyle/>
           <a:p>
-            <a:pPr/>
+            <a:endParaRPr/>
           </a:p>
         </p:txBody>
       </p:sp>
       <p:sp>
         <p:nvSpPr>
           <p:cNvPr id="80" name="Shape 80"/>
-          <p:cNvSpPr/>
+          <p:cNvSpPr>
+            <a:spLocks noGrp="1"/>
+          </p:cNvSpPr>
           <p:nvPr>
             <p:ph type="title"/>
           </p:nvPr>
@@ -2208,7 +2447,6 @@
           <a:bodyPr/>
           <a:lstStyle/>
           <a:p>
-            <a:pPr/>
             <a:r>
               <a:t>Texto del título</a:t>
             </a:r>
@@ -2218,7 +2456,9 @@
       <p:sp>
         <p:nvSpPr>
           <p:cNvPr id="81" name="Shape 81"/>
-          <p:cNvSpPr/>
+          <p:cNvSpPr>
+            <a:spLocks noGrp="1"/>
+          </p:cNvSpPr>
           <p:nvPr>
             <p:ph type="body" sz="half" idx="1"/>
           </p:nvPr>
@@ -2272,7 +2512,6 @@
             </a:lvl5pPr>
           </a:lstStyle>
           <a:p>
-            <a:pPr/>
             <a:r>
               <a:t>Nivel de texto 1</a:t>
             </a:r>
@@ -2306,7 +2545,9 @@
       <p:sp>
         <p:nvSpPr>
           <p:cNvPr id="82" name="Shape 82"/>
-          <p:cNvSpPr/>
+          <p:cNvSpPr>
+            <a:spLocks noGrp="1"/>
+          </p:cNvSpPr>
           <p:nvPr>
             <p:ph type="sldNum" sz="quarter" idx="2"/>
           </p:nvPr>
@@ -2320,8 +2561,10 @@
           <a:bodyPr/>
           <a:lstStyle/>
           <a:p>
-            <a:pPr/>
-            <a:fld id="{86CB4B4D-7CA3-9044-876B-883B54F8677D}" type="slidenum"/>
+            <a:fld id="{86CB4B4D-7CA3-9044-876B-883B54F8677D}" type="slidenum">
+              <a:t>‹Nr.›</a:t>
+            </a:fld>
+            <a:endParaRPr/>
           </a:p>
         </p:txBody>
       </p:sp>
@@ -2330,12 +2573,12 @@
   <p:clrMapOvr>
     <a:masterClrMapping/>
   </p:clrMapOvr>
-  <p:transition xmlns:p14="http://schemas.microsoft.com/office/powerpoint/2010/main" spd="med" advClick="1"/>
+  <p:transition spd="med"/>
 </p:sldLayout>
 </file>
 
 <file path=ppt/slideLayouts/slideLayout8.xml><?xml version="1.0" encoding="utf-8"?>
-<p:sldLayout xmlns:a="http://schemas.openxmlformats.org/drawingml/2006/main" xmlns:r="http://schemas.openxmlformats.org/officeDocument/2006/relationships" xmlns:p="http://schemas.openxmlformats.org/presentationml/2006/main" type="tx" showMasterSp="0" showMasterPhAnim="1">
+<p:sldLayout xmlns:a="http://schemas.openxmlformats.org/drawingml/2006/main" xmlns:r="http://schemas.openxmlformats.org/officeDocument/2006/relationships" xmlns:p="http://schemas.openxmlformats.org/presentationml/2006/main" showMasterSp="0" type="tx">
   <p:cSld name="Viñetas">
     <p:spTree>
       <p:nvGrpSpPr>
@@ -2354,7 +2597,9 @@
       <p:sp>
         <p:nvSpPr>
           <p:cNvPr id="89" name="Shape 89"/>
-          <p:cNvSpPr/>
+          <p:cNvSpPr>
+            <a:spLocks noGrp="1"/>
+          </p:cNvSpPr>
           <p:nvPr>
             <p:ph type="body" idx="1"/>
           </p:nvPr>
@@ -2372,7 +2617,6 @@
           <a:bodyPr/>
           <a:lstStyle/>
           <a:p>
-            <a:pPr/>
             <a:r>
               <a:t>Nivel de texto 1</a:t>
             </a:r>
@@ -2406,7 +2650,9 @@
       <p:sp>
         <p:nvSpPr>
           <p:cNvPr id="90" name="Shape 90"/>
-          <p:cNvSpPr/>
+          <p:cNvSpPr>
+            <a:spLocks noGrp="1"/>
+          </p:cNvSpPr>
           <p:nvPr>
             <p:ph type="sldNum" sz="quarter" idx="2"/>
           </p:nvPr>
@@ -2420,8 +2666,10 @@
           <a:bodyPr/>
           <a:lstStyle/>
           <a:p>
-            <a:pPr/>
-            <a:fld id="{86CB4B4D-7CA3-9044-876B-883B54F8677D}" type="slidenum"/>
+            <a:fld id="{86CB4B4D-7CA3-9044-876B-883B54F8677D}" type="slidenum">
+              <a:t>‹Nr.›</a:t>
+            </a:fld>
+            <a:endParaRPr/>
           </a:p>
         </p:txBody>
       </p:sp>
@@ -2430,12 +2678,12 @@
   <p:clrMapOvr>
     <a:masterClrMapping/>
   </p:clrMapOvr>
-  <p:transition xmlns:p14="http://schemas.microsoft.com/office/powerpoint/2010/main" spd="med" advClick="1"/>
+  <p:transition spd="med"/>
 </p:sldLayout>
 </file>
 
 <file path=ppt/slideLayouts/slideLayout9.xml><?xml version="1.0" encoding="utf-8"?>
-<p:sldLayout xmlns:a="http://schemas.openxmlformats.org/drawingml/2006/main" xmlns:r="http://schemas.openxmlformats.org/officeDocument/2006/relationships" xmlns:p="http://schemas.openxmlformats.org/presentationml/2006/main" type="tx" showMasterSp="0" showMasterPhAnim="1">
+<p:sldLayout xmlns:a="http://schemas.openxmlformats.org/drawingml/2006/main" xmlns:r="http://schemas.openxmlformats.org/officeDocument/2006/relationships" xmlns:p="http://schemas.openxmlformats.org/presentationml/2006/main" showMasterSp="0" type="tx">
   <p:cSld name="3 fotos">
     <p:spTree>
       <p:nvGrpSpPr>
@@ -2454,7 +2702,9 @@
       <p:sp>
         <p:nvSpPr>
           <p:cNvPr id="97" name="Shape 97"/>
-          <p:cNvSpPr/>
+          <p:cNvSpPr>
+            <a:spLocks noGrp="1"/>
+          </p:cNvSpPr>
           <p:nvPr>
             <p:ph type="pic" sz="quarter" idx="13"/>
           </p:nvPr>
@@ -2477,14 +2727,16 @@
           </a:bodyPr>
           <a:lstStyle/>
           <a:p>
-            <a:pPr/>
+            <a:endParaRPr/>
           </a:p>
         </p:txBody>
       </p:sp>
       <p:sp>
         <p:nvSpPr>
           <p:cNvPr id="98" name="Shape 98"/>
-          <p:cNvSpPr/>
+          <p:cNvSpPr>
+            <a:spLocks noGrp="1"/>
+          </p:cNvSpPr>
           <p:nvPr>
             <p:ph type="pic" sz="quarter" idx="14"/>
           </p:nvPr>
@@ -2507,14 +2759,16 @@
           </a:bodyPr>
           <a:lstStyle/>
           <a:p>
-            <a:pPr/>
+            <a:endParaRPr/>
           </a:p>
         </p:txBody>
       </p:sp>
       <p:sp>
         <p:nvSpPr>
           <p:cNvPr id="99" name="Shape 99"/>
-          <p:cNvSpPr/>
+          <p:cNvSpPr>
+            <a:spLocks noGrp="1"/>
+          </p:cNvSpPr>
           <p:nvPr>
             <p:ph type="pic" sz="half" idx="15"/>
           </p:nvPr>
@@ -2537,14 +2791,16 @@
           </a:bodyPr>
           <a:lstStyle/>
           <a:p>
-            <a:pPr/>
+            <a:endParaRPr/>
           </a:p>
         </p:txBody>
       </p:sp>
       <p:sp>
         <p:nvSpPr>
           <p:cNvPr id="100" name="Shape 100"/>
-          <p:cNvSpPr/>
+          <p:cNvSpPr>
+            <a:spLocks noGrp="1"/>
+          </p:cNvSpPr>
           <p:nvPr>
             <p:ph type="sldNum" sz="quarter" idx="2"/>
           </p:nvPr>
@@ -2558,8 +2814,10 @@
           <a:bodyPr/>
           <a:lstStyle/>
           <a:p>
-            <a:pPr/>
-            <a:fld id="{86CB4B4D-7CA3-9044-876B-883B54F8677D}" type="slidenum"/>
+            <a:fld id="{86CB4B4D-7CA3-9044-876B-883B54F8677D}" type="slidenum">
+              <a:t>‹Nr.›</a:t>
+            </a:fld>
+            <a:endParaRPr/>
           </a:p>
         </p:txBody>
       </p:sp>
@@ -2568,7 +2826,7 @@
   <p:clrMapOvr>
     <a:masterClrMapping/>
   </p:clrMapOvr>
-  <p:transition xmlns:p14="http://schemas.microsoft.com/office/powerpoint/2010/main" spd="med" advClick="1"/>
+  <p:transition spd="med"/>
 </p:sldLayout>
 </file>
 
@@ -2578,12 +2836,13 @@
     <p:bg>
       <p:bgPr>
         <a:blipFill rotWithShape="1">
-          <a:blip r:embed="rId2"/>
-          <a:srcRect l="0" t="0" r="0" b="0"/>
+          <a:blip r:embed="rId14"/>
+          <a:srcRect/>
           <a:stretch>
             <a:fillRect/>
           </a:stretch>
         </a:blipFill>
+        <a:effectLst/>
       </p:bgPr>
     </p:bg>
     <p:spTree>
@@ -2638,6 +2897,7 @@
                 <a:sym typeface="Helvetica"/>
               </a:defRPr>
             </a:pPr>
+            <a:endParaRPr/>
           </a:p>
         </p:txBody>
       </p:sp>
@@ -2679,13 +2939,16 @@
                 <a:sym typeface="Helvetica"/>
               </a:defRPr>
             </a:pPr>
+            <a:endParaRPr/>
           </a:p>
         </p:txBody>
       </p:sp>
       <p:sp>
         <p:nvSpPr>
           <p:cNvPr id="4" name="Shape 4"/>
-          <p:cNvSpPr/>
+          <p:cNvSpPr>
+            <a:spLocks noGrp="1"/>
+          </p:cNvSpPr>
           <p:nvPr>
             <p:ph type="title"/>
           </p:nvPr>
@@ -2709,11 +2972,10 @@
         </p:spPr>
         <p:txBody>
           <a:bodyPr lIns="50800" tIns="50800" rIns="50800" bIns="50800" anchor="ctr">
-            <a:normAutofit fontScale="100000" lnSpcReduction="0"/>
+            <a:normAutofit/>
           </a:bodyPr>
           <a:lstStyle/>
           <a:p>
-            <a:pPr/>
             <a:r>
               <a:t>Texto del título</a:t>
             </a:r>
@@ -2723,7 +2985,9 @@
       <p:sp>
         <p:nvSpPr>
           <p:cNvPr id="5" name="Shape 5"/>
-          <p:cNvSpPr/>
+          <p:cNvSpPr>
+            <a:spLocks noGrp="1"/>
+          </p:cNvSpPr>
           <p:nvPr>
             <p:ph type="body" idx="1"/>
           </p:nvPr>
@@ -2747,11 +3011,10 @@
         </p:spPr>
         <p:txBody>
           <a:bodyPr lIns="50800" tIns="50800" rIns="50800" bIns="50800" anchor="ctr">
-            <a:normAutofit fontScale="100000" lnSpcReduction="0"/>
+            <a:normAutofit/>
           </a:bodyPr>
           <a:lstStyle/>
           <a:p>
-            <a:pPr/>
             <a:r>
               <a:t>Nivel de texto 1</a:t>
             </a:r>
@@ -2785,7 +3048,9 @@
       <p:sp>
         <p:nvSpPr>
           <p:cNvPr id="6" name="Shape 6"/>
-          <p:cNvSpPr/>
+          <p:cNvSpPr>
+            <a:spLocks noGrp="1"/>
+          </p:cNvSpPr>
           <p:nvPr>
             <p:ph type="sldNum" sz="quarter" idx="2"/>
           </p:nvPr>
@@ -2816,8 +3081,10 @@
             </a:lvl1pPr>
           </a:lstStyle>
           <a:p>
-            <a:pPr/>
-            <a:fld id="{86CB4B4D-7CA3-9044-876B-883B54F8677D}" type="slidenum"/>
+            <a:fld id="{86CB4B4D-7CA3-9044-876B-883B54F8677D}" type="slidenum">
+              <a:t>‹Nr.›</a:t>
+            </a:fld>
+            <a:endParaRPr/>
           </a:p>
         </p:txBody>
       </p:sp>
@@ -2825,20 +3092,20 @@
   </p:cSld>
   <p:clrMap bg1="lt1" tx1="dk1" bg2="lt2" tx2="dk2" accent1="accent1" accent2="accent2" accent3="accent3" accent4="accent4" accent5="accent5" accent6="accent6" hlink="hlink" folHlink="folHlink"/>
   <p:sldLayoutIdLst>
-    <p:sldLayoutId id="2147483649" r:id="rId3"/>
-    <p:sldLayoutId id="2147483650" r:id="rId4"/>
-    <p:sldLayoutId id="2147483651" r:id="rId5"/>
-    <p:sldLayoutId id="2147483652" r:id="rId6"/>
-    <p:sldLayoutId id="2147483653" r:id="rId7"/>
-    <p:sldLayoutId id="2147483654" r:id="rId8"/>
-    <p:sldLayoutId id="2147483655" r:id="rId9"/>
-    <p:sldLayoutId id="2147483656" r:id="rId10"/>
-    <p:sldLayoutId id="2147483657" r:id="rId11"/>
-    <p:sldLayoutId id="2147483658" r:id="rId12"/>
-    <p:sldLayoutId id="2147483659" r:id="rId13"/>
-    <p:sldLayoutId id="2147483660" r:id="rId14"/>
+    <p:sldLayoutId id="2147483649" r:id="rId1"/>
+    <p:sldLayoutId id="2147483650" r:id="rId2"/>
+    <p:sldLayoutId id="2147483651" r:id="rId3"/>
+    <p:sldLayoutId id="2147483652" r:id="rId4"/>
+    <p:sldLayoutId id="2147483653" r:id="rId5"/>
+    <p:sldLayoutId id="2147483654" r:id="rId6"/>
+    <p:sldLayoutId id="2147483655" r:id="rId7"/>
+    <p:sldLayoutId id="2147483656" r:id="rId8"/>
+    <p:sldLayoutId id="2147483657" r:id="rId9"/>
+    <p:sldLayoutId id="2147483658" r:id="rId10"/>
+    <p:sldLayoutId id="2147483659" r:id="rId11"/>
+    <p:sldLayoutId id="2147483660" r:id="rId12"/>
   </p:sldLayoutIdLst>
-  <p:transition xmlns:p14="http://schemas.microsoft.com/office/powerpoint/2010/main" spd="med" advClick="1"/>
+  <p:transition spd="med"/>
   <p:txStyles>
     <p:titleStyle>
       <a:lvl1pPr marL="0" marR="0" indent="0" algn="ctr" defTabSz="584200" rtl="0" latinLnBrk="0">
@@ -2856,7 +3123,7 @@
         <a:buFontTx/>
         <a:buNone/>
         <a:tabLst/>
-        <a:defRPr b="0" baseline="0" cap="none" i="0" spc="0" strike="noStrike" sz="7000" u="none">
+        <a:defRPr sz="7000" b="0" i="0" u="none" strike="noStrike" cap="none" spc="0" baseline="0">
           <a:ln>
             <a:noFill/>
           </a:ln>
@@ -2885,7 +3152,7 @@
         <a:buFontTx/>
         <a:buNone/>
         <a:tabLst/>
-        <a:defRPr b="0" baseline="0" cap="none" i="0" spc="0" strike="noStrike" sz="7000" u="none">
+        <a:defRPr sz="7000" b="0" i="0" u="none" strike="noStrike" cap="none" spc="0" baseline="0">
           <a:ln>
             <a:noFill/>
           </a:ln>
@@ -2914,7 +3181,7 @@
         <a:buFontTx/>
         <a:buNone/>
         <a:tabLst/>
-        <a:defRPr b="0" baseline="0" cap="none" i="0" spc="0" strike="noStrike" sz="7000" u="none">
+        <a:defRPr sz="7000" b="0" i="0" u="none" strike="noStrike" cap="none" spc="0" baseline="0">
           <a:ln>
             <a:noFill/>
           </a:ln>
@@ -2943,7 +3210,7 @@
         <a:buFontTx/>
         <a:buNone/>
         <a:tabLst/>
-        <a:defRPr b="0" baseline="0" cap="none" i="0" spc="0" strike="noStrike" sz="7000" u="none">
+        <a:defRPr sz="7000" b="0" i="0" u="none" strike="noStrike" cap="none" spc="0" baseline="0">
           <a:ln>
             <a:noFill/>
           </a:ln>
@@ -2972,7 +3239,7 @@
         <a:buFontTx/>
         <a:buNone/>
         <a:tabLst/>
-        <a:defRPr b="0" baseline="0" cap="none" i="0" spc="0" strike="noStrike" sz="7000" u="none">
+        <a:defRPr sz="7000" b="0" i="0" u="none" strike="noStrike" cap="none" spc="0" baseline="0">
           <a:ln>
             <a:noFill/>
           </a:ln>
@@ -3001,7 +3268,7 @@
         <a:buFontTx/>
         <a:buNone/>
         <a:tabLst/>
-        <a:defRPr b="0" baseline="0" cap="none" i="0" spc="0" strike="noStrike" sz="7000" u="none">
+        <a:defRPr sz="7000" b="0" i="0" u="none" strike="noStrike" cap="none" spc="0" baseline="0">
           <a:ln>
             <a:noFill/>
           </a:ln>
@@ -3030,7 +3297,7 @@
         <a:buFontTx/>
         <a:buNone/>
         <a:tabLst/>
-        <a:defRPr b="0" baseline="0" cap="none" i="0" spc="0" strike="noStrike" sz="7000" u="none">
+        <a:defRPr sz="7000" b="0" i="0" u="none" strike="noStrike" cap="none" spc="0" baseline="0">
           <a:ln>
             <a:noFill/>
           </a:ln>
@@ -3059,7 +3326,7 @@
         <a:buFontTx/>
         <a:buNone/>
         <a:tabLst/>
-        <a:defRPr b="0" baseline="0" cap="none" i="0" spc="0" strike="noStrike" sz="7000" u="none">
+        <a:defRPr sz="7000" b="0" i="0" u="none" strike="noStrike" cap="none" spc="0" baseline="0">
           <a:ln>
             <a:noFill/>
           </a:ln>
@@ -3088,7 +3355,7 @@
         <a:buFontTx/>
         <a:buNone/>
         <a:tabLst/>
-        <a:defRPr b="0" baseline="0" cap="none" i="0" spc="0" strike="noStrike" sz="7000" u="none">
+        <a:defRPr sz="7000" b="0" i="0" u="none" strike="noStrike" cap="none" spc="0" baseline="0">
           <a:ln>
             <a:noFill/>
           </a:ln>
@@ -3121,7 +3388,7 @@
         <a:buFont typeface="Zapf Dingbats"/>
         <a:buChar char="❖"/>
         <a:tabLst/>
-        <a:defRPr b="0" baseline="0" cap="none" i="0" spc="0" strike="noStrike" sz="3600" u="none">
+        <a:defRPr sz="3600" b="0" i="0" u="none" strike="noStrike" cap="none" spc="0" baseline="0">
           <a:ln>
             <a:noFill/>
           </a:ln>
@@ -3152,7 +3419,7 @@
         <a:buFont typeface="Zapf Dingbats"/>
         <a:buChar char="❖"/>
         <a:tabLst/>
-        <a:defRPr b="0" baseline="0" cap="none" i="0" spc="0" strike="noStrike" sz="3600" u="none">
+        <a:defRPr sz="3600" b="0" i="0" u="none" strike="noStrike" cap="none" spc="0" baseline="0">
           <a:ln>
             <a:noFill/>
           </a:ln>
@@ -3183,7 +3450,7 @@
         <a:buFont typeface="Zapf Dingbats"/>
         <a:buChar char="❖"/>
         <a:tabLst/>
-        <a:defRPr b="0" baseline="0" cap="none" i="0" spc="0" strike="noStrike" sz="3600" u="none">
+        <a:defRPr sz="3600" b="0" i="0" u="none" strike="noStrike" cap="none" spc="0" baseline="0">
           <a:ln>
             <a:noFill/>
           </a:ln>
@@ -3214,7 +3481,7 @@
         <a:buFont typeface="Zapf Dingbats"/>
         <a:buChar char="❖"/>
         <a:tabLst/>
-        <a:defRPr b="0" baseline="0" cap="none" i="0" spc="0" strike="noStrike" sz="3600" u="none">
+        <a:defRPr sz="3600" b="0" i="0" u="none" strike="noStrike" cap="none" spc="0" baseline="0">
           <a:ln>
             <a:noFill/>
           </a:ln>
@@ -3245,7 +3512,7 @@
         <a:buFont typeface="Zapf Dingbats"/>
         <a:buChar char="❖"/>
         <a:tabLst/>
-        <a:defRPr b="0" baseline="0" cap="none" i="0" spc="0" strike="noStrike" sz="3600" u="none">
+        <a:defRPr sz="3600" b="0" i="0" u="none" strike="noStrike" cap="none" spc="0" baseline="0">
           <a:ln>
             <a:noFill/>
           </a:ln>
@@ -3276,7 +3543,7 @@
         <a:buFont typeface="Zapf Dingbats"/>
         <a:buChar char="❖"/>
         <a:tabLst/>
-        <a:defRPr b="0" baseline="0" cap="none" i="0" spc="0" strike="noStrike" sz="3600" u="none">
+        <a:defRPr sz="3600" b="0" i="0" u="none" strike="noStrike" cap="none" spc="0" baseline="0">
           <a:ln>
             <a:noFill/>
           </a:ln>
@@ -3307,7 +3574,7 @@
         <a:buFont typeface="Zapf Dingbats"/>
         <a:buChar char="❖"/>
         <a:tabLst/>
-        <a:defRPr b="0" baseline="0" cap="none" i="0" spc="0" strike="noStrike" sz="3600" u="none">
+        <a:defRPr sz="3600" b="0" i="0" u="none" strike="noStrike" cap="none" spc="0" baseline="0">
           <a:ln>
             <a:noFill/>
           </a:ln>
@@ -3338,7 +3605,7 @@
         <a:buFont typeface="Zapf Dingbats"/>
         <a:buChar char="❖"/>
         <a:tabLst/>
-        <a:defRPr b="0" baseline="0" cap="none" i="0" spc="0" strike="noStrike" sz="3600" u="none">
+        <a:defRPr sz="3600" b="0" i="0" u="none" strike="noStrike" cap="none" spc="0" baseline="0">
           <a:ln>
             <a:noFill/>
           </a:ln>
@@ -3369,7 +3636,7 @@
         <a:buFont typeface="Zapf Dingbats"/>
         <a:buChar char="❖"/>
         <a:tabLst/>
-        <a:defRPr b="0" baseline="0" cap="none" i="0" spc="0" strike="noStrike" sz="3600" u="none">
+        <a:defRPr sz="3600" b="0" i="0" u="none" strike="noStrike" cap="none" spc="0" baseline="0">
           <a:ln>
             <a:noFill/>
           </a:ln>
@@ -3400,7 +3667,7 @@
         <a:buFontTx/>
         <a:buNone/>
         <a:tabLst/>
-        <a:defRPr b="0" baseline="0" cap="none" i="0" spc="0" strike="noStrike" sz="1800" u="none">
+        <a:defRPr sz="1800" b="0" i="0" u="none" strike="noStrike" cap="none" spc="0" baseline="0">
           <a:ln>
             <a:noFill/>
           </a:ln>
@@ -3429,7 +3696,7 @@
         <a:buFontTx/>
         <a:buNone/>
         <a:tabLst/>
-        <a:defRPr b="0" baseline="0" cap="none" i="0" spc="0" strike="noStrike" sz="1800" u="none">
+        <a:defRPr sz="1800" b="0" i="0" u="none" strike="noStrike" cap="none" spc="0" baseline="0">
           <a:ln>
             <a:noFill/>
           </a:ln>
@@ -3458,7 +3725,7 @@
         <a:buFontTx/>
         <a:buNone/>
         <a:tabLst/>
-        <a:defRPr b="0" baseline="0" cap="none" i="0" spc="0" strike="noStrike" sz="1800" u="none">
+        <a:defRPr sz="1800" b="0" i="0" u="none" strike="noStrike" cap="none" spc="0" baseline="0">
           <a:ln>
             <a:noFill/>
           </a:ln>
@@ -3487,7 +3754,7 @@
         <a:buFontTx/>
         <a:buNone/>
         <a:tabLst/>
-        <a:defRPr b="0" baseline="0" cap="none" i="0" spc="0" strike="noStrike" sz="1800" u="none">
+        <a:defRPr sz="1800" b="0" i="0" u="none" strike="noStrike" cap="none" spc="0" baseline="0">
           <a:ln>
             <a:noFill/>
           </a:ln>
@@ -3516,7 +3783,7 @@
         <a:buFontTx/>
         <a:buNone/>
         <a:tabLst/>
-        <a:defRPr b="0" baseline="0" cap="none" i="0" spc="0" strike="noStrike" sz="1800" u="none">
+        <a:defRPr sz="1800" b="0" i="0" u="none" strike="noStrike" cap="none" spc="0" baseline="0">
           <a:ln>
             <a:noFill/>
           </a:ln>
@@ -3545,7 +3812,7 @@
         <a:buFontTx/>
         <a:buNone/>
         <a:tabLst/>
-        <a:defRPr b="0" baseline="0" cap="none" i="0" spc="0" strike="noStrike" sz="1800" u="none">
+        <a:defRPr sz="1800" b="0" i="0" u="none" strike="noStrike" cap="none" spc="0" baseline="0">
           <a:ln>
             <a:noFill/>
           </a:ln>
@@ -3574,7 +3841,7 @@
         <a:buFontTx/>
         <a:buNone/>
         <a:tabLst/>
-        <a:defRPr b="0" baseline="0" cap="none" i="0" spc="0" strike="noStrike" sz="1800" u="none">
+        <a:defRPr sz="1800" b="0" i="0" u="none" strike="noStrike" cap="none" spc="0" baseline="0">
           <a:ln>
             <a:noFill/>
           </a:ln>
@@ -3603,7 +3870,7 @@
         <a:buFontTx/>
         <a:buNone/>
         <a:tabLst/>
-        <a:defRPr b="0" baseline="0" cap="none" i="0" spc="0" strike="noStrike" sz="1800" u="none">
+        <a:defRPr sz="1800" b="0" i="0" u="none" strike="noStrike" cap="none" spc="0" baseline="0">
           <a:ln>
             <a:noFill/>
           </a:ln>
@@ -3632,7 +3899,7 @@
         <a:buFontTx/>
         <a:buNone/>
         <a:tabLst/>
-        <a:defRPr b="0" baseline="0" cap="none" i="0" spc="0" strike="noStrike" sz="1800" u="none">
+        <a:defRPr sz="1800" b="0" i="0" u="none" strike="noStrike" cap="none" spc="0" baseline="0">
           <a:ln>
             <a:noFill/>
           </a:ln>
@@ -3652,7 +3919,7 @@
 </file>
 
 <file path=ppt/slides/slide1.xml><?xml version="1.0" encoding="utf-8"?>
-<p:sld xmlns:a="http://schemas.openxmlformats.org/drawingml/2006/main" xmlns:r="http://schemas.openxmlformats.org/officeDocument/2006/relationships" xmlns:p="http://schemas.openxmlformats.org/presentationml/2006/main" showMasterSp="1" showMasterPhAnim="1">
+<p:sld xmlns:a="http://schemas.openxmlformats.org/drawingml/2006/main" xmlns:r="http://schemas.openxmlformats.org/officeDocument/2006/relationships" xmlns:p="http://schemas.openxmlformats.org/presentationml/2006/main">
   <p:cSld>
     <p:spTree>
       <p:nvGrpSpPr>
@@ -3671,7 +3938,9 @@
       <p:sp>
         <p:nvSpPr>
           <p:cNvPr id="133" name="Shape 133"/>
-          <p:cNvSpPr/>
+          <p:cNvSpPr>
+            <a:spLocks noGrp="1"/>
+          </p:cNvSpPr>
           <p:nvPr>
             <p:ph type="body" idx="13"/>
           </p:nvPr>
@@ -3685,7 +3954,6 @@
           <a:bodyPr/>
           <a:lstStyle/>
           <a:p>
-            <a:pPr/>
             <a:r>
               <a:t>Ampliación de Ingeniería del Software</a:t>
             </a:r>
@@ -3695,7 +3963,9 @@
       <p:sp>
         <p:nvSpPr>
           <p:cNvPr id="134" name="Shape 134"/>
-          <p:cNvSpPr/>
+          <p:cNvSpPr>
+            <a:spLocks noGrp="1"/>
+          </p:cNvSpPr>
           <p:nvPr>
             <p:ph type="ctrTitle"/>
           </p:nvPr>
@@ -3709,7 +3979,6 @@
           <a:bodyPr/>
           <a:lstStyle/>
           <a:p>
-            <a:pPr/>
             <a:r>
               <a:t>Proyecto Buscaminas</a:t>
             </a:r>
@@ -3719,7 +3988,9 @@
       <p:sp>
         <p:nvSpPr>
           <p:cNvPr id="135" name="Shape 135"/>
-          <p:cNvSpPr/>
+          <p:cNvSpPr>
+            <a:spLocks noGrp="1"/>
+          </p:cNvSpPr>
           <p:nvPr>
             <p:ph type="subTitle" sz="quarter" idx="1"/>
           </p:nvPr>
@@ -3768,6 +4039,7 @@
             <a:pPr defTabSz="484886">
               <a:defRPr sz="1992"/>
             </a:pPr>
+            <a:endParaRPr/>
           </a:p>
           <a:p>
             <a:pPr defTabSz="484886">
@@ -3792,95 +4064,12 @@
   <p:clrMapOvr>
     <a:masterClrMapping/>
   </p:clrMapOvr>
-  <p:transition xmlns:p14="http://schemas.microsoft.com/office/powerpoint/2010/main" spd="med" advClick="1"/>
+  <p:transition spd="med"/>
 </p:sld>
 </file>
 
 <file path=ppt/slides/slide10.xml><?xml version="1.0" encoding="utf-8"?>
-<p:sld xmlns:a="http://schemas.openxmlformats.org/drawingml/2006/main" xmlns:r="http://schemas.openxmlformats.org/officeDocument/2006/relationships" xmlns:p="http://schemas.openxmlformats.org/presentationml/2006/main" showMasterSp="1" showMasterPhAnim="1">
-  <p:cSld>
-    <p:spTree>
-      <p:nvGrpSpPr>
-        <p:cNvPr id="1" name=""/>
-        <p:cNvGrpSpPr/>
-        <p:nvPr/>
-      </p:nvGrpSpPr>
-      <p:grpSpPr>
-        <a:xfrm>
-          <a:off x="0" y="0"/>
-          <a:ext cx="0" cy="0"/>
-          <a:chOff x="0" y="0"/>
-          <a:chExt cx="0" cy="0"/>
-        </a:xfrm>
-      </p:grpSpPr>
-      <p:sp>
-        <p:nvSpPr>
-          <p:cNvPr id="162" name="Shape 162"/>
-          <p:cNvSpPr/>
-          <p:nvPr>
-            <p:ph type="title" idx="4294967295"/>
-          </p:nvPr>
-        </p:nvSpPr>
-        <p:spPr>
-          <a:xfrm>
-            <a:off x="508000" y="195020"/>
-            <a:ext cx="11988800" cy="1219201"/>
-          </a:xfrm>
-          <a:prstGeom prst="rect">
-            <a:avLst/>
-          </a:prstGeom>
-        </p:spPr>
-        <p:txBody>
-          <a:bodyPr/>
-          <a:lstStyle/>
-          <a:p>
-            <a:pPr/>
-            <a:r>
-              <a:t>ActionListeners</a:t>
-            </a:r>
-          </a:p>
-        </p:txBody>
-      </p:sp>
-      <p:pic>
-        <p:nvPicPr>
-          <p:cNvPr id="163" name="Captura de pantalla 2018-04-22 a las 21.45.25.png"/>
-          <p:cNvPicPr>
-            <a:picLocks noChangeAspect="1"/>
-          </p:cNvPicPr>
-          <p:nvPr/>
-        </p:nvPicPr>
-        <p:blipFill>
-          <a:blip r:embed="rId2">
-            <a:extLst/>
-          </a:blip>
-          <a:stretch>
-            <a:fillRect/>
-          </a:stretch>
-        </p:blipFill>
-        <p:spPr>
-          <a:xfrm>
-            <a:off x="248221" y="3564194"/>
-            <a:ext cx="12508358" cy="2625212"/>
-          </a:xfrm>
-          <a:prstGeom prst="rect">
-            <a:avLst/>
-          </a:prstGeom>
-          <a:ln w="12700">
-            <a:miter lim="400000"/>
-          </a:ln>
-        </p:spPr>
-      </p:pic>
-    </p:spTree>
-  </p:cSld>
-  <p:clrMapOvr>
-    <a:masterClrMapping/>
-  </p:clrMapOvr>
-  <p:transition xmlns:p14="http://schemas.microsoft.com/office/powerpoint/2010/main" spd="med" advClick="1" p14:dur="1000"/>
-</p:sld>
-</file>
-
-<file path=ppt/slides/slide11.xml><?xml version="1.0" encoding="utf-8"?>
-<p:sld xmlns:a="http://schemas.openxmlformats.org/drawingml/2006/main" xmlns:r="http://schemas.openxmlformats.org/officeDocument/2006/relationships" xmlns:p="http://schemas.openxmlformats.org/presentationml/2006/main" showMasterSp="1" showMasterPhAnim="1">
+<p:sld xmlns:a="http://schemas.openxmlformats.org/drawingml/2006/main" xmlns:r="http://schemas.openxmlformats.org/officeDocument/2006/relationships" xmlns:p="http://schemas.openxmlformats.org/presentationml/2006/main">
   <p:cSld>
     <p:spTree>
       <p:nvGrpSpPr>
@@ -3899,7 +4088,9 @@
       <p:sp>
         <p:nvSpPr>
           <p:cNvPr id="165" name="Shape 165"/>
-          <p:cNvSpPr/>
+          <p:cNvSpPr>
+            <a:spLocks noGrp="1"/>
+          </p:cNvSpPr>
           <p:nvPr>
             <p:ph type="title" idx="4294967295"/>
           </p:nvPr>
@@ -3917,7 +4108,6 @@
           <a:bodyPr/>
           <a:lstStyle/>
           <a:p>
-            <a:pPr/>
             <a:r>
               <a:t>Constructor</a:t>
             </a:r>
@@ -3958,12 +4148,12 @@
   <p:clrMapOvr>
     <a:masterClrMapping/>
   </p:clrMapOvr>
-  <p:transition xmlns:p14="http://schemas.microsoft.com/office/powerpoint/2010/main" spd="med" advClick="1" p14:dur="1000"/>
+  <p:transition spd="slow"/>
 </p:sld>
 </file>
 
-<file path=ppt/slides/slide12.xml><?xml version="1.0" encoding="utf-8"?>
-<p:sld xmlns:a="http://schemas.openxmlformats.org/drawingml/2006/main" xmlns:r="http://schemas.openxmlformats.org/officeDocument/2006/relationships" xmlns:p="http://schemas.openxmlformats.org/presentationml/2006/main" showMasterSp="1" showMasterPhAnim="1">
+<file path=ppt/slides/slide11.xml><?xml version="1.0" encoding="utf-8"?>
+<p:sld xmlns:a="http://schemas.openxmlformats.org/drawingml/2006/main" xmlns:r="http://schemas.openxmlformats.org/officeDocument/2006/relationships" xmlns:p="http://schemas.openxmlformats.org/presentationml/2006/main">
   <p:cSld>
     <p:spTree>
       <p:nvGrpSpPr>
@@ -4013,12 +4203,12 @@
   <p:clrMapOvr>
     <a:masterClrMapping/>
   </p:clrMapOvr>
-  <p:transition xmlns:p14="http://schemas.microsoft.com/office/powerpoint/2010/main" spd="med" advClick="1" p14:dur="1000"/>
+  <p:transition spd="slow"/>
 </p:sld>
 </file>
 
-<file path=ppt/slides/slide13.xml><?xml version="1.0" encoding="utf-8"?>
-<p:sld xmlns:a="http://schemas.openxmlformats.org/drawingml/2006/main" xmlns:r="http://schemas.openxmlformats.org/officeDocument/2006/relationships" xmlns:p="http://schemas.openxmlformats.org/presentationml/2006/main" showMasterSp="1" showMasterPhAnim="1">
+<file path=ppt/slides/slide12.xml><?xml version="1.0" encoding="utf-8"?>
+<p:sld xmlns:a="http://schemas.openxmlformats.org/drawingml/2006/main" xmlns:r="http://schemas.openxmlformats.org/officeDocument/2006/relationships" xmlns:p="http://schemas.openxmlformats.org/presentationml/2006/main">
   <p:cSld>
     <p:spTree>
       <p:nvGrpSpPr>
@@ -4068,12 +4258,12 @@
   <p:clrMapOvr>
     <a:masterClrMapping/>
   </p:clrMapOvr>
-  <p:transition xmlns:p14="http://schemas.microsoft.com/office/powerpoint/2010/main" spd="med" advClick="1" p14:dur="1000"/>
+  <p:transition spd="slow"/>
 </p:sld>
 </file>
 
-<file path=ppt/slides/slide14.xml><?xml version="1.0" encoding="utf-8"?>
-<p:sld xmlns:a="http://schemas.openxmlformats.org/drawingml/2006/main" xmlns:r="http://schemas.openxmlformats.org/officeDocument/2006/relationships" xmlns:p="http://schemas.openxmlformats.org/presentationml/2006/main" showMasterSp="1" showMasterPhAnim="1">
+<file path=ppt/slides/slide13.xml><?xml version="1.0" encoding="utf-8"?>
+<p:sld xmlns:a="http://schemas.openxmlformats.org/drawingml/2006/main" xmlns:r="http://schemas.openxmlformats.org/officeDocument/2006/relationships" xmlns:p="http://schemas.openxmlformats.org/presentationml/2006/main">
   <p:cSld>
     <p:spTree>
       <p:nvGrpSpPr>
@@ -4092,7 +4282,9 @@
       <p:sp>
         <p:nvSpPr>
           <p:cNvPr id="172" name="Shape 172"/>
-          <p:cNvSpPr/>
+          <p:cNvSpPr>
+            <a:spLocks noGrp="1"/>
+          </p:cNvSpPr>
           <p:nvPr>
             <p:ph type="title" idx="4294967295"/>
           </p:nvPr>
@@ -4110,7 +4302,6 @@
           <a:bodyPr/>
           <a:lstStyle/>
           <a:p>
-            <a:pPr/>
             <a:r>
               <a:t>cargarBotones()</a:t>
             </a:r>
@@ -4151,12 +4342,12 @@
   <p:clrMapOvr>
     <a:masterClrMapping/>
   </p:clrMapOvr>
-  <p:transition xmlns:p14="http://schemas.microsoft.com/office/powerpoint/2010/main" spd="med" advClick="1" p14:dur="1000"/>
+  <p:transition spd="slow"/>
 </p:sld>
 </file>
 
-<file path=ppt/slides/slide15.xml><?xml version="1.0" encoding="utf-8"?>
-<p:sld xmlns:a="http://schemas.openxmlformats.org/drawingml/2006/main" xmlns:r="http://schemas.openxmlformats.org/officeDocument/2006/relationships" xmlns:p="http://schemas.openxmlformats.org/presentationml/2006/main" showMasterSp="1" showMasterPhAnim="1">
+<file path=ppt/slides/slide14.xml><?xml version="1.0" encoding="utf-8"?>
+<p:sld xmlns:a="http://schemas.openxmlformats.org/drawingml/2006/main" xmlns:r="http://schemas.openxmlformats.org/officeDocument/2006/relationships" xmlns:p="http://schemas.openxmlformats.org/presentationml/2006/main">
   <p:cSld>
     <p:spTree>
       <p:nvGrpSpPr>
@@ -4175,7 +4366,9 @@
       <p:sp>
         <p:nvSpPr>
           <p:cNvPr id="175" name="Shape 175"/>
-          <p:cNvSpPr/>
+          <p:cNvSpPr>
+            <a:spLocks noGrp="1"/>
+          </p:cNvSpPr>
           <p:nvPr>
             <p:ph type="title" idx="4294967295"/>
           </p:nvPr>
@@ -4193,7 +4386,6 @@
           <a:bodyPr/>
           <a:lstStyle/>
           <a:p>
-            <a:pPr/>
             <a:r>
               <a:t>Constructor</a:t>
             </a:r>
@@ -4234,12 +4426,12 @@
   <p:clrMapOvr>
     <a:masterClrMapping/>
   </p:clrMapOvr>
-  <p:transition xmlns:p14="http://schemas.microsoft.com/office/powerpoint/2010/main" spd="med" advClick="1" p14:dur="1000"/>
+  <p:transition spd="slow"/>
 </p:sld>
 </file>
 
-<file path=ppt/slides/slide16.xml><?xml version="1.0" encoding="utf-8"?>
-<p:sld xmlns:a="http://schemas.openxmlformats.org/drawingml/2006/main" xmlns:r="http://schemas.openxmlformats.org/officeDocument/2006/relationships" xmlns:p="http://schemas.openxmlformats.org/presentationml/2006/main" showMasterSp="1" showMasterPhAnim="1">
+<file path=ppt/slides/slide15.xml><?xml version="1.0" encoding="utf-8"?>
+<p:sld xmlns:a="http://schemas.openxmlformats.org/drawingml/2006/main" xmlns:r="http://schemas.openxmlformats.org/officeDocument/2006/relationships" xmlns:p="http://schemas.openxmlformats.org/presentationml/2006/main">
   <p:cSld>
     <p:spTree>
       <p:nvGrpSpPr>
@@ -4258,7 +4450,9 @@
       <p:sp>
         <p:nvSpPr>
           <p:cNvPr id="178" name="Shape 178"/>
-          <p:cNvSpPr/>
+          <p:cNvSpPr>
+            <a:spLocks noGrp="1"/>
+          </p:cNvSpPr>
           <p:nvPr>
             <p:ph type="title" idx="4294967295"/>
           </p:nvPr>
@@ -4276,7 +4470,6 @@
           <a:bodyPr/>
           <a:lstStyle/>
           <a:p>
-            <a:pPr/>
             <a:r>
               <a:t>mejoresTiempos()</a:t>
             </a:r>
@@ -4317,12 +4510,12 @@
   <p:clrMapOvr>
     <a:masterClrMapping/>
   </p:clrMapOvr>
-  <p:transition xmlns:p14="http://schemas.microsoft.com/office/powerpoint/2010/main" spd="med" advClick="1" p14:dur="1000"/>
+  <p:transition spd="slow"/>
 </p:sld>
 </file>
 
-<file path=ppt/slides/slide17.xml><?xml version="1.0" encoding="utf-8"?>
-<p:sld xmlns:a="http://schemas.openxmlformats.org/drawingml/2006/main" xmlns:r="http://schemas.openxmlformats.org/officeDocument/2006/relationships" xmlns:p="http://schemas.openxmlformats.org/presentationml/2006/main" showMasterSp="1" showMasterPhAnim="1">
+<file path=ppt/slides/slide16.xml><?xml version="1.0" encoding="utf-8"?>
+<p:sld xmlns:a="http://schemas.openxmlformats.org/drawingml/2006/main" xmlns:r="http://schemas.openxmlformats.org/officeDocument/2006/relationships" xmlns:p="http://schemas.openxmlformats.org/presentationml/2006/main">
   <p:cSld>
     <p:spTree>
       <p:nvGrpSpPr>
@@ -4341,7 +4534,9 @@
       <p:sp>
         <p:nvSpPr>
           <p:cNvPr id="181" name="Shape 181"/>
-          <p:cNvSpPr/>
+          <p:cNvSpPr>
+            <a:spLocks noGrp="1"/>
+          </p:cNvSpPr>
           <p:nvPr>
             <p:ph type="title" idx="4294967295"/>
           </p:nvPr>
@@ -4359,7 +4554,6 @@
           <a:bodyPr/>
           <a:lstStyle/>
           <a:p>
-            <a:pPr/>
             <a:r>
               <a:t>cargarMejores()</a:t>
             </a:r>
@@ -4400,12 +4594,12 @@
   <p:clrMapOvr>
     <a:masterClrMapping/>
   </p:clrMapOvr>
-  <p:transition xmlns:p14="http://schemas.microsoft.com/office/powerpoint/2010/main" spd="med" advClick="1" p14:dur="1000"/>
+  <p:transition spd="slow"/>
 </p:sld>
 </file>
 
-<file path=ppt/slides/slide18.xml><?xml version="1.0" encoding="utf-8"?>
-<p:sld xmlns:a="http://schemas.openxmlformats.org/drawingml/2006/main" xmlns:r="http://schemas.openxmlformats.org/officeDocument/2006/relationships" xmlns:p="http://schemas.openxmlformats.org/presentationml/2006/main" showMasterSp="1" showMasterPhAnim="1">
+<file path=ppt/slides/slide17.xml><?xml version="1.0" encoding="utf-8"?>
+<p:sld xmlns:a="http://schemas.openxmlformats.org/drawingml/2006/main" xmlns:r="http://schemas.openxmlformats.org/officeDocument/2006/relationships" xmlns:p="http://schemas.openxmlformats.org/presentationml/2006/main">
   <p:cSld>
     <p:spTree>
       <p:nvGrpSpPr>
@@ -4424,7 +4618,9 @@
       <p:sp>
         <p:nvSpPr>
           <p:cNvPr id="184" name="Shape 184"/>
-          <p:cNvSpPr/>
+          <p:cNvSpPr>
+            <a:spLocks noGrp="1"/>
+          </p:cNvSpPr>
           <p:nvPr>
             <p:ph type="title" idx="4294967295"/>
           </p:nvPr>
@@ -4442,7 +4638,6 @@
           <a:bodyPr/>
           <a:lstStyle/>
           <a:p>
-            <a:pPr/>
             <a:r>
               <a:t>actionListener this</a:t>
             </a:r>
@@ -4483,12 +4678,12 @@
   <p:clrMapOvr>
     <a:masterClrMapping/>
   </p:clrMapOvr>
-  <p:transition xmlns:p14="http://schemas.microsoft.com/office/powerpoint/2010/main" spd="med" advClick="1" p14:dur="1000"/>
+  <p:transition spd="slow"/>
 </p:sld>
 </file>
 
-<file path=ppt/slides/slide19.xml><?xml version="1.0" encoding="utf-8"?>
-<p:sld xmlns:a="http://schemas.openxmlformats.org/drawingml/2006/main" xmlns:r="http://schemas.openxmlformats.org/officeDocument/2006/relationships" xmlns:p="http://schemas.openxmlformats.org/presentationml/2006/main" showMasterSp="1" showMasterPhAnim="1">
+<file path=ppt/slides/slide18.xml><?xml version="1.0" encoding="utf-8"?>
+<p:sld xmlns:a="http://schemas.openxmlformats.org/drawingml/2006/main" xmlns:r="http://schemas.openxmlformats.org/officeDocument/2006/relationships" xmlns:p="http://schemas.openxmlformats.org/presentationml/2006/main">
   <p:cSld>
     <p:spTree>
       <p:nvGrpSpPr>
@@ -4507,7 +4702,9 @@
       <p:sp>
         <p:nvSpPr>
           <p:cNvPr id="187" name="Shape 187"/>
-          <p:cNvSpPr/>
+          <p:cNvSpPr>
+            <a:spLocks noGrp="1"/>
+          </p:cNvSpPr>
           <p:nvPr>
             <p:ph type="title" idx="4294967295"/>
           </p:nvPr>
@@ -4525,7 +4722,6 @@
           <a:bodyPr/>
           <a:lstStyle/>
           <a:p>
-            <a:pPr/>
             <a:r>
               <a:t>actionListener this</a:t>
             </a:r>
@@ -4566,95 +4762,12 @@
   <p:clrMapOvr>
     <a:masterClrMapping/>
   </p:clrMapOvr>
-  <p:transition xmlns:p14="http://schemas.microsoft.com/office/powerpoint/2010/main" spd="med" advClick="1" p14:dur="1000"/>
+  <p:transition spd="slow"/>
 </p:sld>
 </file>
 
-<file path=ppt/slides/slide2.xml><?xml version="1.0" encoding="utf-8"?>
-<p:sld xmlns:a="http://schemas.openxmlformats.org/drawingml/2006/main" xmlns:r="http://schemas.openxmlformats.org/officeDocument/2006/relationships" xmlns:p="http://schemas.openxmlformats.org/presentationml/2006/main" showMasterSp="1" showMasterPhAnim="1">
-  <p:cSld>
-    <p:spTree>
-      <p:nvGrpSpPr>
-        <p:cNvPr id="1" name=""/>
-        <p:cNvGrpSpPr/>
-        <p:nvPr/>
-      </p:nvGrpSpPr>
-      <p:grpSpPr>
-        <a:xfrm>
-          <a:off x="0" y="0"/>
-          <a:ext cx="0" cy="0"/>
-          <a:chOff x="0" y="0"/>
-          <a:chExt cx="0" cy="0"/>
-        </a:xfrm>
-      </p:grpSpPr>
-      <p:sp>
-        <p:nvSpPr>
-          <p:cNvPr id="137" name="Shape 137"/>
-          <p:cNvSpPr/>
-          <p:nvPr>
-            <p:ph type="title" idx="4294967295"/>
-          </p:nvPr>
-        </p:nvSpPr>
-        <p:spPr>
-          <a:xfrm>
-            <a:off x="508000" y="195020"/>
-            <a:ext cx="11988800" cy="1219201"/>
-          </a:xfrm>
-          <a:prstGeom prst="rect">
-            <a:avLst/>
-          </a:prstGeom>
-        </p:spPr>
-        <p:txBody>
-          <a:bodyPr/>
-          <a:lstStyle/>
-          <a:p>
-            <a:pPr/>
-            <a:r>
-              <a:t>Imports</a:t>
-            </a:r>
-          </a:p>
-        </p:txBody>
-      </p:sp>
-      <p:pic>
-        <p:nvPicPr>
-          <p:cNvPr id="138" name="Captura de pantalla 2018-04-22 a las 21.22.58.png"/>
-          <p:cNvPicPr>
-            <a:picLocks noChangeAspect="1"/>
-          </p:cNvPicPr>
-          <p:nvPr/>
-        </p:nvPicPr>
-        <p:blipFill>
-          <a:blip r:embed="rId2">
-            <a:extLst/>
-          </a:blip>
-          <a:stretch>
-            <a:fillRect/>
-          </a:stretch>
-        </p:blipFill>
-        <p:spPr>
-          <a:xfrm>
-            <a:off x="3243651" y="3169756"/>
-            <a:ext cx="6517498" cy="4087629"/>
-          </a:xfrm>
-          <a:prstGeom prst="rect">
-            <a:avLst/>
-          </a:prstGeom>
-          <a:ln w="12700">
-            <a:miter lim="400000"/>
-          </a:ln>
-        </p:spPr>
-      </p:pic>
-    </p:spTree>
-  </p:cSld>
-  <p:clrMapOvr>
-    <a:masterClrMapping/>
-  </p:clrMapOvr>
-  <p:transition xmlns:p14="http://schemas.microsoft.com/office/powerpoint/2010/main" spd="med" advClick="1" p14:dur="1000"/>
-</p:sld>
-</file>
-
-<file path=ppt/slides/slide20.xml><?xml version="1.0" encoding="utf-8"?>
-<p:sld xmlns:a="http://schemas.openxmlformats.org/drawingml/2006/main" xmlns:r="http://schemas.openxmlformats.org/officeDocument/2006/relationships" xmlns:p="http://schemas.openxmlformats.org/presentationml/2006/main" showMasterSp="1" showMasterPhAnim="1">
+<file path=ppt/slides/slide19.xml><?xml version="1.0" encoding="utf-8"?>
+<p:sld xmlns:a="http://schemas.openxmlformats.org/drawingml/2006/main" xmlns:r="http://schemas.openxmlformats.org/officeDocument/2006/relationships" xmlns:p="http://schemas.openxmlformats.org/presentationml/2006/main">
   <p:cSld>
     <p:spTree>
       <p:nvGrpSpPr>
@@ -4673,7 +4786,9 @@
       <p:sp>
         <p:nvSpPr>
           <p:cNvPr id="190" name="Shape 190"/>
-          <p:cNvSpPr/>
+          <p:cNvSpPr>
+            <a:spLocks noGrp="1"/>
+          </p:cNvSpPr>
           <p:nvPr>
             <p:ph type="title" idx="4294967295"/>
           </p:nvPr>
@@ -4691,7 +4806,6 @@
           <a:bodyPr/>
           <a:lstStyle/>
           <a:p>
-            <a:pPr/>
             <a:r>
               <a:t>reinicio()</a:t>
             </a:r>
@@ -4732,648 +4846,12 @@
   <p:clrMapOvr>
     <a:masterClrMapping/>
   </p:clrMapOvr>
-  <p:transition xmlns:p14="http://schemas.microsoft.com/office/powerpoint/2010/main" spd="med" advClick="1" p14:dur="1000"/>
+  <p:transition spd="slow"/>
 </p:sld>
 </file>
 
-<file path=ppt/slides/slide21.xml><?xml version="1.0" encoding="utf-8"?>
-<p:sld xmlns:a="http://schemas.openxmlformats.org/drawingml/2006/main" xmlns:r="http://schemas.openxmlformats.org/officeDocument/2006/relationships" xmlns:p="http://schemas.openxmlformats.org/presentationml/2006/main" showMasterSp="1" showMasterPhAnim="1">
-  <p:cSld>
-    <p:spTree>
-      <p:nvGrpSpPr>
-        <p:cNvPr id="1" name=""/>
-        <p:cNvGrpSpPr/>
-        <p:nvPr/>
-      </p:nvGrpSpPr>
-      <p:grpSpPr>
-        <a:xfrm>
-          <a:off x="0" y="0"/>
-          <a:ext cx="0" cy="0"/>
-          <a:chOff x="0" y="0"/>
-          <a:chExt cx="0" cy="0"/>
-        </a:xfrm>
-      </p:grpSpPr>
-      <p:sp>
-        <p:nvSpPr>
-          <p:cNvPr id="193" name="Shape 193"/>
-          <p:cNvSpPr/>
-          <p:nvPr>
-            <p:ph type="title" idx="4294967295"/>
-          </p:nvPr>
-        </p:nvSpPr>
-        <p:spPr>
-          <a:xfrm>
-            <a:off x="508000" y="195020"/>
-            <a:ext cx="11988800" cy="1219201"/>
-          </a:xfrm>
-          <a:prstGeom prst="rect">
-            <a:avLst/>
-          </a:prstGeom>
-        </p:spPr>
-        <p:txBody>
-          <a:bodyPr/>
-          <a:lstStyle/>
-          <a:p>
-            <a:pPr/>
-            <a:r>
-              <a:t>reinicio()</a:t>
-            </a:r>
-          </a:p>
-        </p:txBody>
-      </p:sp>
-      <p:pic>
-        <p:nvPicPr>
-          <p:cNvPr id="194" name="Captura de pantalla 2018-04-22 a las 21.52.56.png"/>
-          <p:cNvPicPr>
-            <a:picLocks noChangeAspect="1"/>
-          </p:cNvPicPr>
-          <p:nvPr/>
-        </p:nvPicPr>
-        <p:blipFill>
-          <a:blip r:embed="rId2">
-            <a:extLst/>
-          </a:blip>
-          <a:stretch>
-            <a:fillRect/>
-          </a:stretch>
-        </p:blipFill>
-        <p:spPr>
-          <a:xfrm>
-            <a:off x="418363" y="1860636"/>
-            <a:ext cx="12168074" cy="6486218"/>
-          </a:xfrm>
-          <a:prstGeom prst="rect">
-            <a:avLst/>
-          </a:prstGeom>
-          <a:ln w="12700">
-            <a:miter lim="400000"/>
-          </a:ln>
-        </p:spPr>
-      </p:pic>
-    </p:spTree>
-  </p:cSld>
-  <p:clrMapOvr>
-    <a:masterClrMapping/>
-  </p:clrMapOvr>
-  <p:transition xmlns:p14="http://schemas.microsoft.com/office/powerpoint/2010/main" spd="med" advClick="1" p14:dur="1000"/>
-</p:sld>
-</file>
-
-<file path=ppt/slides/slide22.xml><?xml version="1.0" encoding="utf-8"?>
-<p:sld xmlns:a="http://schemas.openxmlformats.org/drawingml/2006/main" xmlns:r="http://schemas.openxmlformats.org/officeDocument/2006/relationships" xmlns:p="http://schemas.openxmlformats.org/presentationml/2006/main" showMasterSp="1" showMasterPhAnim="1">
-  <p:cSld>
-    <p:spTree>
-      <p:nvGrpSpPr>
-        <p:cNvPr id="1" name=""/>
-        <p:cNvGrpSpPr/>
-        <p:nvPr/>
-      </p:nvGrpSpPr>
-      <p:grpSpPr>
-        <a:xfrm>
-          <a:off x="0" y="0"/>
-          <a:ext cx="0" cy="0"/>
-          <a:chOff x="0" y="0"/>
-          <a:chExt cx="0" cy="0"/>
-        </a:xfrm>
-      </p:grpSpPr>
-      <p:sp>
-        <p:nvSpPr>
-          <p:cNvPr id="196" name="Shape 196"/>
-          <p:cNvSpPr/>
-          <p:nvPr>
-            <p:ph type="title" idx="4294967295"/>
-          </p:nvPr>
-        </p:nvSpPr>
-        <p:spPr>
-          <a:xfrm>
-            <a:off x="508000" y="195020"/>
-            <a:ext cx="11988800" cy="1219201"/>
-          </a:xfrm>
-          <a:prstGeom prst="rect">
-            <a:avLst/>
-          </a:prstGeom>
-        </p:spPr>
-        <p:txBody>
-          <a:bodyPr/>
-          <a:lstStyle/>
-          <a:p>
-            <a:pPr/>
-            <a:r>
-              <a:t>reinicio()</a:t>
-            </a:r>
-          </a:p>
-        </p:txBody>
-      </p:sp>
-      <p:pic>
-        <p:nvPicPr>
-          <p:cNvPr id="197" name="Captura de pantalla 2018-04-22 a las 21.53.05.png"/>
-          <p:cNvPicPr>
-            <a:picLocks noChangeAspect="1"/>
-          </p:cNvPicPr>
-          <p:nvPr/>
-        </p:nvPicPr>
-        <p:blipFill>
-          <a:blip r:embed="rId2">
-            <a:extLst/>
-          </a:blip>
-          <a:stretch>
-            <a:fillRect/>
-          </a:stretch>
-        </p:blipFill>
-        <p:spPr>
-          <a:xfrm>
-            <a:off x="720044" y="1722641"/>
-            <a:ext cx="11564712" cy="7435856"/>
-          </a:xfrm>
-          <a:prstGeom prst="rect">
-            <a:avLst/>
-          </a:prstGeom>
-          <a:ln w="12700">
-            <a:miter lim="400000"/>
-          </a:ln>
-        </p:spPr>
-      </p:pic>
-    </p:spTree>
-  </p:cSld>
-  <p:clrMapOvr>
-    <a:masterClrMapping/>
-  </p:clrMapOvr>
-  <p:transition xmlns:p14="http://schemas.microsoft.com/office/powerpoint/2010/main" spd="med" advClick="1" p14:dur="1000"/>
-</p:sld>
-</file>
-
-<file path=ppt/slides/slide23.xml><?xml version="1.0" encoding="utf-8"?>
-<p:sld xmlns:a="http://schemas.openxmlformats.org/drawingml/2006/main" xmlns:r="http://schemas.openxmlformats.org/officeDocument/2006/relationships" xmlns:p="http://schemas.openxmlformats.org/presentationml/2006/main" showMasterSp="1" showMasterPhAnim="1">
-  <p:cSld>
-    <p:spTree>
-      <p:nvGrpSpPr>
-        <p:cNvPr id="1" name=""/>
-        <p:cNvGrpSpPr/>
-        <p:nvPr/>
-      </p:nvGrpSpPr>
-      <p:grpSpPr>
-        <a:xfrm>
-          <a:off x="0" y="0"/>
-          <a:ext cx="0" cy="0"/>
-          <a:chOff x="0" y="0"/>
-          <a:chExt cx="0" cy="0"/>
-        </a:xfrm>
-      </p:grpSpPr>
-      <p:sp>
-        <p:nvSpPr>
-          <p:cNvPr id="199" name="Shape 199"/>
-          <p:cNvSpPr/>
-          <p:nvPr>
-            <p:ph type="title" idx="4294967295"/>
-          </p:nvPr>
-        </p:nvSpPr>
-        <p:spPr>
-          <a:xfrm>
-            <a:off x="508000" y="195020"/>
-            <a:ext cx="11988800" cy="1219201"/>
-          </a:xfrm>
-          <a:prstGeom prst="rect">
-            <a:avLst/>
-          </a:prstGeom>
-        </p:spPr>
-        <p:txBody>
-          <a:bodyPr/>
-          <a:lstStyle/>
-          <a:p>
-            <a:pPr/>
-            <a:r>
-              <a:t>checkifend()</a:t>
-            </a:r>
-          </a:p>
-        </p:txBody>
-      </p:sp>
-      <p:pic>
-        <p:nvPicPr>
-          <p:cNvPr id="200" name="Captura de pantalla 2018-04-22 a las 22.13.47.png"/>
-          <p:cNvPicPr>
-            <a:picLocks noChangeAspect="1"/>
-          </p:cNvPicPr>
-          <p:nvPr/>
-        </p:nvPicPr>
-        <p:blipFill>
-          <a:blip r:embed="rId2">
-            <a:extLst/>
-          </a:blip>
-          <a:stretch>
-            <a:fillRect/>
-          </a:stretch>
-        </p:blipFill>
-        <p:spPr>
-          <a:xfrm>
-            <a:off x="0" y="1882181"/>
-            <a:ext cx="13004801" cy="5989238"/>
-          </a:xfrm>
-          <a:prstGeom prst="rect">
-            <a:avLst/>
-          </a:prstGeom>
-          <a:ln w="12700">
-            <a:miter lim="400000"/>
-          </a:ln>
-        </p:spPr>
-      </p:pic>
-    </p:spTree>
-  </p:cSld>
-  <p:clrMapOvr>
-    <a:masterClrMapping/>
-  </p:clrMapOvr>
-  <p:transition xmlns:p14="http://schemas.microsoft.com/office/powerpoint/2010/main" spd="med" advClick="1" p14:dur="1000"/>
-</p:sld>
-</file>
-
-<file path=ppt/slides/slide24.xml><?xml version="1.0" encoding="utf-8"?>
-<p:sld xmlns:a="http://schemas.openxmlformats.org/drawingml/2006/main" xmlns:r="http://schemas.openxmlformats.org/officeDocument/2006/relationships" xmlns:p="http://schemas.openxmlformats.org/presentationml/2006/main" showMasterSp="1" showMasterPhAnim="1">
-  <p:cSld>
-    <p:spTree>
-      <p:nvGrpSpPr>
-        <p:cNvPr id="1" name=""/>
-        <p:cNvGrpSpPr/>
-        <p:nvPr/>
-      </p:nvGrpSpPr>
-      <p:grpSpPr>
-        <a:xfrm>
-          <a:off x="0" y="0"/>
-          <a:ext cx="0" cy="0"/>
-          <a:chOff x="0" y="0"/>
-          <a:chExt cx="0" cy="0"/>
-        </a:xfrm>
-      </p:grpSpPr>
-      <p:sp>
-        <p:nvSpPr>
-          <p:cNvPr id="202" name="Shape 202"/>
-          <p:cNvSpPr/>
-          <p:nvPr>
-            <p:ph type="title" idx="4294967295"/>
-          </p:nvPr>
-        </p:nvSpPr>
-        <p:spPr>
-          <a:xfrm>
-            <a:off x="508000" y="195020"/>
-            <a:ext cx="11988800" cy="1219201"/>
-          </a:xfrm>
-          <a:prstGeom prst="rect">
-            <a:avLst/>
-          </a:prstGeom>
-        </p:spPr>
-        <p:txBody>
-          <a:bodyPr/>
-          <a:lstStyle/>
-          <a:p>
-            <a:pPr/>
-            <a:r>
-              <a:t>checkifend()</a:t>
-            </a:r>
-          </a:p>
-        </p:txBody>
-      </p:sp>
-      <p:pic>
-        <p:nvPicPr>
-          <p:cNvPr id="203" name="Captura de pantalla 2018-04-22 a las 22.14.22.png"/>
-          <p:cNvPicPr>
-            <a:picLocks noChangeAspect="1"/>
-          </p:cNvPicPr>
-          <p:nvPr/>
-        </p:nvPicPr>
-        <p:blipFill>
-          <a:blip r:embed="rId2">
-            <a:extLst/>
-          </a:blip>
-          <a:stretch>
-            <a:fillRect/>
-          </a:stretch>
-        </p:blipFill>
-        <p:spPr>
-          <a:xfrm>
-            <a:off x="591956" y="1824127"/>
-            <a:ext cx="11820888" cy="7199554"/>
-          </a:xfrm>
-          <a:prstGeom prst="rect">
-            <a:avLst/>
-          </a:prstGeom>
-          <a:ln w="12700">
-            <a:miter lim="400000"/>
-          </a:ln>
-        </p:spPr>
-      </p:pic>
-    </p:spTree>
-  </p:cSld>
-  <p:clrMapOvr>
-    <a:masterClrMapping/>
-  </p:clrMapOvr>
-  <p:transition xmlns:p14="http://schemas.microsoft.com/office/powerpoint/2010/main" spd="med" advClick="1" p14:dur="1000"/>
-</p:sld>
-</file>
-
-<file path=ppt/slides/slide25.xml><?xml version="1.0" encoding="utf-8"?>
-<p:sld xmlns:a="http://schemas.openxmlformats.org/drawingml/2006/main" xmlns:r="http://schemas.openxmlformats.org/officeDocument/2006/relationships" xmlns:p="http://schemas.openxmlformats.org/presentationml/2006/main" showMasterSp="1" showMasterPhAnim="1">
-  <p:cSld>
-    <p:spTree>
-      <p:nvGrpSpPr>
-        <p:cNvPr id="1" name=""/>
-        <p:cNvGrpSpPr/>
-        <p:nvPr/>
-      </p:nvGrpSpPr>
-      <p:grpSpPr>
-        <a:xfrm>
-          <a:off x="0" y="0"/>
-          <a:ext cx="0" cy="0"/>
-          <a:chOff x="0" y="0"/>
-          <a:chExt cx="0" cy="0"/>
-        </a:xfrm>
-      </p:grpSpPr>
-      <p:sp>
-        <p:nvSpPr>
-          <p:cNvPr id="205" name="Shape 205"/>
-          <p:cNvSpPr/>
-          <p:nvPr>
-            <p:ph type="title" idx="4294967295"/>
-          </p:nvPr>
-        </p:nvSpPr>
-        <p:spPr>
-          <a:xfrm>
-            <a:off x="508000" y="195020"/>
-            <a:ext cx="11988800" cy="1219201"/>
-          </a:xfrm>
-          <a:prstGeom prst="rect">
-            <a:avLst/>
-          </a:prstGeom>
-        </p:spPr>
-        <p:txBody>
-          <a:bodyPr/>
-          <a:lstStyle/>
-          <a:p>
-            <a:pPr/>
-            <a:r>
-              <a:t>checkifend()</a:t>
-            </a:r>
-          </a:p>
-        </p:txBody>
-      </p:sp>
-      <p:pic>
-        <p:nvPicPr>
-          <p:cNvPr id="206" name="Captura de pantalla 2018-04-22 a las 22.14.36.png"/>
-          <p:cNvPicPr>
-            <a:picLocks noChangeAspect="1"/>
-          </p:cNvPicPr>
-          <p:nvPr/>
-        </p:nvPicPr>
-        <p:blipFill>
-          <a:blip r:embed="rId2">
-            <a:extLst/>
-          </a:blip>
-          <a:stretch>
-            <a:fillRect/>
-          </a:stretch>
-        </p:blipFill>
-        <p:spPr>
-          <a:xfrm>
-            <a:off x="383746" y="2994342"/>
-            <a:ext cx="12237308" cy="4783111"/>
-          </a:xfrm>
-          <a:prstGeom prst="rect">
-            <a:avLst/>
-          </a:prstGeom>
-          <a:ln w="12700">
-            <a:miter lim="400000"/>
-          </a:ln>
-        </p:spPr>
-      </p:pic>
-    </p:spTree>
-  </p:cSld>
-  <p:clrMapOvr>
-    <a:masterClrMapping/>
-  </p:clrMapOvr>
-  <p:transition xmlns:p14="http://schemas.microsoft.com/office/powerpoint/2010/main" spd="med" advClick="1" p14:dur="1000"/>
-</p:sld>
-</file>
-
-<file path=ppt/slides/slide26.xml><?xml version="1.0" encoding="utf-8"?>
-<p:sld xmlns:a="http://schemas.openxmlformats.org/drawingml/2006/main" xmlns:r="http://schemas.openxmlformats.org/officeDocument/2006/relationships" xmlns:p="http://schemas.openxmlformats.org/presentationml/2006/main" showMasterSp="1" showMasterPhAnim="1">
-  <p:cSld>
-    <p:spTree>
-      <p:nvGrpSpPr>
-        <p:cNvPr id="1" name=""/>
-        <p:cNvGrpSpPr/>
-        <p:nvPr/>
-      </p:nvGrpSpPr>
-      <p:grpSpPr>
-        <a:xfrm>
-          <a:off x="0" y="0"/>
-          <a:ext cx="0" cy="0"/>
-          <a:chOff x="0" y="0"/>
-          <a:chExt cx="0" cy="0"/>
-        </a:xfrm>
-      </p:grpSpPr>
-      <p:sp>
-        <p:nvSpPr>
-          <p:cNvPr id="208" name="Shape 208"/>
-          <p:cNvSpPr/>
-          <p:nvPr>
-            <p:ph type="title" idx="4294967295"/>
-          </p:nvPr>
-        </p:nvSpPr>
-        <p:spPr>
-          <a:xfrm>
-            <a:off x="508000" y="195020"/>
-            <a:ext cx="11988800" cy="1219201"/>
-          </a:xfrm>
-          <a:prstGeom prst="rect">
-            <a:avLst/>
-          </a:prstGeom>
-        </p:spPr>
-        <p:txBody>
-          <a:bodyPr/>
-          <a:lstStyle/>
-          <a:p>
-            <a:pPr/>
-            <a:r>
-              <a:t>checkifend()</a:t>
-            </a:r>
-          </a:p>
-        </p:txBody>
-      </p:sp>
-      <p:pic>
-        <p:nvPicPr>
-          <p:cNvPr id="209" name="Captura de pantalla 2018-04-22 a las 22.14.44.png"/>
-          <p:cNvPicPr>
-            <a:picLocks noChangeAspect="1"/>
-          </p:cNvPicPr>
-          <p:nvPr/>
-        </p:nvPicPr>
-        <p:blipFill>
-          <a:blip r:embed="rId2">
-            <a:extLst/>
-          </a:blip>
-          <a:stretch>
-            <a:fillRect/>
-          </a:stretch>
-        </p:blipFill>
-        <p:spPr>
-          <a:xfrm>
-            <a:off x="138" y="2453293"/>
-            <a:ext cx="13004524" cy="4847014"/>
-          </a:xfrm>
-          <a:prstGeom prst="rect">
-            <a:avLst/>
-          </a:prstGeom>
-          <a:ln w="12700">
-            <a:miter lim="400000"/>
-          </a:ln>
-        </p:spPr>
-      </p:pic>
-    </p:spTree>
-  </p:cSld>
-  <p:clrMapOvr>
-    <a:masterClrMapping/>
-  </p:clrMapOvr>
-  <p:transition xmlns:p14="http://schemas.microsoft.com/office/powerpoint/2010/main" spd="med" advClick="1" p14:dur="1000"/>
-</p:sld>
-</file>
-
-<file path=ppt/slides/slide27.xml><?xml version="1.0" encoding="utf-8"?>
-<p:sld xmlns:a="http://schemas.openxmlformats.org/drawingml/2006/main" xmlns:r="http://schemas.openxmlformats.org/officeDocument/2006/relationships" xmlns:p="http://schemas.openxmlformats.org/presentationml/2006/main" showMasterSp="1" showMasterPhAnim="1">
-  <p:cSld>
-    <p:spTree>
-      <p:nvGrpSpPr>
-        <p:cNvPr id="1" name=""/>
-        <p:cNvGrpSpPr/>
-        <p:nvPr/>
-      </p:nvGrpSpPr>
-      <p:grpSpPr>
-        <a:xfrm>
-          <a:off x="0" y="0"/>
-          <a:ext cx="0" cy="0"/>
-          <a:chOff x="0" y="0"/>
-          <a:chExt cx="0" cy="0"/>
-        </a:xfrm>
-      </p:grpSpPr>
-      <p:sp>
-        <p:nvSpPr>
-          <p:cNvPr id="211" name="Shape 211"/>
-          <p:cNvSpPr/>
-          <p:nvPr>
-            <p:ph type="title" idx="4294967295"/>
-          </p:nvPr>
-        </p:nvSpPr>
-        <p:spPr>
-          <a:xfrm>
-            <a:off x="508000" y="195020"/>
-            <a:ext cx="11988800" cy="1219201"/>
-          </a:xfrm>
-          <a:prstGeom prst="rect">
-            <a:avLst/>
-          </a:prstGeom>
-        </p:spPr>
-        <p:txBody>
-          <a:bodyPr/>
-          <a:lstStyle/>
-          <a:p>
-            <a:pPr/>
-            <a:r>
-              <a:t>perimcheck()</a:t>
-            </a:r>
-          </a:p>
-        </p:txBody>
-      </p:sp>
-      <p:pic>
-        <p:nvPicPr>
-          <p:cNvPr id="212" name="Captura de pantalla 2018-04-22 a las 22.15.00.png"/>
-          <p:cNvPicPr>
-            <a:picLocks noChangeAspect="1"/>
-          </p:cNvPicPr>
-          <p:nvPr/>
-        </p:nvPicPr>
-        <p:blipFill>
-          <a:blip r:embed="rId2">
-            <a:extLst/>
-          </a:blip>
-          <a:stretch>
-            <a:fillRect/>
-          </a:stretch>
-        </p:blipFill>
-        <p:spPr>
-          <a:xfrm>
-            <a:off x="1117518" y="3105064"/>
-            <a:ext cx="10769764" cy="3543472"/>
-          </a:xfrm>
-          <a:prstGeom prst="rect">
-            <a:avLst/>
-          </a:prstGeom>
-          <a:ln w="12700">
-            <a:miter lim="400000"/>
-          </a:ln>
-        </p:spPr>
-      </p:pic>
-    </p:spTree>
-  </p:cSld>
-  <p:clrMapOvr>
-    <a:masterClrMapping/>
-  </p:clrMapOvr>
-  <p:transition xmlns:p14="http://schemas.microsoft.com/office/powerpoint/2010/main" spd="med" advClick="1" p14:dur="1000"/>
-</p:sld>
-</file>
-
-<file path=ppt/slides/slide28.xml><?xml version="1.0" encoding="utf-8"?>
-<p:sld xmlns:a="http://schemas.openxmlformats.org/drawingml/2006/main" xmlns:r="http://schemas.openxmlformats.org/officeDocument/2006/relationships" xmlns:p="http://schemas.openxmlformats.org/presentationml/2006/main" showMasterSp="1" showMasterPhAnim="1">
-  <p:cSld>
-    <p:spTree>
-      <p:nvGrpSpPr>
-        <p:cNvPr id="1" name=""/>
-        <p:cNvGrpSpPr/>
-        <p:nvPr/>
-      </p:nvGrpSpPr>
-      <p:grpSpPr>
-        <a:xfrm>
-          <a:off x="0" y="0"/>
-          <a:ext cx="0" cy="0"/>
-          <a:chOff x="0" y="0"/>
-          <a:chExt cx="0" cy="0"/>
-        </a:xfrm>
-      </p:grpSpPr>
-      <p:pic>
-        <p:nvPicPr>
-          <p:cNvPr id="214" name="Captura de pantalla 2018-04-22 a las 22.15.13.png"/>
-          <p:cNvPicPr>
-            <a:picLocks noChangeAspect="1"/>
-          </p:cNvPicPr>
-          <p:nvPr/>
-        </p:nvPicPr>
-        <p:blipFill>
-          <a:blip r:embed="rId2">
-            <a:extLst/>
-          </a:blip>
-          <a:stretch>
-            <a:fillRect/>
-          </a:stretch>
-        </p:blipFill>
-        <p:spPr>
-          <a:xfrm>
-            <a:off x="-173775" y="-31573"/>
-            <a:ext cx="14091953" cy="9753601"/>
-          </a:xfrm>
-          <a:prstGeom prst="rect">
-            <a:avLst/>
-          </a:prstGeom>
-          <a:ln w="12700">
-            <a:miter lim="400000"/>
-          </a:ln>
-        </p:spPr>
-      </p:pic>
-    </p:spTree>
-  </p:cSld>
-  <p:clrMapOvr>
-    <a:masterClrMapping/>
-  </p:clrMapOvr>
-  <p:transition xmlns:p14="http://schemas.microsoft.com/office/powerpoint/2010/main" spd="med" advClick="1" p14:dur="1000"/>
-</p:sld>
-</file>
-
-<file path=ppt/slides/slide3.xml><?xml version="1.0" encoding="utf-8"?>
-<p:sld xmlns:a="http://schemas.openxmlformats.org/drawingml/2006/main" xmlns:r="http://schemas.openxmlformats.org/officeDocument/2006/relationships" xmlns:p="http://schemas.openxmlformats.org/presentationml/2006/main" showMasterSp="1" showMasterPhAnim="1">
+<file path=ppt/slides/slide2.xml><?xml version="1.0" encoding="utf-8"?>
+<p:sld xmlns:a="http://schemas.openxmlformats.org/drawingml/2006/main" xmlns:r="http://schemas.openxmlformats.org/officeDocument/2006/relationships" xmlns:p="http://schemas.openxmlformats.org/presentationml/2006/main">
   <p:cSld>
     <p:spTree>
       <p:nvGrpSpPr>
@@ -5421,7 +4899,9 @@
       <p:sp>
         <p:nvSpPr>
           <p:cNvPr id="141" name="Shape 141"/>
-          <p:cNvSpPr/>
+          <p:cNvSpPr>
+            <a:spLocks noGrp="1"/>
+          </p:cNvSpPr>
           <p:nvPr>
             <p:ph type="title" idx="4294967295"/>
           </p:nvPr>
@@ -5439,7 +4919,6 @@
           <a:bodyPr/>
           <a:lstStyle/>
           <a:p>
-            <a:pPr/>
             <a:r>
               <a:t>Variables</a:t>
             </a:r>
@@ -5451,12 +4930,432 @@
   <p:clrMapOvr>
     <a:masterClrMapping/>
   </p:clrMapOvr>
-  <p:transition xmlns:p14="http://schemas.microsoft.com/office/powerpoint/2010/main" spd="med" advClick="1" p14:dur="1000"/>
+  <p:transition spd="slow"/>
 </p:sld>
 </file>
 
-<file path=ppt/slides/slide4.xml><?xml version="1.0" encoding="utf-8"?>
-<p:sld xmlns:a="http://schemas.openxmlformats.org/drawingml/2006/main" xmlns:r="http://schemas.openxmlformats.org/officeDocument/2006/relationships" xmlns:p="http://schemas.openxmlformats.org/presentationml/2006/main" showMasterSp="1" showMasterPhAnim="1">
+<file path=ppt/slides/slide20.xml><?xml version="1.0" encoding="utf-8"?>
+<p:sld xmlns:a="http://schemas.openxmlformats.org/drawingml/2006/main" xmlns:r="http://schemas.openxmlformats.org/officeDocument/2006/relationships" xmlns:p="http://schemas.openxmlformats.org/presentationml/2006/main">
+  <p:cSld>
+    <p:spTree>
+      <p:nvGrpSpPr>
+        <p:cNvPr id="1" name=""/>
+        <p:cNvGrpSpPr/>
+        <p:nvPr/>
+      </p:nvGrpSpPr>
+      <p:grpSpPr>
+        <a:xfrm>
+          <a:off x="0" y="0"/>
+          <a:ext cx="0" cy="0"/>
+          <a:chOff x="0" y="0"/>
+          <a:chExt cx="0" cy="0"/>
+        </a:xfrm>
+      </p:grpSpPr>
+      <p:sp>
+        <p:nvSpPr>
+          <p:cNvPr id="193" name="Shape 193"/>
+          <p:cNvSpPr>
+            <a:spLocks noGrp="1"/>
+          </p:cNvSpPr>
+          <p:nvPr>
+            <p:ph type="title" idx="4294967295"/>
+          </p:nvPr>
+        </p:nvSpPr>
+        <p:spPr>
+          <a:xfrm>
+            <a:off x="508000" y="195020"/>
+            <a:ext cx="11988800" cy="1219201"/>
+          </a:xfrm>
+          <a:prstGeom prst="rect">
+            <a:avLst/>
+          </a:prstGeom>
+        </p:spPr>
+        <p:txBody>
+          <a:bodyPr/>
+          <a:lstStyle/>
+          <a:p>
+            <a:r>
+              <a:t>reinicio()</a:t>
+            </a:r>
+          </a:p>
+        </p:txBody>
+      </p:sp>
+      <p:pic>
+        <p:nvPicPr>
+          <p:cNvPr id="194" name="Captura de pantalla 2018-04-22 a las 21.52.56.png"/>
+          <p:cNvPicPr>
+            <a:picLocks noChangeAspect="1"/>
+          </p:cNvPicPr>
+          <p:nvPr/>
+        </p:nvPicPr>
+        <p:blipFill>
+          <a:blip r:embed="rId2">
+            <a:extLst/>
+          </a:blip>
+          <a:stretch>
+            <a:fillRect/>
+          </a:stretch>
+        </p:blipFill>
+        <p:spPr>
+          <a:xfrm>
+            <a:off x="418363" y="1860636"/>
+            <a:ext cx="12168074" cy="6486218"/>
+          </a:xfrm>
+          <a:prstGeom prst="rect">
+            <a:avLst/>
+          </a:prstGeom>
+          <a:ln w="12700">
+            <a:miter lim="400000"/>
+          </a:ln>
+        </p:spPr>
+      </p:pic>
+    </p:spTree>
+  </p:cSld>
+  <p:clrMapOvr>
+    <a:masterClrMapping/>
+  </p:clrMapOvr>
+  <p:transition spd="slow"/>
+</p:sld>
+</file>
+
+<file path=ppt/slides/slide21.xml><?xml version="1.0" encoding="utf-8"?>
+<p:sld xmlns:a="http://schemas.openxmlformats.org/drawingml/2006/main" xmlns:r="http://schemas.openxmlformats.org/officeDocument/2006/relationships" xmlns:p="http://schemas.openxmlformats.org/presentationml/2006/main">
+  <p:cSld>
+    <p:spTree>
+      <p:nvGrpSpPr>
+        <p:cNvPr id="1" name=""/>
+        <p:cNvGrpSpPr/>
+        <p:nvPr/>
+      </p:nvGrpSpPr>
+      <p:grpSpPr>
+        <a:xfrm>
+          <a:off x="0" y="0"/>
+          <a:ext cx="0" cy="0"/>
+          <a:chOff x="0" y="0"/>
+          <a:chExt cx="0" cy="0"/>
+        </a:xfrm>
+      </p:grpSpPr>
+      <p:sp>
+        <p:nvSpPr>
+          <p:cNvPr id="196" name="Shape 196"/>
+          <p:cNvSpPr>
+            <a:spLocks noGrp="1"/>
+          </p:cNvSpPr>
+          <p:nvPr>
+            <p:ph type="title" idx="4294967295"/>
+          </p:nvPr>
+        </p:nvSpPr>
+        <p:spPr>
+          <a:xfrm>
+            <a:off x="508000" y="195020"/>
+            <a:ext cx="11988800" cy="1219201"/>
+          </a:xfrm>
+          <a:prstGeom prst="rect">
+            <a:avLst/>
+          </a:prstGeom>
+        </p:spPr>
+        <p:txBody>
+          <a:bodyPr/>
+          <a:lstStyle/>
+          <a:p>
+            <a:r>
+              <a:t>reinicio()</a:t>
+            </a:r>
+          </a:p>
+        </p:txBody>
+      </p:sp>
+      <p:pic>
+        <p:nvPicPr>
+          <p:cNvPr id="197" name="Captura de pantalla 2018-04-22 a las 21.53.05.png"/>
+          <p:cNvPicPr>
+            <a:picLocks noChangeAspect="1"/>
+          </p:cNvPicPr>
+          <p:nvPr/>
+        </p:nvPicPr>
+        <p:blipFill>
+          <a:blip r:embed="rId2">
+            <a:extLst/>
+          </a:blip>
+          <a:stretch>
+            <a:fillRect/>
+          </a:stretch>
+        </p:blipFill>
+        <p:spPr>
+          <a:xfrm>
+            <a:off x="720044" y="1722641"/>
+            <a:ext cx="11564712" cy="7435856"/>
+          </a:xfrm>
+          <a:prstGeom prst="rect">
+            <a:avLst/>
+          </a:prstGeom>
+          <a:ln w="12700">
+            <a:miter lim="400000"/>
+          </a:ln>
+        </p:spPr>
+      </p:pic>
+    </p:spTree>
+  </p:cSld>
+  <p:clrMapOvr>
+    <a:masterClrMapping/>
+  </p:clrMapOvr>
+  <p:transition spd="slow"/>
+</p:sld>
+</file>
+
+<file path=ppt/slides/slide22.xml><?xml version="1.0" encoding="utf-8"?>
+<p:sld xmlns:a="http://schemas.openxmlformats.org/drawingml/2006/main" xmlns:r="http://schemas.openxmlformats.org/officeDocument/2006/relationships" xmlns:p="http://schemas.openxmlformats.org/presentationml/2006/main">
+  <p:cSld>
+    <p:spTree>
+      <p:nvGrpSpPr>
+        <p:cNvPr id="1" name=""/>
+        <p:cNvGrpSpPr/>
+        <p:nvPr/>
+      </p:nvGrpSpPr>
+      <p:grpSpPr>
+        <a:xfrm>
+          <a:off x="0" y="0"/>
+          <a:ext cx="0" cy="0"/>
+          <a:chOff x="0" y="0"/>
+          <a:chExt cx="0" cy="0"/>
+        </a:xfrm>
+      </p:grpSpPr>
+      <p:sp>
+        <p:nvSpPr>
+          <p:cNvPr id="199" name="Shape 199"/>
+          <p:cNvSpPr>
+            <a:spLocks noGrp="1"/>
+          </p:cNvSpPr>
+          <p:nvPr>
+            <p:ph type="title" idx="4294967295"/>
+          </p:nvPr>
+        </p:nvSpPr>
+        <p:spPr>
+          <a:xfrm>
+            <a:off x="508000" y="195020"/>
+            <a:ext cx="11988800" cy="1219201"/>
+          </a:xfrm>
+          <a:prstGeom prst="rect">
+            <a:avLst/>
+          </a:prstGeom>
+        </p:spPr>
+        <p:txBody>
+          <a:bodyPr/>
+          <a:lstStyle/>
+          <a:p>
+            <a:r>
+              <a:t>checkifend()</a:t>
+            </a:r>
+          </a:p>
+        </p:txBody>
+      </p:sp>
+      <p:pic>
+        <p:nvPicPr>
+          <p:cNvPr id="200" name="Captura de pantalla 2018-04-22 a las 22.13.47.png"/>
+          <p:cNvPicPr>
+            <a:picLocks noChangeAspect="1"/>
+          </p:cNvPicPr>
+          <p:nvPr/>
+        </p:nvPicPr>
+        <p:blipFill>
+          <a:blip r:embed="rId2">
+            <a:extLst/>
+          </a:blip>
+          <a:stretch>
+            <a:fillRect/>
+          </a:stretch>
+        </p:blipFill>
+        <p:spPr>
+          <a:xfrm>
+            <a:off x="0" y="1882181"/>
+            <a:ext cx="13004801" cy="5989238"/>
+          </a:xfrm>
+          <a:prstGeom prst="rect">
+            <a:avLst/>
+          </a:prstGeom>
+          <a:ln w="12700">
+            <a:miter lim="400000"/>
+          </a:ln>
+        </p:spPr>
+      </p:pic>
+    </p:spTree>
+  </p:cSld>
+  <p:clrMapOvr>
+    <a:masterClrMapping/>
+  </p:clrMapOvr>
+  <p:transition spd="slow"/>
+</p:sld>
+</file>
+
+<file path=ppt/slides/slide23.xml><?xml version="1.0" encoding="utf-8"?>
+<p:sld xmlns:a="http://schemas.openxmlformats.org/drawingml/2006/main" xmlns:r="http://schemas.openxmlformats.org/officeDocument/2006/relationships" xmlns:p="http://schemas.openxmlformats.org/presentationml/2006/main">
+  <p:cSld>
+    <p:spTree>
+      <p:nvGrpSpPr>
+        <p:cNvPr id="1" name=""/>
+        <p:cNvGrpSpPr/>
+        <p:nvPr/>
+      </p:nvGrpSpPr>
+      <p:grpSpPr>
+        <a:xfrm>
+          <a:off x="0" y="0"/>
+          <a:ext cx="0" cy="0"/>
+          <a:chOff x="0" y="0"/>
+          <a:chExt cx="0" cy="0"/>
+        </a:xfrm>
+      </p:grpSpPr>
+      <p:sp>
+        <p:nvSpPr>
+          <p:cNvPr id="202" name="Shape 202"/>
+          <p:cNvSpPr>
+            <a:spLocks noGrp="1"/>
+          </p:cNvSpPr>
+          <p:nvPr>
+            <p:ph type="title" idx="4294967295"/>
+          </p:nvPr>
+        </p:nvSpPr>
+        <p:spPr>
+          <a:xfrm>
+            <a:off x="508000" y="195020"/>
+            <a:ext cx="11988800" cy="1219201"/>
+          </a:xfrm>
+          <a:prstGeom prst="rect">
+            <a:avLst/>
+          </a:prstGeom>
+        </p:spPr>
+        <p:txBody>
+          <a:bodyPr/>
+          <a:lstStyle/>
+          <a:p>
+            <a:r>
+              <a:t>checkifend()</a:t>
+            </a:r>
+          </a:p>
+        </p:txBody>
+      </p:sp>
+      <p:pic>
+        <p:nvPicPr>
+          <p:cNvPr id="203" name="Captura de pantalla 2018-04-22 a las 22.14.22.png"/>
+          <p:cNvPicPr>
+            <a:picLocks noChangeAspect="1"/>
+          </p:cNvPicPr>
+          <p:nvPr/>
+        </p:nvPicPr>
+        <p:blipFill>
+          <a:blip r:embed="rId2">
+            <a:extLst/>
+          </a:blip>
+          <a:stretch>
+            <a:fillRect/>
+          </a:stretch>
+        </p:blipFill>
+        <p:spPr>
+          <a:xfrm>
+            <a:off x="591956" y="1824127"/>
+            <a:ext cx="11820888" cy="7199554"/>
+          </a:xfrm>
+          <a:prstGeom prst="rect">
+            <a:avLst/>
+          </a:prstGeom>
+          <a:ln w="12700">
+            <a:miter lim="400000"/>
+          </a:ln>
+        </p:spPr>
+      </p:pic>
+    </p:spTree>
+  </p:cSld>
+  <p:clrMapOvr>
+    <a:masterClrMapping/>
+  </p:clrMapOvr>
+  <p:transition spd="slow"/>
+</p:sld>
+</file>
+
+<file path=ppt/slides/slide24.xml><?xml version="1.0" encoding="utf-8"?>
+<p:sld xmlns:a="http://schemas.openxmlformats.org/drawingml/2006/main" xmlns:r="http://schemas.openxmlformats.org/officeDocument/2006/relationships" xmlns:p="http://schemas.openxmlformats.org/presentationml/2006/main">
+  <p:cSld>
+    <p:spTree>
+      <p:nvGrpSpPr>
+        <p:cNvPr id="1" name=""/>
+        <p:cNvGrpSpPr/>
+        <p:nvPr/>
+      </p:nvGrpSpPr>
+      <p:grpSpPr>
+        <a:xfrm>
+          <a:off x="0" y="0"/>
+          <a:ext cx="0" cy="0"/>
+          <a:chOff x="0" y="0"/>
+          <a:chExt cx="0" cy="0"/>
+        </a:xfrm>
+      </p:grpSpPr>
+      <p:sp>
+        <p:nvSpPr>
+          <p:cNvPr id="205" name="Shape 205"/>
+          <p:cNvSpPr>
+            <a:spLocks noGrp="1"/>
+          </p:cNvSpPr>
+          <p:nvPr>
+            <p:ph type="title" idx="4294967295"/>
+          </p:nvPr>
+        </p:nvSpPr>
+        <p:spPr>
+          <a:xfrm>
+            <a:off x="508000" y="195020"/>
+            <a:ext cx="11988800" cy="1219201"/>
+          </a:xfrm>
+          <a:prstGeom prst="rect">
+            <a:avLst/>
+          </a:prstGeom>
+        </p:spPr>
+        <p:txBody>
+          <a:bodyPr/>
+          <a:lstStyle/>
+          <a:p>
+            <a:r>
+              <a:t>checkifend()</a:t>
+            </a:r>
+          </a:p>
+        </p:txBody>
+      </p:sp>
+      <p:pic>
+        <p:nvPicPr>
+          <p:cNvPr id="206" name="Captura de pantalla 2018-04-22 a las 22.14.36.png"/>
+          <p:cNvPicPr>
+            <a:picLocks noChangeAspect="1"/>
+          </p:cNvPicPr>
+          <p:nvPr/>
+        </p:nvPicPr>
+        <p:blipFill>
+          <a:blip r:embed="rId2">
+            <a:extLst/>
+          </a:blip>
+          <a:stretch>
+            <a:fillRect/>
+          </a:stretch>
+        </p:blipFill>
+        <p:spPr>
+          <a:xfrm>
+            <a:off x="383746" y="2994342"/>
+            <a:ext cx="12237308" cy="4783111"/>
+          </a:xfrm>
+          <a:prstGeom prst="rect">
+            <a:avLst/>
+          </a:prstGeom>
+          <a:ln w="12700">
+            <a:miter lim="400000"/>
+          </a:ln>
+        </p:spPr>
+      </p:pic>
+    </p:spTree>
+  </p:cSld>
+  <p:clrMapOvr>
+    <a:masterClrMapping/>
+  </p:clrMapOvr>
+  <p:transition spd="slow"/>
+</p:sld>
+</file>
+
+<file path=ppt/slides/slide3.xml><?xml version="1.0" encoding="utf-8"?>
+<p:sld xmlns:a="http://schemas.openxmlformats.org/drawingml/2006/main" xmlns:r="http://schemas.openxmlformats.org/officeDocument/2006/relationships" xmlns:p="http://schemas.openxmlformats.org/presentationml/2006/main">
   <p:cSld>
     <p:spTree>
       <p:nvGrpSpPr>
@@ -5475,7 +5374,9 @@
       <p:sp>
         <p:nvSpPr>
           <p:cNvPr id="143" name="Shape 143"/>
-          <p:cNvSpPr/>
+          <p:cNvSpPr>
+            <a:spLocks noGrp="1"/>
+          </p:cNvSpPr>
           <p:nvPr>
             <p:ph type="title" idx="4294967295"/>
           </p:nvPr>
@@ -5493,7 +5394,6 @@
           <a:bodyPr/>
           <a:lstStyle/>
           <a:p>
-            <a:pPr/>
             <a:r>
               <a:t>Constructor</a:t>
             </a:r>
@@ -5534,12 +5434,12 @@
   <p:clrMapOvr>
     <a:masterClrMapping/>
   </p:clrMapOvr>
-  <p:transition xmlns:p14="http://schemas.microsoft.com/office/powerpoint/2010/main" spd="med" advClick="1" p14:dur="1000"/>
+  <p:transition spd="slow"/>
 </p:sld>
 </file>
 
-<file path=ppt/slides/slide5.xml><?xml version="1.0" encoding="utf-8"?>
-<p:sld xmlns:a="http://schemas.openxmlformats.org/drawingml/2006/main" xmlns:r="http://schemas.openxmlformats.org/officeDocument/2006/relationships" xmlns:p="http://schemas.openxmlformats.org/presentationml/2006/main" showMasterSp="1" showMasterPhAnim="1">
+<file path=ppt/slides/slide4.xml><?xml version="1.0" encoding="utf-8"?>
+<p:sld xmlns:a="http://schemas.openxmlformats.org/drawingml/2006/main" xmlns:r="http://schemas.openxmlformats.org/officeDocument/2006/relationships" xmlns:p="http://schemas.openxmlformats.org/presentationml/2006/main">
   <p:cSld>
     <p:spTree>
       <p:nvGrpSpPr>
@@ -5558,7 +5458,9 @@
       <p:sp>
         <p:nvSpPr>
           <p:cNvPr id="146" name="Shape 146"/>
-          <p:cNvSpPr/>
+          <p:cNvSpPr>
+            <a:spLocks noGrp="1"/>
+          </p:cNvSpPr>
           <p:nvPr>
             <p:ph type="title" idx="4294967295"/>
           </p:nvPr>
@@ -5576,7 +5478,6 @@
           <a:bodyPr/>
           <a:lstStyle/>
           <a:p>
-            <a:pPr/>
             <a:r>
               <a:t>Constructor</a:t>
             </a:r>
@@ -5617,12 +5518,73 @@
   <p:clrMapOvr>
     <a:masterClrMapping/>
   </p:clrMapOvr>
-  <p:transition xmlns:p14="http://schemas.microsoft.com/office/powerpoint/2010/main" spd="med" advClick="1" p14:dur="1000"/>
+  <p:transition spd="slow"/>
+</p:sld>
+</file>
+
+<file path=ppt/slides/slide5.xml><?xml version="1.0" encoding="utf-8"?>
+<p:sld xmlns:a="http://schemas.openxmlformats.org/drawingml/2006/main" xmlns:r="http://schemas.openxmlformats.org/officeDocument/2006/relationships" xmlns:p="http://schemas.openxmlformats.org/presentationml/2006/main">
+  <p:cSld>
+    <p:spTree>
+      <p:nvGrpSpPr>
+        <p:cNvPr id="1" name=""/>
+        <p:cNvGrpSpPr/>
+        <p:nvPr/>
+      </p:nvGrpSpPr>
+      <p:grpSpPr>
+        <a:xfrm>
+          <a:off x="0" y="0"/>
+          <a:ext cx="0" cy="0"/>
+          <a:chOff x="0" y="0"/>
+          <a:chExt cx="0" cy="0"/>
+        </a:xfrm>
+      </p:grpSpPr>
+      <p:pic>
+        <p:nvPicPr>
+          <p:cNvPr id="2" name="Imagen 1"/>
+          <p:cNvPicPr>
+            <a:picLocks noChangeAspect="1"/>
+          </p:cNvPicPr>
+          <p:nvPr/>
+        </p:nvPicPr>
+        <p:blipFill>
+          <a:blip r:embed="rId2">
+            <a:extLst>
+              <a:ext uri="{28A0092B-C50C-407E-A947-70E740481C1C}">
+                <a14:useLocalDpi xmlns:a14="http://schemas.microsoft.com/office/drawing/2010/main" val="0"/>
+              </a:ext>
+            </a:extLst>
+          </a:blip>
+          <a:stretch>
+            <a:fillRect/>
+          </a:stretch>
+        </p:blipFill>
+        <p:spPr>
+          <a:xfrm>
+            <a:off x="1851890" y="290945"/>
+            <a:ext cx="9328728" cy="9248308"/>
+          </a:xfrm>
+          <a:prstGeom prst="rect">
+            <a:avLst/>
+          </a:prstGeom>
+        </p:spPr>
+      </p:pic>
+    </p:spTree>
+    <p:extLst>
+      <p:ext uri="{BB962C8B-B14F-4D97-AF65-F5344CB8AC3E}">
+        <p14:creationId xmlns:p14="http://schemas.microsoft.com/office/powerpoint/2010/main" val="1987389091"/>
+      </p:ext>
+    </p:extLst>
+  </p:cSld>
+  <p:clrMapOvr>
+    <a:masterClrMapping/>
+  </p:clrMapOvr>
+  <p:transition spd="med"/>
 </p:sld>
 </file>
 
 <file path=ppt/slides/slide6.xml><?xml version="1.0" encoding="utf-8"?>
-<p:sld xmlns:a="http://schemas.openxmlformats.org/drawingml/2006/main" xmlns:r="http://schemas.openxmlformats.org/officeDocument/2006/relationships" xmlns:p="http://schemas.openxmlformats.org/presentationml/2006/main" showMasterSp="1" showMasterPhAnim="1">
+<p:sld xmlns:a="http://schemas.openxmlformats.org/drawingml/2006/main" xmlns:r="http://schemas.openxmlformats.org/officeDocument/2006/relationships" xmlns:p="http://schemas.openxmlformats.org/presentationml/2006/main">
   <p:cSld>
     <p:spTree>
       <p:nvGrpSpPr>
@@ -5641,7 +5603,9 @@
       <p:sp>
         <p:nvSpPr>
           <p:cNvPr id="149" name="Shape 149"/>
-          <p:cNvSpPr/>
+          <p:cNvSpPr>
+            <a:spLocks noGrp="1"/>
+          </p:cNvSpPr>
           <p:nvPr>
             <p:ph type="title" idx="4294967295"/>
           </p:nvPr>
@@ -5659,10 +5623,11 @@
           <a:bodyPr/>
           <a:lstStyle/>
           <a:p>
-            <a:pPr/>
             <a:r>
+              <a:rPr dirty="0" smtClean="0"/>
               <a:t>Constructor</a:t>
             </a:r>
+            <a:endParaRPr dirty="0"/>
           </a:p>
         </p:txBody>
       </p:sp>
@@ -5700,12 +5665,73 @@
   <p:clrMapOvr>
     <a:masterClrMapping/>
   </p:clrMapOvr>
-  <p:transition xmlns:p14="http://schemas.microsoft.com/office/powerpoint/2010/main" spd="med" advClick="1" p14:dur="1000"/>
+  <p:transition spd="slow"/>
 </p:sld>
 </file>
 
 <file path=ppt/slides/slide7.xml><?xml version="1.0" encoding="utf-8"?>
-<p:sld xmlns:a="http://schemas.openxmlformats.org/drawingml/2006/main" xmlns:r="http://schemas.openxmlformats.org/officeDocument/2006/relationships" xmlns:p="http://schemas.openxmlformats.org/presentationml/2006/main" showMasterSp="1" showMasterPhAnim="1">
+<p:sld xmlns:a="http://schemas.openxmlformats.org/drawingml/2006/main" xmlns:r="http://schemas.openxmlformats.org/officeDocument/2006/relationships" xmlns:p="http://schemas.openxmlformats.org/presentationml/2006/main">
+  <p:cSld>
+    <p:spTree>
+      <p:nvGrpSpPr>
+        <p:cNvPr id="1" name=""/>
+        <p:cNvGrpSpPr/>
+        <p:nvPr/>
+      </p:nvGrpSpPr>
+      <p:grpSpPr>
+        <a:xfrm>
+          <a:off x="0" y="0"/>
+          <a:ext cx="0" cy="0"/>
+          <a:chOff x="0" y="0"/>
+          <a:chExt cx="0" cy="0"/>
+        </a:xfrm>
+      </p:grpSpPr>
+      <p:pic>
+        <p:nvPicPr>
+          <p:cNvPr id="2" name="Imagen 1"/>
+          <p:cNvPicPr>
+            <a:picLocks noChangeAspect="1"/>
+          </p:cNvPicPr>
+          <p:nvPr/>
+        </p:nvPicPr>
+        <p:blipFill>
+          <a:blip r:embed="rId2">
+            <a:extLst>
+              <a:ext uri="{28A0092B-C50C-407E-A947-70E740481C1C}">
+                <a14:useLocalDpi xmlns:a14="http://schemas.microsoft.com/office/drawing/2010/main" val="0"/>
+              </a:ext>
+            </a:extLst>
+          </a:blip>
+          <a:stretch>
+            <a:fillRect/>
+          </a:stretch>
+        </p:blipFill>
+        <p:spPr>
+          <a:xfrm>
+            <a:off x="1831109" y="205508"/>
+            <a:ext cx="9287164" cy="9307223"/>
+          </a:xfrm>
+          <a:prstGeom prst="rect">
+            <a:avLst/>
+          </a:prstGeom>
+        </p:spPr>
+      </p:pic>
+    </p:spTree>
+    <p:extLst>
+      <p:ext uri="{BB962C8B-B14F-4D97-AF65-F5344CB8AC3E}">
+        <p14:creationId xmlns:p14="http://schemas.microsoft.com/office/powerpoint/2010/main" val="1449878265"/>
+      </p:ext>
+    </p:extLst>
+  </p:cSld>
+  <p:clrMapOvr>
+    <a:masterClrMapping/>
+  </p:clrMapOvr>
+  <p:transition spd="med"/>
+</p:sld>
+</file>
+
+<file path=ppt/slides/slide8.xml><?xml version="1.0" encoding="utf-8"?>
+<p:sld xmlns:a="http://schemas.openxmlformats.org/drawingml/2006/main" xmlns:r="http://schemas.openxmlformats.org/officeDocument/2006/relationships" xmlns:p="http://schemas.openxmlformats.org/presentationml/2006/main">
   <p:cSld>
     <p:spTree>
       <p:nvGrpSpPr>
@@ -5724,7 +5750,9 @@
       <p:sp>
         <p:nvSpPr>
           <p:cNvPr id="152" name="Shape 152"/>
-          <p:cNvSpPr/>
+          <p:cNvSpPr>
+            <a:spLocks noGrp="1"/>
+          </p:cNvSpPr>
           <p:nvPr>
             <p:ph type="title" idx="4294967295"/>
           </p:nvPr>
@@ -5742,7 +5770,6 @@
           <a:bodyPr/>
           <a:lstStyle/>
           <a:p>
-            <a:pPr/>
             <a:r>
               <a:t>Constructor</a:t>
             </a:r>
@@ -5812,12 +5839,12 @@
   <p:clrMapOvr>
     <a:masterClrMapping/>
   </p:clrMapOvr>
-  <p:transition xmlns:p14="http://schemas.microsoft.com/office/powerpoint/2010/main" spd="med" advClick="1" p14:dur="1000"/>
+  <p:transition spd="slow"/>
 </p:sld>
 </file>
 
-<file path=ppt/slides/slide8.xml><?xml version="1.0" encoding="utf-8"?>
-<p:sld xmlns:a="http://schemas.openxmlformats.org/drawingml/2006/main" xmlns:r="http://schemas.openxmlformats.org/officeDocument/2006/relationships" xmlns:p="http://schemas.openxmlformats.org/presentationml/2006/main" showMasterSp="1" showMasterPhAnim="1">
+<file path=ppt/slides/slide9.xml><?xml version="1.0" encoding="utf-8"?>
+<p:sld xmlns:a="http://schemas.openxmlformats.org/drawingml/2006/main" xmlns:r="http://schemas.openxmlformats.org/officeDocument/2006/relationships" xmlns:p="http://schemas.openxmlformats.org/presentationml/2006/main">
   <p:cSld>
     <p:spTree>
       <p:nvGrpSpPr>
@@ -5835,8 +5862,10 @@
       </p:grpSpPr>
       <p:sp>
         <p:nvSpPr>
-          <p:cNvPr id="156" name="Shape 156"/>
-          <p:cNvSpPr/>
+          <p:cNvPr id="162" name="Shape 162"/>
+          <p:cNvSpPr>
+            <a:spLocks noGrp="1"/>
+          </p:cNvSpPr>
           <p:nvPr>
             <p:ph type="title" idx="4294967295"/>
           </p:nvPr>
@@ -5854,16 +5883,15 @@
           <a:bodyPr/>
           <a:lstStyle/>
           <a:p>
-            <a:pPr/>
             <a:r>
-              <a:t>Constructor</a:t>
+              <a:t>ActionListeners</a:t>
             </a:r>
           </a:p>
         </p:txBody>
       </p:sp>
       <p:pic>
         <p:nvPicPr>
-          <p:cNvPr id="157" name="Captura de pantalla 2018-04-22 a las 21.32.25.png"/>
+          <p:cNvPr id="163" name="Captura de pantalla 2018-04-22 a las 21.45.25.png"/>
           <p:cNvPicPr>
             <a:picLocks noChangeAspect="1"/>
           </p:cNvPicPr>
@@ -5879,8 +5907,8 @@
         </p:blipFill>
         <p:spPr>
           <a:xfrm>
-            <a:off x="440037" y="1881937"/>
-            <a:ext cx="12124726" cy="6812438"/>
+            <a:off x="248221" y="3564194"/>
+            <a:ext cx="12508358" cy="2625212"/>
           </a:xfrm>
           <a:prstGeom prst="rect">
             <a:avLst/>
@@ -5895,95 +5923,12 @@
   <p:clrMapOvr>
     <a:masterClrMapping/>
   </p:clrMapOvr>
-  <p:transition xmlns:p14="http://schemas.microsoft.com/office/powerpoint/2010/main" spd="med" advClick="1" p14:dur="1000"/>
-</p:sld>
-</file>
-
-<file path=ppt/slides/slide9.xml><?xml version="1.0" encoding="utf-8"?>
-<p:sld xmlns:a="http://schemas.openxmlformats.org/drawingml/2006/main" xmlns:r="http://schemas.openxmlformats.org/officeDocument/2006/relationships" xmlns:p="http://schemas.openxmlformats.org/presentationml/2006/main" showMasterSp="1" showMasterPhAnim="1">
-  <p:cSld>
-    <p:spTree>
-      <p:nvGrpSpPr>
-        <p:cNvPr id="1" name=""/>
-        <p:cNvGrpSpPr/>
-        <p:nvPr/>
-      </p:nvGrpSpPr>
-      <p:grpSpPr>
-        <a:xfrm>
-          <a:off x="0" y="0"/>
-          <a:ext cx="0" cy="0"/>
-          <a:chOff x="0" y="0"/>
-          <a:chExt cx="0" cy="0"/>
-        </a:xfrm>
-      </p:grpSpPr>
-      <p:sp>
-        <p:nvSpPr>
-          <p:cNvPr id="159" name="Shape 159"/>
-          <p:cNvSpPr/>
-          <p:nvPr>
-            <p:ph type="title" idx="4294967295"/>
-          </p:nvPr>
-        </p:nvSpPr>
-        <p:spPr>
-          <a:xfrm>
-            <a:off x="508000" y="195020"/>
-            <a:ext cx="11988800" cy="1219201"/>
-          </a:xfrm>
-          <a:prstGeom prst="rect">
-            <a:avLst/>
-          </a:prstGeom>
-        </p:spPr>
-        <p:txBody>
-          <a:bodyPr/>
-          <a:lstStyle/>
-          <a:p>
-            <a:pPr/>
-            <a:r>
-              <a:t>Constructor</a:t>
-            </a:r>
-          </a:p>
-        </p:txBody>
-      </p:sp>
-      <p:pic>
-        <p:nvPicPr>
-          <p:cNvPr id="160" name="Captura de pantalla 2018-04-22 a las 21.32.42.png"/>
-          <p:cNvPicPr>
-            <a:picLocks noChangeAspect="1"/>
-          </p:cNvPicPr>
-          <p:nvPr/>
-        </p:nvPicPr>
-        <p:blipFill>
-          <a:blip r:embed="rId2">
-            <a:extLst/>
-          </a:blip>
-          <a:stretch>
-            <a:fillRect/>
-          </a:stretch>
-        </p:blipFill>
-        <p:spPr>
-          <a:xfrm>
-            <a:off x="1102892" y="1360762"/>
-            <a:ext cx="10799016" cy="8207948"/>
-          </a:xfrm>
-          <a:prstGeom prst="rect">
-            <a:avLst/>
-          </a:prstGeom>
-          <a:ln w="12700">
-            <a:miter lim="400000"/>
-          </a:ln>
-        </p:spPr>
-      </p:pic>
-    </p:spTree>
-  </p:cSld>
-  <p:clrMapOvr>
-    <a:masterClrMapping/>
-  </p:clrMapOvr>
-  <p:transition xmlns:p14="http://schemas.microsoft.com/office/powerpoint/2010/main" spd="med" advClick="1" p14:dur="1000"/>
+  <p:transition spd="slow"/>
 </p:sld>
 </file>
 
 <file path=ppt/theme/theme1.xml><?xml version="1.0" encoding="utf-8"?>
-<a:theme xmlns:a="http://schemas.openxmlformats.org/drawingml/2006/main" xmlns:r="http://schemas.openxmlformats.org/officeDocument/2006/relationships" name="New_Template4">
+<a:theme xmlns:a="http://schemas.openxmlformats.org/drawingml/2006/main" name="New_Template4">
   <a:themeElements>
     <a:clrScheme name="New_Template4">
       <a:dk1>
@@ -6173,8 +6118,8 @@
     <a:spDef>
       <a:spPr>
         <a:blipFill rotWithShape="1">
-          <a:blip r:embed="rId1"/>
-          <a:srcRect l="0" t="0" r="0" b="0"/>
+          <a:blip xmlns:r="http://schemas.openxmlformats.org/officeDocument/2006/relationships" r:embed="rId1"/>
+          <a:srcRect/>
           <a:tile tx="0" ty="0" sx="100000" sy="100000" flip="none" algn="tl"/>
         </a:blipFill>
         <a:ln w="12700" cap="flat">
@@ -6184,7 +6129,7 @@
         <a:effectLst/>
         <a:sp3d/>
       </a:spPr>
-      <a:bodyPr rot="0" spcFirstLastPara="1" vertOverflow="overflow" horzOverflow="overflow" vert="horz" wrap="square" lIns="50800" tIns="50800" rIns="50800" bIns="50800" numCol="1" spcCol="38100" rtlCol="0" anchor="ctr" upright="0">
+      <a:bodyPr rot="0" spcFirstLastPara="1" vertOverflow="overflow" horzOverflow="overflow" vert="horz" wrap="square" lIns="50800" tIns="50800" rIns="50800" bIns="50800" numCol="1" spcCol="38100" rtlCol="0" anchor="ctr">
         <a:spAutoFit/>
       </a:bodyPr>
       <a:lstStyle>
@@ -6203,7 +6148,7 @@
           <a:buFontTx/>
           <a:buNone/>
           <a:tabLst/>
-          <a:defRPr b="0" baseline="0" cap="none" i="0" spc="0" strike="noStrike" sz="3200" u="none" kumimoji="0" normalizeH="0">
+          <a:defRPr kumimoji="0" sz="3200" b="0" i="0" u="none" strike="noStrike" cap="none" spc="0" normalizeH="0" baseline="0">
             <a:ln>
               <a:noFill/>
             </a:ln>
@@ -6211,7 +6156,7 @@
               <a:srgbClr val="FFFFFF"/>
             </a:solidFill>
             <a:effectLst>
-              <a:outerShdw sx="100000" sy="100000" kx="0" ky="0" algn="b" rotWithShape="0" blurRad="25400" dist="33948" dir="2700000">
+              <a:outerShdw blurRad="25400" dist="33948" dir="2700000" rotWithShape="0">
                 <a:srgbClr val="3B3936"/>
               </a:outerShdw>
             </a:effectLst>
@@ -6237,7 +6182,7 @@
           <a:buFontTx/>
           <a:buNone/>
           <a:tabLst/>
-          <a:defRPr b="0" baseline="0" cap="none" i="0" spc="0" strike="noStrike" sz="1800" u="none" kumimoji="0" normalizeH="0">
+          <a:defRPr kumimoji="0" sz="1800" b="0" i="0" u="none" strike="noStrike" cap="none" spc="0" normalizeH="0" baseline="0">
             <a:ln>
               <a:noFill/>
             </a:ln>
@@ -6263,7 +6208,7 @@
           <a:buFontTx/>
           <a:buNone/>
           <a:tabLst/>
-          <a:defRPr b="0" baseline="0" cap="none" i="0" spc="0" strike="noStrike" sz="1800" u="none" kumimoji="0" normalizeH="0">
+          <a:defRPr kumimoji="0" sz="1800" b="0" i="0" u="none" strike="noStrike" cap="none" spc="0" normalizeH="0" baseline="0">
             <a:ln>
               <a:noFill/>
             </a:ln>
@@ -6289,7 +6234,7 @@
           <a:buFontTx/>
           <a:buNone/>
           <a:tabLst/>
-          <a:defRPr b="0" baseline="0" cap="none" i="0" spc="0" strike="noStrike" sz="1800" u="none" kumimoji="0" normalizeH="0">
+          <a:defRPr kumimoji="0" sz="1800" b="0" i="0" u="none" strike="noStrike" cap="none" spc="0" normalizeH="0" baseline="0">
             <a:ln>
               <a:noFill/>
             </a:ln>
@@ -6315,7 +6260,7 @@
           <a:buFontTx/>
           <a:buNone/>
           <a:tabLst/>
-          <a:defRPr b="0" baseline="0" cap="none" i="0" spc="0" strike="noStrike" sz="1800" u="none" kumimoji="0" normalizeH="0">
+          <a:defRPr kumimoji="0" sz="1800" b="0" i="0" u="none" strike="noStrike" cap="none" spc="0" normalizeH="0" baseline="0">
             <a:ln>
               <a:noFill/>
             </a:ln>
@@ -6341,7 +6286,7 @@
           <a:buFontTx/>
           <a:buNone/>
           <a:tabLst/>
-          <a:defRPr b="0" baseline="0" cap="none" i="0" spc="0" strike="noStrike" sz="1800" u="none" kumimoji="0" normalizeH="0">
+          <a:defRPr kumimoji="0" sz="1800" b="0" i="0" u="none" strike="noStrike" cap="none" spc="0" normalizeH="0" baseline="0">
             <a:ln>
               <a:noFill/>
             </a:ln>
@@ -6367,7 +6312,7 @@
           <a:buFontTx/>
           <a:buNone/>
           <a:tabLst/>
-          <a:defRPr b="0" baseline="0" cap="none" i="0" spc="0" strike="noStrike" sz="1800" u="none" kumimoji="0" normalizeH="0">
+          <a:defRPr kumimoji="0" sz="1800" b="0" i="0" u="none" strike="noStrike" cap="none" spc="0" normalizeH="0" baseline="0">
             <a:ln>
               <a:noFill/>
             </a:ln>
@@ -6393,7 +6338,7 @@
           <a:buFontTx/>
           <a:buNone/>
           <a:tabLst/>
-          <a:defRPr b="0" baseline="0" cap="none" i="0" spc="0" strike="noStrike" sz="1800" u="none" kumimoji="0" normalizeH="0">
+          <a:defRPr kumimoji="0" sz="1800" b="0" i="0" u="none" strike="noStrike" cap="none" spc="0" normalizeH="0" baseline="0">
             <a:ln>
               <a:noFill/>
             </a:ln>
@@ -6419,7 +6364,7 @@
           <a:buFontTx/>
           <a:buNone/>
           <a:tabLst/>
-          <a:defRPr b="0" baseline="0" cap="none" i="0" spc="0" strike="noStrike" sz="1800" u="none" kumimoji="0" normalizeH="0">
+          <a:defRPr kumimoji="0" sz="1800" b="0" i="0" u="none" strike="noStrike" cap="none" spc="0" normalizeH="0" baseline="0">
             <a:ln>
               <a:noFill/>
             </a:ln>
@@ -6445,7 +6390,7 @@
           <a:buFontTx/>
           <a:buNone/>
           <a:tabLst/>
-          <a:defRPr b="0" baseline="0" cap="none" i="0" spc="0" strike="noStrike" sz="1800" u="none" kumimoji="0" normalizeH="0">
+          <a:defRPr kumimoji="0" sz="1800" b="0" i="0" u="none" strike="noStrike" cap="none" spc="0" normalizeH="0" baseline="0">
             <a:ln>
               <a:noFill/>
             </a:ln>
@@ -6458,9 +6403,15 @@
         </a:lvl9pPr>
       </a:lstStyle>
       <a:style>
-        <a:lnRef idx="0"/>
-        <a:fillRef idx="0"/>
-        <a:effectRef idx="0"/>
+        <a:lnRef idx="0">
+          <a:scrgbClr r="0" g="0" b="0"/>
+        </a:lnRef>
+        <a:fillRef idx="0">
+          <a:scrgbClr r="0" g="0" b="0"/>
+        </a:fillRef>
+        <a:effectRef idx="0">
+          <a:scrgbClr r="0" g="0" b="0"/>
+        </a:effectRef>
         <a:fontRef idx="none"/>
       </a:style>
     </a:spDef>
@@ -6477,7 +6428,7 @@
         <a:effectLst/>
         <a:sp3d/>
       </a:spPr>
-      <a:bodyPr rot="0" spcFirstLastPara="1" vertOverflow="overflow" horzOverflow="overflow" vert="horz" wrap="square" lIns="91439" tIns="45719" rIns="91439" bIns="45719" numCol="1" spcCol="38100" rtlCol="0" anchor="t" upright="0">
+      <a:bodyPr rot="0" spcFirstLastPara="1" vertOverflow="overflow" horzOverflow="overflow" vert="horz" wrap="square" lIns="91439" tIns="45719" rIns="91439" bIns="45719" numCol="1" spcCol="38100" rtlCol="0" anchor="t">
         <a:noAutofit/>
       </a:bodyPr>
       <a:lstStyle>
@@ -6496,7 +6447,7 @@
           <a:buFontTx/>
           <a:buNone/>
           <a:tabLst/>
-          <a:defRPr b="0" baseline="0" cap="none" i="0" spc="0" strike="noStrike" sz="1800" u="none" kumimoji="0" normalizeH="0">
+          <a:defRPr kumimoji="0" sz="1800" b="0" i="0" u="none" strike="noStrike" cap="none" spc="0" normalizeH="0" baseline="0">
             <a:ln>
               <a:noFill/>
             </a:ln>
@@ -6522,7 +6473,7 @@
           <a:buFontTx/>
           <a:buNone/>
           <a:tabLst/>
-          <a:defRPr b="0" baseline="0" cap="none" i="0" spc="0" strike="noStrike" sz="1800" u="none" kumimoji="0" normalizeH="0">
+          <a:defRPr kumimoji="0" sz="1800" b="0" i="0" u="none" strike="noStrike" cap="none" spc="0" normalizeH="0" baseline="0">
             <a:ln>
               <a:noFill/>
             </a:ln>
@@ -6548,7 +6499,7 @@
           <a:buFontTx/>
           <a:buNone/>
           <a:tabLst/>
-          <a:defRPr b="0" baseline="0" cap="none" i="0" spc="0" strike="noStrike" sz="1800" u="none" kumimoji="0" normalizeH="0">
+          <a:defRPr kumimoji="0" sz="1800" b="0" i="0" u="none" strike="noStrike" cap="none" spc="0" normalizeH="0" baseline="0">
             <a:ln>
               <a:noFill/>
             </a:ln>
@@ -6574,7 +6525,7 @@
           <a:buFontTx/>
           <a:buNone/>
           <a:tabLst/>
-          <a:defRPr b="0" baseline="0" cap="none" i="0" spc="0" strike="noStrike" sz="1800" u="none" kumimoji="0" normalizeH="0">
+          <a:defRPr kumimoji="0" sz="1800" b="0" i="0" u="none" strike="noStrike" cap="none" spc="0" normalizeH="0" baseline="0">
             <a:ln>
               <a:noFill/>
             </a:ln>
@@ -6600,7 +6551,7 @@
           <a:buFontTx/>
           <a:buNone/>
           <a:tabLst/>
-          <a:defRPr b="0" baseline="0" cap="none" i="0" spc="0" strike="noStrike" sz="1800" u="none" kumimoji="0" normalizeH="0">
+          <a:defRPr kumimoji="0" sz="1800" b="0" i="0" u="none" strike="noStrike" cap="none" spc="0" normalizeH="0" baseline="0">
             <a:ln>
               <a:noFill/>
             </a:ln>
@@ -6626,7 +6577,7 @@
           <a:buFontTx/>
           <a:buNone/>
           <a:tabLst/>
-          <a:defRPr b="0" baseline="0" cap="none" i="0" spc="0" strike="noStrike" sz="1800" u="none" kumimoji="0" normalizeH="0">
+          <a:defRPr kumimoji="0" sz="1800" b="0" i="0" u="none" strike="noStrike" cap="none" spc="0" normalizeH="0" baseline="0">
             <a:ln>
               <a:noFill/>
             </a:ln>
@@ -6652,7 +6603,7 @@
           <a:buFontTx/>
           <a:buNone/>
           <a:tabLst/>
-          <a:defRPr b="0" baseline="0" cap="none" i="0" spc="0" strike="noStrike" sz="1800" u="none" kumimoji="0" normalizeH="0">
+          <a:defRPr kumimoji="0" sz="1800" b="0" i="0" u="none" strike="noStrike" cap="none" spc="0" normalizeH="0" baseline="0">
             <a:ln>
               <a:noFill/>
             </a:ln>
@@ -6678,7 +6629,7 @@
           <a:buFontTx/>
           <a:buNone/>
           <a:tabLst/>
-          <a:defRPr b="0" baseline="0" cap="none" i="0" spc="0" strike="noStrike" sz="1800" u="none" kumimoji="0" normalizeH="0">
+          <a:defRPr kumimoji="0" sz="1800" b="0" i="0" u="none" strike="noStrike" cap="none" spc="0" normalizeH="0" baseline="0">
             <a:ln>
               <a:noFill/>
             </a:ln>
@@ -6704,7 +6655,7 @@
           <a:buFontTx/>
           <a:buNone/>
           <a:tabLst/>
-          <a:defRPr b="0" baseline="0" cap="none" i="0" spc="0" strike="noStrike" sz="1800" u="none" kumimoji="0" normalizeH="0">
+          <a:defRPr kumimoji="0" sz="1800" b="0" i="0" u="none" strike="noStrike" cap="none" spc="0" normalizeH="0" baseline="0">
             <a:ln>
               <a:noFill/>
             </a:ln>
@@ -6730,7 +6681,7 @@
           <a:buFontTx/>
           <a:buNone/>
           <a:tabLst/>
-          <a:defRPr b="0" baseline="0" cap="none" i="0" spc="0" strike="noStrike" sz="1800" u="none" kumimoji="0" normalizeH="0">
+          <a:defRPr kumimoji="0" sz="1800" b="0" i="0" u="none" strike="noStrike" cap="none" spc="0" normalizeH="0" baseline="0">
             <a:ln>
               <a:noFill/>
             </a:ln>
@@ -6743,9 +6694,15 @@
         </a:lvl9pPr>
       </a:lstStyle>
       <a:style>
-        <a:lnRef idx="0"/>
-        <a:fillRef idx="0"/>
-        <a:effectRef idx="0"/>
+        <a:lnRef idx="0">
+          <a:scrgbClr r="0" g="0" b="0"/>
+        </a:lnRef>
+        <a:fillRef idx="0">
+          <a:scrgbClr r="0" g="0" b="0"/>
+        </a:fillRef>
+        <a:effectRef idx="0">
+          <a:scrgbClr r="0" g="0" b="0"/>
+        </a:effectRef>
         <a:fontRef idx="none"/>
       </a:style>
     </a:lnDef>
@@ -6759,7 +6716,7 @@
         <a:effectLst/>
         <a:sp3d/>
       </a:spPr>
-      <a:bodyPr rot="0" spcFirstLastPara="1" vertOverflow="overflow" horzOverflow="overflow" vert="horz" wrap="square" lIns="50800" tIns="50800" rIns="50800" bIns="50800" numCol="1" spcCol="38100" rtlCol="0" anchor="ctr" upright="0">
+      <a:bodyPr rot="0" spcFirstLastPara="1" vertOverflow="overflow" horzOverflow="overflow" vert="horz" wrap="square" lIns="50800" tIns="50800" rIns="50800" bIns="50800" numCol="1" spcCol="38100" rtlCol="0" anchor="ctr">
         <a:spAutoFit/>
       </a:bodyPr>
       <a:lstStyle>
@@ -6778,7 +6735,7 @@
           <a:buFontTx/>
           <a:buNone/>
           <a:tabLst/>
-          <a:defRPr b="0" baseline="0" cap="none" i="0" spc="0" strike="noStrike" sz="2400" u="none" kumimoji="0" normalizeH="0">
+          <a:defRPr kumimoji="0" sz="2400" b="0" i="0" u="none" strike="noStrike" cap="none" spc="0" normalizeH="0" baseline="0">
             <a:ln>
               <a:noFill/>
             </a:ln>
@@ -6808,7 +6765,7 @@
           <a:buFontTx/>
           <a:buNone/>
           <a:tabLst/>
-          <a:defRPr b="0" baseline="0" cap="none" i="0" spc="0" strike="noStrike" sz="1800" u="none" kumimoji="0" normalizeH="0">
+          <a:defRPr kumimoji="0" sz="1800" b="0" i="0" u="none" strike="noStrike" cap="none" spc="0" normalizeH="0" baseline="0">
             <a:ln>
               <a:noFill/>
             </a:ln>
@@ -6834,7 +6791,7 @@
           <a:buFontTx/>
           <a:buNone/>
           <a:tabLst/>
-          <a:defRPr b="0" baseline="0" cap="none" i="0" spc="0" strike="noStrike" sz="1800" u="none" kumimoji="0" normalizeH="0">
+          <a:defRPr kumimoji="0" sz="1800" b="0" i="0" u="none" strike="noStrike" cap="none" spc="0" normalizeH="0" baseline="0">
             <a:ln>
               <a:noFill/>
             </a:ln>
@@ -6860,7 +6817,7 @@
           <a:buFontTx/>
           <a:buNone/>
           <a:tabLst/>
-          <a:defRPr b="0" baseline="0" cap="none" i="0" spc="0" strike="noStrike" sz="1800" u="none" kumimoji="0" normalizeH="0">
+          <a:defRPr kumimoji="0" sz="1800" b="0" i="0" u="none" strike="noStrike" cap="none" spc="0" normalizeH="0" baseline="0">
             <a:ln>
               <a:noFill/>
             </a:ln>
@@ -6886,7 +6843,7 @@
           <a:buFontTx/>
           <a:buNone/>
           <a:tabLst/>
-          <a:defRPr b="0" baseline="0" cap="none" i="0" spc="0" strike="noStrike" sz="1800" u="none" kumimoji="0" normalizeH="0">
+          <a:defRPr kumimoji="0" sz="1800" b="0" i="0" u="none" strike="noStrike" cap="none" spc="0" normalizeH="0" baseline="0">
             <a:ln>
               <a:noFill/>
             </a:ln>
@@ -6912,7 +6869,7 @@
           <a:buFontTx/>
           <a:buNone/>
           <a:tabLst/>
-          <a:defRPr b="0" baseline="0" cap="none" i="0" spc="0" strike="noStrike" sz="1800" u="none" kumimoji="0" normalizeH="0">
+          <a:defRPr kumimoji="0" sz="1800" b="0" i="0" u="none" strike="noStrike" cap="none" spc="0" normalizeH="0" baseline="0">
             <a:ln>
               <a:noFill/>
             </a:ln>
@@ -6938,7 +6895,7 @@
           <a:buFontTx/>
           <a:buNone/>
           <a:tabLst/>
-          <a:defRPr b="0" baseline="0" cap="none" i="0" spc="0" strike="noStrike" sz="1800" u="none" kumimoji="0" normalizeH="0">
+          <a:defRPr kumimoji="0" sz="1800" b="0" i="0" u="none" strike="noStrike" cap="none" spc="0" normalizeH="0" baseline="0">
             <a:ln>
               <a:noFill/>
             </a:ln>
@@ -6964,7 +6921,7 @@
           <a:buFontTx/>
           <a:buNone/>
           <a:tabLst/>
-          <a:defRPr b="0" baseline="0" cap="none" i="0" spc="0" strike="noStrike" sz="1800" u="none" kumimoji="0" normalizeH="0">
+          <a:defRPr kumimoji="0" sz="1800" b="0" i="0" u="none" strike="noStrike" cap="none" spc="0" normalizeH="0" baseline="0">
             <a:ln>
               <a:noFill/>
             </a:ln>
@@ -6990,7 +6947,7 @@
           <a:buFontTx/>
           <a:buNone/>
           <a:tabLst/>
-          <a:defRPr b="0" baseline="0" cap="none" i="0" spc="0" strike="noStrike" sz="1800" u="none" kumimoji="0" normalizeH="0">
+          <a:defRPr kumimoji="0" sz="1800" b="0" i="0" u="none" strike="noStrike" cap="none" spc="0" normalizeH="0" baseline="0">
             <a:ln>
               <a:noFill/>
             </a:ln>
@@ -7016,7 +6973,7 @@
           <a:buFontTx/>
           <a:buNone/>
           <a:tabLst/>
-          <a:defRPr b="0" baseline="0" cap="none" i="0" spc="0" strike="noStrike" sz="1800" u="none" kumimoji="0" normalizeH="0">
+          <a:defRPr kumimoji="0" sz="1800" b="0" i="0" u="none" strike="noStrike" cap="none" spc="0" normalizeH="0" baseline="0">
             <a:ln>
               <a:noFill/>
             </a:ln>
@@ -7029,18 +6986,25 @@
         </a:lvl9pPr>
       </a:lstStyle>
       <a:style>
-        <a:lnRef idx="0"/>
-        <a:fillRef idx="0"/>
-        <a:effectRef idx="0"/>
+        <a:lnRef idx="0">
+          <a:scrgbClr r="0" g="0" b="0"/>
+        </a:lnRef>
+        <a:fillRef idx="0">
+          <a:scrgbClr r="0" g="0" b="0"/>
+        </a:fillRef>
+        <a:effectRef idx="0">
+          <a:scrgbClr r="0" g="0" b="0"/>
+        </a:effectRef>
         <a:fontRef idx="none"/>
       </a:style>
     </a:txDef>
   </a:objectDefaults>
+  <a:extraClrSchemeLst/>
 </a:theme>
 </file>
 
 <file path=ppt/theme/theme2.xml><?xml version="1.0" encoding="utf-8"?>
-<a:theme xmlns:a="http://schemas.openxmlformats.org/drawingml/2006/main" xmlns:r="http://schemas.openxmlformats.org/officeDocument/2006/relationships" name="New_Template4">
+<a:theme xmlns:a="http://schemas.openxmlformats.org/drawingml/2006/main" name="New_Template4">
   <a:themeElements>
     <a:clrScheme name="New_Template4">
       <a:dk1>
@@ -7230,8 +7194,8 @@
     <a:spDef>
       <a:spPr>
         <a:blipFill rotWithShape="1">
-          <a:blip r:embed="rId1"/>
-          <a:srcRect l="0" t="0" r="0" b="0"/>
+          <a:blip xmlns:r="http://schemas.openxmlformats.org/officeDocument/2006/relationships" r:embed="rId1"/>
+          <a:srcRect/>
           <a:tile tx="0" ty="0" sx="100000" sy="100000" flip="none" algn="tl"/>
         </a:blipFill>
         <a:ln w="12700" cap="flat">
@@ -7241,7 +7205,7 @@
         <a:effectLst/>
         <a:sp3d/>
       </a:spPr>
-      <a:bodyPr rot="0" spcFirstLastPara="1" vertOverflow="overflow" horzOverflow="overflow" vert="horz" wrap="square" lIns="50800" tIns="50800" rIns="50800" bIns="50800" numCol="1" spcCol="38100" rtlCol="0" anchor="ctr" upright="0">
+      <a:bodyPr rot="0" spcFirstLastPara="1" vertOverflow="overflow" horzOverflow="overflow" vert="horz" wrap="square" lIns="50800" tIns="50800" rIns="50800" bIns="50800" numCol="1" spcCol="38100" rtlCol="0" anchor="ctr">
         <a:spAutoFit/>
       </a:bodyPr>
       <a:lstStyle>
@@ -7260,7 +7224,7 @@
           <a:buFontTx/>
           <a:buNone/>
           <a:tabLst/>
-          <a:defRPr b="0" baseline="0" cap="none" i="0" spc="0" strike="noStrike" sz="3200" u="none" kumimoji="0" normalizeH="0">
+          <a:defRPr kumimoji="0" sz="3200" b="0" i="0" u="none" strike="noStrike" cap="none" spc="0" normalizeH="0" baseline="0">
             <a:ln>
               <a:noFill/>
             </a:ln>
@@ -7268,7 +7232,7 @@
               <a:srgbClr val="FFFFFF"/>
             </a:solidFill>
             <a:effectLst>
-              <a:outerShdw sx="100000" sy="100000" kx="0" ky="0" algn="b" rotWithShape="0" blurRad="25400" dist="33948" dir="2700000">
+              <a:outerShdw blurRad="25400" dist="33948" dir="2700000" rotWithShape="0">
                 <a:srgbClr val="3B3936"/>
               </a:outerShdw>
             </a:effectLst>
@@ -7294,7 +7258,7 @@
           <a:buFontTx/>
           <a:buNone/>
           <a:tabLst/>
-          <a:defRPr b="0" baseline="0" cap="none" i="0" spc="0" strike="noStrike" sz="1800" u="none" kumimoji="0" normalizeH="0">
+          <a:defRPr kumimoji="0" sz="1800" b="0" i="0" u="none" strike="noStrike" cap="none" spc="0" normalizeH="0" baseline="0">
             <a:ln>
               <a:noFill/>
             </a:ln>
@@ -7320,7 +7284,7 @@
           <a:buFontTx/>
           <a:buNone/>
           <a:tabLst/>
-          <a:defRPr b="0" baseline="0" cap="none" i="0" spc="0" strike="noStrike" sz="1800" u="none" kumimoji="0" normalizeH="0">
+          <a:defRPr kumimoji="0" sz="1800" b="0" i="0" u="none" strike="noStrike" cap="none" spc="0" normalizeH="0" baseline="0">
             <a:ln>
               <a:noFill/>
             </a:ln>
@@ -7346,7 +7310,7 @@
           <a:buFontTx/>
           <a:buNone/>
           <a:tabLst/>
-          <a:defRPr b="0" baseline="0" cap="none" i="0" spc="0" strike="noStrike" sz="1800" u="none" kumimoji="0" normalizeH="0">
+          <a:defRPr kumimoji="0" sz="1800" b="0" i="0" u="none" strike="noStrike" cap="none" spc="0" normalizeH="0" baseline="0">
             <a:ln>
               <a:noFill/>
             </a:ln>
@@ -7372,7 +7336,7 @@
           <a:buFontTx/>
           <a:buNone/>
           <a:tabLst/>
-          <a:defRPr b="0" baseline="0" cap="none" i="0" spc="0" strike="noStrike" sz="1800" u="none" kumimoji="0" normalizeH="0">
+          <a:defRPr kumimoji="0" sz="1800" b="0" i="0" u="none" strike="noStrike" cap="none" spc="0" normalizeH="0" baseline="0">
             <a:ln>
               <a:noFill/>
             </a:ln>
@@ -7398,7 +7362,7 @@
           <a:buFontTx/>
           <a:buNone/>
           <a:tabLst/>
-          <a:defRPr b="0" baseline="0" cap="none" i="0" spc="0" strike="noStrike" sz="1800" u="none" kumimoji="0" normalizeH="0">
+          <a:defRPr kumimoji="0" sz="1800" b="0" i="0" u="none" strike="noStrike" cap="none" spc="0" normalizeH="0" baseline="0">
             <a:ln>
               <a:noFill/>
             </a:ln>
@@ -7424,7 +7388,7 @@
           <a:buFontTx/>
           <a:buNone/>
           <a:tabLst/>
-          <a:defRPr b="0" baseline="0" cap="none" i="0" spc="0" strike="noStrike" sz="1800" u="none" kumimoji="0" normalizeH="0">
+          <a:defRPr kumimoji="0" sz="1800" b="0" i="0" u="none" strike="noStrike" cap="none" spc="0" normalizeH="0" baseline="0">
             <a:ln>
               <a:noFill/>
             </a:ln>
@@ -7450,7 +7414,7 @@
           <a:buFontTx/>
           <a:buNone/>
           <a:tabLst/>
-          <a:defRPr b="0" baseline="0" cap="none" i="0" spc="0" strike="noStrike" sz="1800" u="none" kumimoji="0" normalizeH="0">
+          <a:defRPr kumimoji="0" sz="1800" b="0" i="0" u="none" strike="noStrike" cap="none" spc="0" normalizeH="0" baseline="0">
             <a:ln>
               <a:noFill/>
             </a:ln>
@@ -7476,7 +7440,7 @@
           <a:buFontTx/>
           <a:buNone/>
           <a:tabLst/>
-          <a:defRPr b="0" baseline="0" cap="none" i="0" spc="0" strike="noStrike" sz="1800" u="none" kumimoji="0" normalizeH="0">
+          <a:defRPr kumimoji="0" sz="1800" b="0" i="0" u="none" strike="noStrike" cap="none" spc="0" normalizeH="0" baseline="0">
             <a:ln>
               <a:noFill/>
             </a:ln>
@@ -7502,7 +7466,7 @@
           <a:buFontTx/>
           <a:buNone/>
           <a:tabLst/>
-          <a:defRPr b="0" baseline="0" cap="none" i="0" spc="0" strike="noStrike" sz="1800" u="none" kumimoji="0" normalizeH="0">
+          <a:defRPr kumimoji="0" sz="1800" b="0" i="0" u="none" strike="noStrike" cap="none" spc="0" normalizeH="0" baseline="0">
             <a:ln>
               <a:noFill/>
             </a:ln>
@@ -7515,9 +7479,15 @@
         </a:lvl9pPr>
       </a:lstStyle>
       <a:style>
-        <a:lnRef idx="0"/>
-        <a:fillRef idx="0"/>
-        <a:effectRef idx="0"/>
+        <a:lnRef idx="0">
+          <a:scrgbClr r="0" g="0" b="0"/>
+        </a:lnRef>
+        <a:fillRef idx="0">
+          <a:scrgbClr r="0" g="0" b="0"/>
+        </a:fillRef>
+        <a:effectRef idx="0">
+          <a:scrgbClr r="0" g="0" b="0"/>
+        </a:effectRef>
         <a:fontRef idx="none"/>
       </a:style>
     </a:spDef>
@@ -7534,7 +7504,7 @@
         <a:effectLst/>
         <a:sp3d/>
       </a:spPr>
-      <a:bodyPr rot="0" spcFirstLastPara="1" vertOverflow="overflow" horzOverflow="overflow" vert="horz" wrap="square" lIns="91439" tIns="45719" rIns="91439" bIns="45719" numCol="1" spcCol="38100" rtlCol="0" anchor="t" upright="0">
+      <a:bodyPr rot="0" spcFirstLastPara="1" vertOverflow="overflow" horzOverflow="overflow" vert="horz" wrap="square" lIns="91439" tIns="45719" rIns="91439" bIns="45719" numCol="1" spcCol="38100" rtlCol="0" anchor="t">
         <a:noAutofit/>
       </a:bodyPr>
       <a:lstStyle>
@@ -7553,7 +7523,7 @@
           <a:buFontTx/>
           <a:buNone/>
           <a:tabLst/>
-          <a:defRPr b="0" baseline="0" cap="none" i="0" spc="0" strike="noStrike" sz="1800" u="none" kumimoji="0" normalizeH="0">
+          <a:defRPr kumimoji="0" sz="1800" b="0" i="0" u="none" strike="noStrike" cap="none" spc="0" normalizeH="0" baseline="0">
             <a:ln>
               <a:noFill/>
             </a:ln>
@@ -7579,7 +7549,7 @@
           <a:buFontTx/>
           <a:buNone/>
           <a:tabLst/>
-          <a:defRPr b="0" baseline="0" cap="none" i="0" spc="0" strike="noStrike" sz="1800" u="none" kumimoji="0" normalizeH="0">
+          <a:defRPr kumimoji="0" sz="1800" b="0" i="0" u="none" strike="noStrike" cap="none" spc="0" normalizeH="0" baseline="0">
             <a:ln>
               <a:noFill/>
             </a:ln>
@@ -7605,7 +7575,7 @@
           <a:buFontTx/>
           <a:buNone/>
           <a:tabLst/>
-          <a:defRPr b="0" baseline="0" cap="none" i="0" spc="0" strike="noStrike" sz="1800" u="none" kumimoji="0" normalizeH="0">
+          <a:defRPr kumimoji="0" sz="1800" b="0" i="0" u="none" strike="noStrike" cap="none" spc="0" normalizeH="0" baseline="0">
             <a:ln>
               <a:noFill/>
             </a:ln>
@@ -7631,7 +7601,7 @@
           <a:buFontTx/>
           <a:buNone/>
           <a:tabLst/>
-          <a:defRPr b="0" baseline="0" cap="none" i="0" spc="0" strike="noStrike" sz="1800" u="none" kumimoji="0" normalizeH="0">
+          <a:defRPr kumimoji="0" sz="1800" b="0" i="0" u="none" strike="noStrike" cap="none" spc="0" normalizeH="0" baseline="0">
             <a:ln>
               <a:noFill/>
             </a:ln>
@@ -7657,7 +7627,7 @@
           <a:buFontTx/>
           <a:buNone/>
           <a:tabLst/>
-          <a:defRPr b="0" baseline="0" cap="none" i="0" spc="0" strike="noStrike" sz="1800" u="none" kumimoji="0" normalizeH="0">
+          <a:defRPr kumimoji="0" sz="1800" b="0" i="0" u="none" strike="noStrike" cap="none" spc="0" normalizeH="0" baseline="0">
             <a:ln>
               <a:noFill/>
             </a:ln>
@@ -7683,7 +7653,7 @@
           <a:buFontTx/>
           <a:buNone/>
           <a:tabLst/>
-          <a:defRPr b="0" baseline="0" cap="none" i="0" spc="0" strike="noStrike" sz="1800" u="none" kumimoji="0" normalizeH="0">
+          <a:defRPr kumimoji="0" sz="1800" b="0" i="0" u="none" strike="noStrike" cap="none" spc="0" normalizeH="0" baseline="0">
             <a:ln>
               <a:noFill/>
             </a:ln>
@@ -7709,7 +7679,7 @@
           <a:buFontTx/>
           <a:buNone/>
           <a:tabLst/>
-          <a:defRPr b="0" baseline="0" cap="none" i="0" spc="0" strike="noStrike" sz="1800" u="none" kumimoji="0" normalizeH="0">
+          <a:defRPr kumimoji="0" sz="1800" b="0" i="0" u="none" strike="noStrike" cap="none" spc="0" normalizeH="0" baseline="0">
             <a:ln>
               <a:noFill/>
             </a:ln>
@@ -7735,7 +7705,7 @@
           <a:buFontTx/>
           <a:buNone/>
           <a:tabLst/>
-          <a:defRPr b="0" baseline="0" cap="none" i="0" spc="0" strike="noStrike" sz="1800" u="none" kumimoji="0" normalizeH="0">
+          <a:defRPr kumimoji="0" sz="1800" b="0" i="0" u="none" strike="noStrike" cap="none" spc="0" normalizeH="0" baseline="0">
             <a:ln>
               <a:noFill/>
             </a:ln>
@@ -7761,7 +7731,7 @@
           <a:buFontTx/>
           <a:buNone/>
           <a:tabLst/>
-          <a:defRPr b="0" baseline="0" cap="none" i="0" spc="0" strike="noStrike" sz="1800" u="none" kumimoji="0" normalizeH="0">
+          <a:defRPr kumimoji="0" sz="1800" b="0" i="0" u="none" strike="noStrike" cap="none" spc="0" normalizeH="0" baseline="0">
             <a:ln>
               <a:noFill/>
             </a:ln>
@@ -7787,7 +7757,7 @@
           <a:buFontTx/>
           <a:buNone/>
           <a:tabLst/>
-          <a:defRPr b="0" baseline="0" cap="none" i="0" spc="0" strike="noStrike" sz="1800" u="none" kumimoji="0" normalizeH="0">
+          <a:defRPr kumimoji="0" sz="1800" b="0" i="0" u="none" strike="noStrike" cap="none" spc="0" normalizeH="0" baseline="0">
             <a:ln>
               <a:noFill/>
             </a:ln>
@@ -7800,9 +7770,15 @@
         </a:lvl9pPr>
       </a:lstStyle>
       <a:style>
-        <a:lnRef idx="0"/>
-        <a:fillRef idx="0"/>
-        <a:effectRef idx="0"/>
+        <a:lnRef idx="0">
+          <a:scrgbClr r="0" g="0" b="0"/>
+        </a:lnRef>
+        <a:fillRef idx="0">
+          <a:scrgbClr r="0" g="0" b="0"/>
+        </a:fillRef>
+        <a:effectRef idx="0">
+          <a:scrgbClr r="0" g="0" b="0"/>
+        </a:effectRef>
         <a:fontRef idx="none"/>
       </a:style>
     </a:lnDef>
@@ -7816,7 +7792,7 @@
         <a:effectLst/>
         <a:sp3d/>
       </a:spPr>
-      <a:bodyPr rot="0" spcFirstLastPara="1" vertOverflow="overflow" horzOverflow="overflow" vert="horz" wrap="square" lIns="50800" tIns="50800" rIns="50800" bIns="50800" numCol="1" spcCol="38100" rtlCol="0" anchor="ctr" upright="0">
+      <a:bodyPr rot="0" spcFirstLastPara="1" vertOverflow="overflow" horzOverflow="overflow" vert="horz" wrap="square" lIns="50800" tIns="50800" rIns="50800" bIns="50800" numCol="1" spcCol="38100" rtlCol="0" anchor="ctr">
         <a:spAutoFit/>
       </a:bodyPr>
       <a:lstStyle>
@@ -7835,7 +7811,7 @@
           <a:buFontTx/>
           <a:buNone/>
           <a:tabLst/>
-          <a:defRPr b="0" baseline="0" cap="none" i="0" spc="0" strike="noStrike" sz="2400" u="none" kumimoji="0" normalizeH="0">
+          <a:defRPr kumimoji="0" sz="2400" b="0" i="0" u="none" strike="noStrike" cap="none" spc="0" normalizeH="0" baseline="0">
             <a:ln>
               <a:noFill/>
             </a:ln>
@@ -7865,7 +7841,7 @@
           <a:buFontTx/>
           <a:buNone/>
           <a:tabLst/>
-          <a:defRPr b="0" baseline="0" cap="none" i="0" spc="0" strike="noStrike" sz="1800" u="none" kumimoji="0" normalizeH="0">
+          <a:defRPr kumimoji="0" sz="1800" b="0" i="0" u="none" strike="noStrike" cap="none" spc="0" normalizeH="0" baseline="0">
             <a:ln>
               <a:noFill/>
             </a:ln>
@@ -7891,7 +7867,7 @@
           <a:buFontTx/>
           <a:buNone/>
           <a:tabLst/>
-          <a:defRPr b="0" baseline="0" cap="none" i="0" spc="0" strike="noStrike" sz="1800" u="none" kumimoji="0" normalizeH="0">
+          <a:defRPr kumimoji="0" sz="1800" b="0" i="0" u="none" strike="noStrike" cap="none" spc="0" normalizeH="0" baseline="0">
             <a:ln>
               <a:noFill/>
             </a:ln>
@@ -7917,7 +7893,7 @@
           <a:buFontTx/>
           <a:buNone/>
           <a:tabLst/>
-          <a:defRPr b="0" baseline="0" cap="none" i="0" spc="0" strike="noStrike" sz="1800" u="none" kumimoji="0" normalizeH="0">
+          <a:defRPr kumimoji="0" sz="1800" b="0" i="0" u="none" strike="noStrike" cap="none" spc="0" normalizeH="0" baseline="0">
             <a:ln>
               <a:noFill/>
             </a:ln>
@@ -7943,7 +7919,7 @@
           <a:buFontTx/>
           <a:buNone/>
           <a:tabLst/>
-          <a:defRPr b="0" baseline="0" cap="none" i="0" spc="0" strike="noStrike" sz="1800" u="none" kumimoji="0" normalizeH="0">
+          <a:defRPr kumimoji="0" sz="1800" b="0" i="0" u="none" strike="noStrike" cap="none" spc="0" normalizeH="0" baseline="0">
             <a:ln>
               <a:noFill/>
             </a:ln>
@@ -7969,7 +7945,7 @@
           <a:buFontTx/>
           <a:buNone/>
           <a:tabLst/>
-          <a:defRPr b="0" baseline="0" cap="none" i="0" spc="0" strike="noStrike" sz="1800" u="none" kumimoji="0" normalizeH="0">
+          <a:defRPr kumimoji="0" sz="1800" b="0" i="0" u="none" strike="noStrike" cap="none" spc="0" normalizeH="0" baseline="0">
             <a:ln>
               <a:noFill/>
             </a:ln>
@@ -7995,7 +7971,7 @@
           <a:buFontTx/>
           <a:buNone/>
           <a:tabLst/>
-          <a:defRPr b="0" baseline="0" cap="none" i="0" spc="0" strike="noStrike" sz="1800" u="none" kumimoji="0" normalizeH="0">
+          <a:defRPr kumimoji="0" sz="1800" b="0" i="0" u="none" strike="noStrike" cap="none" spc="0" normalizeH="0" baseline="0">
             <a:ln>
               <a:noFill/>
             </a:ln>
@@ -8021,7 +7997,7 @@
           <a:buFontTx/>
           <a:buNone/>
           <a:tabLst/>
-          <a:defRPr b="0" baseline="0" cap="none" i="0" spc="0" strike="noStrike" sz="1800" u="none" kumimoji="0" normalizeH="0">
+          <a:defRPr kumimoji="0" sz="1800" b="0" i="0" u="none" strike="noStrike" cap="none" spc="0" normalizeH="0" baseline="0">
             <a:ln>
               <a:noFill/>
             </a:ln>
@@ -8047,7 +8023,7 @@
           <a:buFontTx/>
           <a:buNone/>
           <a:tabLst/>
-          <a:defRPr b="0" baseline="0" cap="none" i="0" spc="0" strike="noStrike" sz="1800" u="none" kumimoji="0" normalizeH="0">
+          <a:defRPr kumimoji="0" sz="1800" b="0" i="0" u="none" strike="noStrike" cap="none" spc="0" normalizeH="0" baseline="0">
             <a:ln>
               <a:noFill/>
             </a:ln>
@@ -8073,7 +8049,7 @@
           <a:buFontTx/>
           <a:buNone/>
           <a:tabLst/>
-          <a:defRPr b="0" baseline="0" cap="none" i="0" spc="0" strike="noStrike" sz="1800" u="none" kumimoji="0" normalizeH="0">
+          <a:defRPr kumimoji="0" sz="1800" b="0" i="0" u="none" strike="noStrike" cap="none" spc="0" normalizeH="0" baseline="0">
             <a:ln>
               <a:noFill/>
             </a:ln>
@@ -8086,12 +8062,280 @@
         </a:lvl9pPr>
       </a:lstStyle>
       <a:style>
-        <a:lnRef idx="0"/>
-        <a:fillRef idx="0"/>
-        <a:effectRef idx="0"/>
+        <a:lnRef idx="0">
+          <a:scrgbClr r="0" g="0" b="0"/>
+        </a:lnRef>
+        <a:fillRef idx="0">
+          <a:scrgbClr r="0" g="0" b="0"/>
+        </a:fillRef>
+        <a:effectRef idx="0">
+          <a:scrgbClr r="0" g="0" b="0"/>
+        </a:effectRef>
         <a:fontRef idx="none"/>
       </a:style>
     </a:txDef>
   </a:objectDefaults>
+  <a:extraClrSchemeLst/>
+</a:theme>
+</file>
+
+<file path=ppt/theme/theme3.xml><?xml version="1.0" encoding="utf-8"?>
+<a:theme xmlns:a="http://schemas.openxmlformats.org/drawingml/2006/main" name="Tema de Office">
+  <a:themeElements>
+    <a:clrScheme name="Office">
+      <a:dk1>
+        <a:sysClr val="windowText" lastClr="000000"/>
+      </a:dk1>
+      <a:lt1>
+        <a:sysClr val="window" lastClr="FFFFFF"/>
+      </a:lt1>
+      <a:dk2>
+        <a:srgbClr val="44546A"/>
+      </a:dk2>
+      <a:lt2>
+        <a:srgbClr val="E7E6E6"/>
+      </a:lt2>
+      <a:accent1>
+        <a:srgbClr val="5B9BD5"/>
+      </a:accent1>
+      <a:accent2>
+        <a:srgbClr val="ED7D31"/>
+      </a:accent2>
+      <a:accent3>
+        <a:srgbClr val="A5A5A5"/>
+      </a:accent3>
+      <a:accent4>
+        <a:srgbClr val="FFC000"/>
+      </a:accent4>
+      <a:accent5>
+        <a:srgbClr val="4472C4"/>
+      </a:accent5>
+      <a:accent6>
+        <a:srgbClr val="70AD47"/>
+      </a:accent6>
+      <a:hlink>
+        <a:srgbClr val="0563C1"/>
+      </a:hlink>
+      <a:folHlink>
+        <a:srgbClr val="954F72"/>
+      </a:folHlink>
+    </a:clrScheme>
+    <a:fontScheme name="Office">
+      <a:majorFont>
+        <a:latin typeface="Calibri Light" panose="020F0302020204030204"/>
+        <a:ea typeface=""/>
+        <a:cs typeface=""/>
+        <a:font script="Jpan" typeface="Yu Gothic Light"/>
+        <a:font script="Hang" typeface="맑은 고딕"/>
+        <a:font script="Hans" typeface="DengXian Light"/>
+        <a:font script="Hant" typeface="新細明體"/>
+        <a:font script="Arab" typeface="Times New Roman"/>
+        <a:font script="Hebr" typeface="Times New Roman"/>
+        <a:font script="Thai" typeface="Angsana New"/>
+        <a:font script="Ethi" typeface="Nyala"/>
+        <a:font script="Beng" typeface="Vrinda"/>
+        <a:font script="Gujr" typeface="Shruti"/>
+        <a:font script="Khmr" typeface="MoolBoran"/>
+        <a:font script="Knda" typeface="Tunga"/>
+        <a:font script="Guru" typeface="Raavi"/>
+        <a:font script="Cans" typeface="Euphemia"/>
+        <a:font script="Cher" typeface="Plantagenet Cherokee"/>
+        <a:font script="Yiii" typeface="Microsoft Yi Baiti"/>
+        <a:font script="Tibt" typeface="Microsoft Himalaya"/>
+        <a:font script="Thaa" typeface="MV Boli"/>
+        <a:font script="Deva" typeface="Mangal"/>
+        <a:font script="Telu" typeface="Gautami"/>
+        <a:font script="Taml" typeface="Latha"/>
+        <a:font script="Syrc" typeface="Estrangelo Edessa"/>
+        <a:font script="Orya" typeface="Kalinga"/>
+        <a:font script="Mlym" typeface="Kartika"/>
+        <a:font script="Laoo" typeface="DokChampa"/>
+        <a:font script="Sinh" typeface="Iskoola Pota"/>
+        <a:font script="Mong" typeface="Mongolian Baiti"/>
+        <a:font script="Viet" typeface="Times New Roman"/>
+        <a:font script="Uigh" typeface="Microsoft Uighur"/>
+        <a:font script="Geor" typeface="Sylfaen"/>
+      </a:majorFont>
+      <a:minorFont>
+        <a:latin typeface="Calibri" panose="020F0502020204030204"/>
+        <a:ea typeface=""/>
+        <a:cs typeface=""/>
+        <a:font script="Jpan" typeface="Yu Gothic"/>
+        <a:font script="Hang" typeface="맑은 고딕"/>
+        <a:font script="Hans" typeface="DengXian"/>
+        <a:font script="Hant" typeface="新細明體"/>
+        <a:font script="Arab" typeface="Arial"/>
+        <a:font script="Hebr" typeface="Arial"/>
+        <a:font script="Thai" typeface="Cordia New"/>
+        <a:font script="Ethi" typeface="Nyala"/>
+        <a:font script="Beng" typeface="Vrinda"/>
+        <a:font script="Gujr" typeface="Shruti"/>
+        <a:font script="Khmr" typeface="DaunPenh"/>
+        <a:font script="Knda" typeface="Tunga"/>
+        <a:font script="Guru" typeface="Raavi"/>
+        <a:font script="Cans" typeface="Euphemia"/>
+        <a:font script="Cher" typeface="Plantagenet Cherokee"/>
+        <a:font script="Yiii" typeface="Microsoft Yi Baiti"/>
+        <a:font script="Tibt" typeface="Microsoft Himalaya"/>
+        <a:font script="Thaa" typeface="MV Boli"/>
+        <a:font script="Deva" typeface="Mangal"/>
+        <a:font script="Telu" typeface="Gautami"/>
+        <a:font script="Taml" typeface="Latha"/>
+        <a:font script="Syrc" typeface="Estrangelo Edessa"/>
+        <a:font script="Orya" typeface="Kalinga"/>
+        <a:font script="Mlym" typeface="Kartika"/>
+        <a:font script="Laoo" typeface="DokChampa"/>
+        <a:font script="Sinh" typeface="Iskoola Pota"/>
+        <a:font script="Mong" typeface="Mongolian Baiti"/>
+        <a:font script="Viet" typeface="Arial"/>
+        <a:font script="Uigh" typeface="Microsoft Uighur"/>
+        <a:font script="Geor" typeface="Sylfaen"/>
+      </a:minorFont>
+    </a:fontScheme>
+    <a:fmtScheme name="Office">
+      <a:fillStyleLst>
+        <a:solidFill>
+          <a:schemeClr val="phClr"/>
+        </a:solidFill>
+        <a:gradFill rotWithShape="1">
+          <a:gsLst>
+            <a:gs pos="0">
+              <a:schemeClr val="phClr">
+                <a:lumMod val="110000"/>
+                <a:satMod val="105000"/>
+                <a:tint val="67000"/>
+              </a:schemeClr>
+            </a:gs>
+            <a:gs pos="50000">
+              <a:schemeClr val="phClr">
+                <a:lumMod val="105000"/>
+                <a:satMod val="103000"/>
+                <a:tint val="73000"/>
+              </a:schemeClr>
+            </a:gs>
+            <a:gs pos="100000">
+              <a:schemeClr val="phClr">
+                <a:lumMod val="105000"/>
+                <a:satMod val="109000"/>
+                <a:tint val="81000"/>
+              </a:schemeClr>
+            </a:gs>
+          </a:gsLst>
+          <a:lin ang="5400000" scaled="0"/>
+        </a:gradFill>
+        <a:gradFill rotWithShape="1">
+          <a:gsLst>
+            <a:gs pos="0">
+              <a:schemeClr val="phClr">
+                <a:satMod val="103000"/>
+                <a:lumMod val="102000"/>
+                <a:tint val="94000"/>
+              </a:schemeClr>
+            </a:gs>
+            <a:gs pos="50000">
+              <a:schemeClr val="phClr">
+                <a:satMod val="110000"/>
+                <a:lumMod val="100000"/>
+                <a:shade val="100000"/>
+              </a:schemeClr>
+            </a:gs>
+            <a:gs pos="100000">
+              <a:schemeClr val="phClr">
+                <a:lumMod val="99000"/>
+                <a:satMod val="120000"/>
+                <a:shade val="78000"/>
+              </a:schemeClr>
+            </a:gs>
+          </a:gsLst>
+          <a:lin ang="5400000" scaled="0"/>
+        </a:gradFill>
+      </a:fillStyleLst>
+      <a:lnStyleLst>
+        <a:ln w="6350" cap="flat" cmpd="sng" algn="ctr">
+          <a:solidFill>
+            <a:schemeClr val="phClr"/>
+          </a:solidFill>
+          <a:prstDash val="solid"/>
+          <a:miter lim="800000"/>
+        </a:ln>
+        <a:ln w="12700" cap="flat" cmpd="sng" algn="ctr">
+          <a:solidFill>
+            <a:schemeClr val="phClr"/>
+          </a:solidFill>
+          <a:prstDash val="solid"/>
+          <a:miter lim="800000"/>
+        </a:ln>
+        <a:ln w="19050" cap="flat" cmpd="sng" algn="ctr">
+          <a:solidFill>
+            <a:schemeClr val="phClr"/>
+          </a:solidFill>
+          <a:prstDash val="solid"/>
+          <a:miter lim="800000"/>
+        </a:ln>
+      </a:lnStyleLst>
+      <a:effectStyleLst>
+        <a:effectStyle>
+          <a:effectLst/>
+        </a:effectStyle>
+        <a:effectStyle>
+          <a:effectLst/>
+        </a:effectStyle>
+        <a:effectStyle>
+          <a:effectLst>
+            <a:outerShdw blurRad="57150" dist="19050" dir="5400000" algn="ctr" rotWithShape="0">
+              <a:srgbClr val="000000">
+                <a:alpha val="63000"/>
+              </a:srgbClr>
+            </a:outerShdw>
+          </a:effectLst>
+        </a:effectStyle>
+      </a:effectStyleLst>
+      <a:bgFillStyleLst>
+        <a:solidFill>
+          <a:schemeClr val="phClr"/>
+        </a:solidFill>
+        <a:solidFill>
+          <a:schemeClr val="phClr">
+            <a:tint val="95000"/>
+            <a:satMod val="170000"/>
+          </a:schemeClr>
+        </a:solidFill>
+        <a:gradFill rotWithShape="1">
+          <a:gsLst>
+            <a:gs pos="0">
+              <a:schemeClr val="phClr">
+                <a:tint val="93000"/>
+                <a:satMod val="150000"/>
+                <a:shade val="98000"/>
+                <a:lumMod val="102000"/>
+              </a:schemeClr>
+            </a:gs>
+            <a:gs pos="50000">
+              <a:schemeClr val="phClr">
+                <a:tint val="98000"/>
+                <a:satMod val="130000"/>
+                <a:shade val="90000"/>
+                <a:lumMod val="103000"/>
+              </a:schemeClr>
+            </a:gs>
+            <a:gs pos="100000">
+              <a:schemeClr val="phClr">
+                <a:shade val="63000"/>
+                <a:satMod val="120000"/>
+              </a:schemeClr>
+            </a:gs>
+          </a:gsLst>
+          <a:lin ang="5400000" scaled="0"/>
+        </a:gradFill>
+      </a:bgFillStyleLst>
+    </a:fmtScheme>
+  </a:themeElements>
+  <a:objectDefaults/>
+  <a:extraClrSchemeLst/>
+  <a:extLst>
+    <a:ext uri="{05A4C25C-085E-4340-85A3-A5531E510DB2}">
+      <thm15:themeFamily xmlns:thm15="http://schemas.microsoft.com/office/thememl/2012/main" name="Office Theme" id="{62F939B6-93AF-4DB8-9C6B-D6C7DFDC589F}" vid="{4A3C46E8-61CC-4603-A589-7422A47A8E4A}"/>
+    </a:ext>
+  </a:extLst>
 </a:theme>
 </file>